--- a/ogara mod5 ML presentation.pptx
+++ b/ogara mod5 ML presentation.pptx
@@ -15,9 +15,10 @@
     <p:sldId id="263" r:id="rId9"/>
     <p:sldId id="271" r:id="rId10"/>
     <p:sldId id="269" r:id="rId11"/>
-    <p:sldId id="265" r:id="rId12"/>
-    <p:sldId id="267" r:id="rId13"/>
-    <p:sldId id="266" r:id="rId14"/>
+    <p:sldId id="272" r:id="rId12"/>
+    <p:sldId id="265" r:id="rId13"/>
+    <p:sldId id="267" r:id="rId14"/>
+    <p:sldId id="266" r:id="rId15"/>
   </p:sldIdLst>
   <p:sldSz cx="12192000" cy="6858000"/>
   <p:notesSz cx="6858000" cy="9144000"/>
@@ -118,7 +119,7 @@
   </p:defaultTextStyle>
   <p:extLst>
     <p:ext uri="{EFAFB233-063F-42B5-8137-9DF3F51BA10A}">
-      <p15:sldGuideLst xmlns:p15="http://schemas.microsoft.com/office/powerpoint/2012/main" xmlns=""/>
+      <p15:sldGuideLst xmlns="" xmlns:p15="http://schemas.microsoft.com/office/powerpoint/2012/main"/>
     </p:ext>
   </p:extLst>
 </p:presentation>
@@ -1783,7 +1784,7 @@
                 <a14:useLocalDpi xmlns:a14="http://schemas.microsoft.com/office/drawing/2010/main" val="0"/>
               </a:ext>
               <a:ext uri="{96DAC541-7B7A-43D3-8B79-37D633B846F1}">
-                <asvg:svgBlip xmlns:asvg="http://schemas.microsoft.com/office/drawing/2016/SVG/main" xmlns="" r:embed="rId2"/>
+                <asvg:svgBlip xmlns="" xmlns:asvg="http://schemas.microsoft.com/office/drawing/2016/SVG/main" r:embed="rId2"/>
               </a:ext>
             </a:extLst>
           </a:blip>
@@ -1846,7 +1847,7 @@
                 <a14:useLocalDpi xmlns:a14="http://schemas.microsoft.com/office/drawing/2010/main" val="0"/>
               </a:ext>
               <a:ext uri="{96DAC541-7B7A-43D3-8B79-37D633B846F1}">
-                <asvg:svgBlip xmlns:asvg="http://schemas.microsoft.com/office/drawing/2016/SVG/main" xmlns="" r:embed="rId4"/>
+                <asvg:svgBlip xmlns="" xmlns:asvg="http://schemas.microsoft.com/office/drawing/2016/SVG/main" r:embed="rId4"/>
               </a:ext>
             </a:extLst>
           </a:blip>
@@ -2045,7 +2046,7 @@
                 <a14:useLocalDpi xmlns:a14="http://schemas.microsoft.com/office/drawing/2010/main" val="0"/>
               </a:ext>
               <a:ext uri="{96DAC541-7B7A-43D3-8B79-37D633B846F1}">
-                <asvg:svgBlip xmlns:asvg="http://schemas.microsoft.com/office/drawing/2016/SVG/main" xmlns="" r:embed="rId2"/>
+                <asvg:svgBlip xmlns="" xmlns:asvg="http://schemas.microsoft.com/office/drawing/2016/SVG/main" r:embed="rId2"/>
               </a:ext>
             </a:extLst>
           </a:blip>
@@ -2112,7 +2113,7 @@
                 <a14:useLocalDpi xmlns:a14="http://schemas.microsoft.com/office/drawing/2010/main" val="0"/>
               </a:ext>
               <a:ext uri="{96DAC541-7B7A-43D3-8B79-37D633B846F1}">
-                <asvg:svgBlip xmlns:asvg="http://schemas.microsoft.com/office/drawing/2016/SVG/main" xmlns="" r:embed="rId4"/>
+                <asvg:svgBlip xmlns="" xmlns:asvg="http://schemas.microsoft.com/office/drawing/2016/SVG/main" r:embed="rId4"/>
               </a:ext>
             </a:extLst>
           </a:blip>
@@ -2214,7 +2215,7 @@
                 <a14:useLocalDpi xmlns:a14="http://schemas.microsoft.com/office/drawing/2010/main" val="0"/>
               </a:ext>
               <a:ext uri="{96DAC541-7B7A-43D3-8B79-37D633B846F1}">
-                <asvg:svgBlip xmlns:asvg="http://schemas.microsoft.com/office/drawing/2016/SVG/main" xmlns="" r:embed="rId2"/>
+                <asvg:svgBlip xmlns="" xmlns:asvg="http://schemas.microsoft.com/office/drawing/2016/SVG/main" r:embed="rId2"/>
               </a:ext>
             </a:extLst>
           </a:blip>
@@ -2322,7 +2323,7 @@
                 <a14:useLocalDpi xmlns:a14="http://schemas.microsoft.com/office/drawing/2010/main" val="0"/>
               </a:ext>
               <a:ext uri="{96DAC541-7B7A-43D3-8B79-37D633B846F1}">
-                <asvg:svgBlip xmlns:asvg="http://schemas.microsoft.com/office/drawing/2016/SVG/main" xmlns="" r:embed="rId4"/>
+                <asvg:svgBlip xmlns="" xmlns:asvg="http://schemas.microsoft.com/office/drawing/2016/SVG/main" r:embed="rId4"/>
               </a:ext>
             </a:extLst>
           </a:blip>
@@ -2487,7 +2488,7 @@
                 <a14:useLocalDpi xmlns:a14="http://schemas.microsoft.com/office/drawing/2010/main" val="0"/>
               </a:ext>
               <a:ext uri="{96DAC541-7B7A-43D3-8B79-37D633B846F1}">
-                <asvg:svgBlip xmlns:asvg="http://schemas.microsoft.com/office/drawing/2016/SVG/main" xmlns="" r:embed="rId2"/>
+                <asvg:svgBlip xmlns="" xmlns:asvg="http://schemas.microsoft.com/office/drawing/2016/SVG/main" r:embed="rId2"/>
               </a:ext>
             </a:extLst>
           </a:blip>
@@ -2636,7 +2637,7 @@
                 <a14:useLocalDpi xmlns:a14="http://schemas.microsoft.com/office/drawing/2010/main" val="0"/>
               </a:ext>
               <a:ext uri="{96DAC541-7B7A-43D3-8B79-37D633B846F1}">
-                <asvg:svgBlip xmlns:asvg="http://schemas.microsoft.com/office/drawing/2016/SVG/main" xmlns="" r:embed="rId4"/>
+                <asvg:svgBlip xmlns="" xmlns:asvg="http://schemas.microsoft.com/office/drawing/2016/SVG/main" r:embed="rId4"/>
               </a:ext>
             </a:extLst>
           </a:blip>
@@ -2908,7 +2909,7 @@
   </dgm:layoutNode>
   <dgm:extLst>
     <a:ext uri="{68A01E43-0DF5-4B5B-8FA6-DAF915123BFB}">
-      <dgm1612:lstStyle xmlns:dgm1612="http://schemas.microsoft.com/office/drawing/2016/12/diagram" xmlns="">
+      <dgm1612:lstStyle xmlns="" xmlns:dgm1612="http://schemas.microsoft.com/office/drawing/2016/12/diagram">
         <a:lvl1pPr>
           <a:lnSpc>
             <a:spcPct val="100000"/>
@@ -3122,7 +3123,7 @@
   </dgm:layoutNode>
   <dgm:extLst>
     <a:ext uri="{68A01E43-0DF5-4B5B-8FA6-DAF915123BFB}">
-      <dgm1612:lstStyle xmlns:dgm1612="http://schemas.microsoft.com/office/drawing/2016/12/diagram" xmlns="">
+      <dgm1612:lstStyle xmlns="" xmlns:dgm1612="http://schemas.microsoft.com/office/drawing/2016/12/diagram">
         <a:lvl1pPr>
           <a:lnSpc>
             <a:spcPct val="100000"/>
@@ -5705,7 +5706,7 @@
           <a:p>
             <a:fld id="{2EF61782-1FC6-43BE-8A5F-7AD80337DB23}" type="datetimeFigureOut">
               <a:rPr lang="en-US" smtClean="0"/>
-              <a:t>12/10/2019</a:t>
+              <a:t>12/11/2019</a:t>
             </a:fld>
             <a:endParaRPr lang="en-US"/>
           </a:p>
@@ -6001,7 +6002,7 @@
           <a:p>
             <a:fld id="{2EF61782-1FC6-43BE-8A5F-7AD80337DB23}" type="datetimeFigureOut">
               <a:rPr lang="en-US" smtClean="0"/>
-              <a:t>12/10/2019</a:t>
+              <a:t>12/11/2019</a:t>
             </a:fld>
             <a:endParaRPr lang="en-US"/>
           </a:p>
@@ -6249,7 +6250,7 @@
           <a:p>
             <a:fld id="{2EF61782-1FC6-43BE-8A5F-7AD80337DB23}" type="datetimeFigureOut">
               <a:rPr lang="en-US" smtClean="0"/>
-              <a:t>12/10/2019</a:t>
+              <a:t>12/11/2019</a:t>
             </a:fld>
             <a:endParaRPr lang="en-US"/>
           </a:p>
@@ -6789,7 +6790,7 @@
           <a:p>
             <a:fld id="{2EF61782-1FC6-43BE-8A5F-7AD80337DB23}" type="datetimeFigureOut">
               <a:rPr lang="en-US" smtClean="0"/>
-              <a:t>12/10/2019</a:t>
+              <a:t>12/11/2019</a:t>
             </a:fld>
             <a:endParaRPr lang="en-US"/>
           </a:p>
@@ -7037,7 +7038,7 @@
           <a:p>
             <a:fld id="{2EF61782-1FC6-43BE-8A5F-7AD80337DB23}" type="datetimeFigureOut">
               <a:rPr lang="en-US" smtClean="0"/>
-              <a:t>12/10/2019</a:t>
+              <a:t>12/11/2019</a:t>
             </a:fld>
             <a:endParaRPr lang="en-US"/>
           </a:p>
@@ -7569,7 +7570,7 @@
           <a:p>
             <a:fld id="{2EF61782-1FC6-43BE-8A5F-7AD80337DB23}" type="datetimeFigureOut">
               <a:rPr lang="en-US" smtClean="0"/>
-              <a:t>12/10/2019</a:t>
+              <a:t>12/11/2019</a:t>
             </a:fld>
             <a:endParaRPr lang="en-US"/>
           </a:p>
@@ -7866,7 +7867,7 @@
           <a:p>
             <a:fld id="{2EF61782-1FC6-43BE-8A5F-7AD80337DB23}" type="datetimeFigureOut">
               <a:rPr lang="en-US" smtClean="0"/>
-              <a:t>12/10/2019</a:t>
+              <a:t>12/11/2019</a:t>
             </a:fld>
             <a:endParaRPr lang="en-US"/>
           </a:p>
@@ -8040,7 +8041,7 @@
           <a:p>
             <a:fld id="{2EF61782-1FC6-43BE-8A5F-7AD80337DB23}" type="datetimeFigureOut">
               <a:rPr lang="en-US" smtClean="0"/>
-              <a:t>12/10/2019</a:t>
+              <a:t>12/11/2019</a:t>
             </a:fld>
             <a:endParaRPr lang="en-US"/>
           </a:p>
@@ -8220,7 +8221,7 @@
           <a:p>
             <a:fld id="{2EF61782-1FC6-43BE-8A5F-7AD80337DB23}" type="datetimeFigureOut">
               <a:rPr lang="en-US" smtClean="0"/>
-              <a:t>12/10/2019</a:t>
+              <a:t>12/11/2019</a:t>
             </a:fld>
             <a:endParaRPr lang="en-US"/>
           </a:p>
@@ -8390,7 +8391,7 @@
           <a:p>
             <a:fld id="{2EF61782-1FC6-43BE-8A5F-7AD80337DB23}" type="datetimeFigureOut">
               <a:rPr lang="en-US" smtClean="0"/>
-              <a:t>12/10/2019</a:t>
+              <a:t>12/11/2019</a:t>
             </a:fld>
             <a:endParaRPr lang="en-US"/>
           </a:p>
@@ -8641,7 +8642,7 @@
           <a:p>
             <a:fld id="{2EF61782-1FC6-43BE-8A5F-7AD80337DB23}" type="datetimeFigureOut">
               <a:rPr lang="en-US" smtClean="0"/>
-              <a:t>12/10/2019</a:t>
+              <a:t>12/11/2019</a:t>
             </a:fld>
             <a:endParaRPr lang="en-US"/>
           </a:p>
@@ -8938,7 +8939,7 @@
           <a:p>
             <a:fld id="{2EF61782-1FC6-43BE-8A5F-7AD80337DB23}" type="datetimeFigureOut">
               <a:rPr lang="en-US" smtClean="0"/>
-              <a:t>12/10/2019</a:t>
+              <a:t>12/11/2019</a:t>
             </a:fld>
             <a:endParaRPr lang="en-US"/>
           </a:p>
@@ -9380,7 +9381,7 @@
           <a:p>
             <a:fld id="{2EF61782-1FC6-43BE-8A5F-7AD80337DB23}" type="datetimeFigureOut">
               <a:rPr lang="en-US" smtClean="0"/>
-              <a:t>12/10/2019</a:t>
+              <a:t>12/11/2019</a:t>
             </a:fld>
             <a:endParaRPr lang="en-US"/>
           </a:p>
@@ -9498,7 +9499,7 @@
           <a:p>
             <a:fld id="{2EF61782-1FC6-43BE-8A5F-7AD80337DB23}" type="datetimeFigureOut">
               <a:rPr lang="en-US" smtClean="0"/>
-              <a:t>12/10/2019</a:t>
+              <a:t>12/11/2019</a:t>
             </a:fld>
             <a:endParaRPr lang="en-US"/>
           </a:p>
@@ -9593,7 +9594,7 @@
           <a:p>
             <a:fld id="{2EF61782-1FC6-43BE-8A5F-7AD80337DB23}" type="datetimeFigureOut">
               <a:rPr lang="en-US" smtClean="0"/>
-              <a:t>12/10/2019</a:t>
+              <a:t>12/11/2019</a:t>
             </a:fld>
             <a:endParaRPr lang="en-US"/>
           </a:p>
@@ -9876,7 +9877,7 @@
           <a:p>
             <a:fld id="{2EF61782-1FC6-43BE-8A5F-7AD80337DB23}" type="datetimeFigureOut">
               <a:rPr lang="en-US" smtClean="0"/>
-              <a:t>12/10/2019</a:t>
+              <a:t>12/11/2019</a:t>
             </a:fld>
             <a:endParaRPr lang="en-US"/>
           </a:p>
@@ -10167,7 +10168,7 @@
           <a:p>
             <a:fld id="{2EF61782-1FC6-43BE-8A5F-7AD80337DB23}" type="datetimeFigureOut">
               <a:rPr lang="en-US" smtClean="0"/>
-              <a:t>12/10/2019</a:t>
+              <a:t>12/11/2019</a:t>
             </a:fld>
             <a:endParaRPr lang="en-US"/>
           </a:p>
@@ -10697,7 +10698,7 @@
           <a:p>
             <a:fld id="{2EF61782-1FC6-43BE-8A5F-7AD80337DB23}" type="datetimeFigureOut">
               <a:rPr lang="en-US" smtClean="0"/>
-              <a:t>12/10/2019</a:t>
+              <a:t>12/11/2019</a:t>
             </a:fld>
             <a:endParaRPr lang="en-US"/>
           </a:p>
@@ -11241,10 +11242,10 @@
           <p:cNvPr id="71" name="Rectangle 70">
             <a:extLst>
               <a:ext uri="{FF2B5EF4-FFF2-40B4-BE49-F238E27FC236}">
-                <a16:creationId xmlns:a16="http://schemas.microsoft.com/office/drawing/2014/main" xmlns="" id="{F64080D6-34DE-4277-97CC-2FB3812846DA}"/>
+                <a16:creationId xmlns="" xmlns:a16="http://schemas.microsoft.com/office/drawing/2014/main" id="{F64080D6-34DE-4277-97CC-2FB3812846DA}"/>
               </a:ext>
               <a:ext uri="{C183D7F6-B498-43B3-948B-1728B52AA6E4}">
-                <adec:decorative xmlns:adec="http://schemas.microsoft.com/office/drawing/2017/decorative" xmlns="" val="1"/>
+                <adec:decorative xmlns="" xmlns:adec="http://schemas.microsoft.com/office/drawing/2017/decorative" val="1"/>
               </a:ext>
             </a:extLst>
           </p:cNvPr>
@@ -11254,7 +11255,7 @@
           <p:nvPr>
             <p:extLst>
               <p:ext uri="{386F3935-93C4-4BCD-93E2-E3B085C9AB24}">
-                <p16:designElem xmlns:p16="http://schemas.microsoft.com/office/powerpoint/2015/main" xmlns="" val="1"/>
+                <p16:designElem xmlns="" xmlns:p16="http://schemas.microsoft.com/office/powerpoint/2015/main" val="1"/>
               </p:ext>
             </p:extLst>
           </p:nvPr>
@@ -11301,7 +11302,7 @@
           <p:cNvPr id="1026" name="Picture 2" descr="Image result for machine learning">
             <a:extLst>
               <a:ext uri="{FF2B5EF4-FFF2-40B4-BE49-F238E27FC236}">
-                <a16:creationId xmlns:a16="http://schemas.microsoft.com/office/drawing/2014/main" xmlns="" id="{151406FA-93BB-41DA-ABE3-E436D205FF52}"/>
+                <a16:creationId xmlns="" xmlns:a16="http://schemas.microsoft.com/office/drawing/2014/main" id="{151406FA-93BB-41DA-ABE3-E436D205FF52}"/>
               </a:ext>
             </a:extLst>
           </p:cNvPr>
@@ -11347,7 +11348,7 @@
           <p:cNvPr id="2" name="Title 1">
             <a:extLst>
               <a:ext uri="{FF2B5EF4-FFF2-40B4-BE49-F238E27FC236}">
-                <a16:creationId xmlns:a16="http://schemas.microsoft.com/office/drawing/2014/main" xmlns="" id="{6E101274-1558-46A0-AC23-C43782E63052}"/>
+                <a16:creationId xmlns="" xmlns:a16="http://schemas.microsoft.com/office/drawing/2014/main" id="{6E101274-1558-46A0-AC23-C43782E63052}"/>
               </a:ext>
             </a:extLst>
           </p:cNvPr>
@@ -11377,7 +11378,7 @@
           <p:cNvPr id="3" name="Subtitle 2">
             <a:extLst>
               <a:ext uri="{FF2B5EF4-FFF2-40B4-BE49-F238E27FC236}">
-                <a16:creationId xmlns:a16="http://schemas.microsoft.com/office/drawing/2014/main" xmlns="" id="{3B254198-4221-4C36-9872-A0D8493D3AE9}"/>
+                <a16:creationId xmlns="" xmlns:a16="http://schemas.microsoft.com/office/drawing/2014/main" id="{3B254198-4221-4C36-9872-A0D8493D3AE9}"/>
               </a:ext>
             </a:extLst>
           </p:cNvPr>
@@ -11437,7 +11438,7 @@
           <p:cNvPr id="2" name="Title 1">
             <a:extLst>
               <a:ext uri="{FF2B5EF4-FFF2-40B4-BE49-F238E27FC236}">
-                <a16:creationId xmlns:a16="http://schemas.microsoft.com/office/drawing/2014/main" xmlns="" id="{1E4BDCB0-CBE8-4514-AFF8-597F32744232}"/>
+                <a16:creationId xmlns="" xmlns:a16="http://schemas.microsoft.com/office/drawing/2014/main" id="{1E4BDCB0-CBE8-4514-AFF8-597F32744232}"/>
               </a:ext>
             </a:extLst>
           </p:cNvPr>
@@ -11470,7 +11471,7 @@
           <p:cNvPr id="2050" name="Picture 2">
             <a:extLst>
               <a:ext uri="{FF2B5EF4-FFF2-40B4-BE49-F238E27FC236}">
-                <a16:creationId xmlns:a16="http://schemas.microsoft.com/office/drawing/2014/main" xmlns="" id="{61435EE2-B9FC-4CA7-92A7-5B8D412D0939}"/>
+                <a16:creationId xmlns="" xmlns:a16="http://schemas.microsoft.com/office/drawing/2014/main" id="{61435EE2-B9FC-4CA7-92A7-5B8D412D0939}"/>
               </a:ext>
             </a:extLst>
           </p:cNvPr>
@@ -11528,6 +11529,207 @@
 <file path=ppt/slides/slide11.xml><?xml version="1.0" encoding="utf-8"?>
 <p:sld xmlns:a="http://schemas.openxmlformats.org/drawingml/2006/main" xmlns:r="http://schemas.openxmlformats.org/officeDocument/2006/relationships" xmlns:p="http://schemas.openxmlformats.org/presentationml/2006/main">
   <p:cSld>
+    <p:spTree>
+      <p:nvGrpSpPr>
+        <p:cNvPr id="1" name=""/>
+        <p:cNvGrpSpPr/>
+        <p:nvPr/>
+      </p:nvGrpSpPr>
+      <p:grpSpPr>
+        <a:xfrm>
+          <a:off x="0" y="0"/>
+          <a:ext cx="0" cy="0"/>
+          <a:chOff x="0" y="0"/>
+          <a:chExt cx="0" cy="0"/>
+        </a:xfrm>
+      </p:grpSpPr>
+      <p:sp>
+        <p:nvSpPr>
+          <p:cNvPr id="4" name="AutoShape 2" descr="data:image/png;base64,iVBORw0KGgoAAAANSUhEUgAAAzUAAALICAYAAABGl96fAAAABHNCSVQICAgIfAhkiAAAAAlwSFlzAAALEgAACxIB0t1+/AAAADl0RVh0U29mdHdhcmUAbWF0cGxvdGxpYiB2ZXJzaW9uIDMuMC4zLCBodHRwOi8vbWF0cGxvdGxpYi5vcmcvnQurowAAIABJREFUeJzs3XecFfXV+PHP2V1AAUUQUKoFFQVjQcBuiL2XJPZek1iiUWNM0WjKkyc+/uyJUWPXiL1jN2CJgqKIChbsFKUj0nf5/v64F7IqLAtyd5i7n/frNS/vnZk7c+7MdZlzz5nvjZQSkiRJkpRXFVkHIEmSJEnfhUmNJEmSpFwzqZEkSZKUayY1kiRJknLNpEaSJElSrpnUSJIkSco1kxpJ3xIRK0fEwxExLSLu/g7bOTwinlyesWUlIraPiHdXlP1FxNoRkSKiqqFiyouI+Dgidi4+/k1E/LME+/hHRJy3vLcrSVo24e/USPkVEYcBZwIbAtOBYcCfU0ovfMftHgmcBmyTUqr+zoGu4CIiAeunlEZlHcviRMTHwAkppaeLz9cGPgKaLO9zFBE3AaNTSr9bntttKN88Vsthe8cUt7fd8tieJGn5s1Ij5VREnAlcBvwPsAbQFfg7sN9y2PxawHuNIaGpD6shpeOxlSQtDyY1Ug5FRCvgD8ApKaX7UkozUkrzUkoPp5R+WVynWURcFhFji9NlEdGsuKxfRIyOiLMiYnxEjIuIY4vLLgTOBw6OiK8i4viIuCAibqu1/6+1PkXEMRHxYURMj4iPIuLwWvNfqPW6bSLilWJb2ysRsU2tZQMj4o8R8WJxO09GRNvFvP8F8Z9TK/79I2LPiHgvIiZHxG9qrd83Il6KiKnFda+KiKbFZc8VV3uj+H4PrrX9X0XE58CNC+YVX9OtuI9execdI2JiRPSrx7m7OSLOKj7uVDyOJxefr1fcbnxjf7dSSFofLsZ4Tq1NHh4Rnxb3/9ta+6nr/H/tvBTnpeL+TwIOB84p7uvhxbyPFBE/jYj3I2JKRPwtIqK4rCIifhcRnxTPzy3Fz2ztz87xEfEp8GytecdGxGfF7f00IvpExPDiebuq1r67RcSzETGp+L5vj4jVFhPnws9u8bx/VWuqjogLisvOjYgPip+9ERFxQHH+RsA/gK2Lr5lanH9TRPyp1n5OjIhRxfP3UER0rM+xkiQtHyY1Uj5tDawE3F/HOr8FtgI2AzYF+gK124nWBFoBnYDjgb9FROuU0u8pVH/uTCm1TCldX1cgEdECuALYI6W0CrANhTa4b67XBni0uO7qwCXAoxGxeq3VDgOOBdoDTYGz69j1mhSOQScKSdh1wBHAFsD2wPkRsW5x3RrgF0BbCsduJ+BkgJTSDsV1Ni2+3ztrbb8NharVSbV3nFL6APgVcHtENAduBG5KKQ2sI94FBgH9io+/D3xY/C/ADsDz6Rt9wSmlI4FPgX2KMV5Ua/F2QPfiezq/eBEOSz7/i5RSuha4HbiouK996lh9b6BPcfsHAbsV5x9TnH4ArAu0BK76xmu/D2xU6zUAWwLrAwdTqEL+FtgZ6AkcFBELjlMAfwE6FrfRBbigHu/t1OJ7aknhuE0BHiwu/oDC56YVcCFwW0R0SCmNBH4KvFR87beSp4jYsRjPQUAH4BOg/zdWW9yxkiQtByY1Uj6tDkxcQnvY4cAfUkrjU0oTKFyoHVlr+bzi8nkppQHAVxQujpfFfGDjiFg5pTQupfT2ItbZC3g/pXRrSqk6pXQH8A5Q+6L5xpTSeymlWcBdFC7IF2cehfuH5lG4gGwLXJ5Sml7c/9vAJgAppaEppZeL+/0YuIb/JhJ1vaffp5TmFOP5mpTSdcD7wGAKF7K//eY6izEI2D4iKigkMRcB2xaXfb+4fGlcmFKalVJ6A3iDwkUzLPn8Lw//m1KamlL6FPg3/z1fhwOXpJQ+TCl9BfwaOCS+3mp2QbHCWPvY/jGlNDul9CQwA7ijGP8Y4Hlgc4CU0qiU0lPFczOBQoK8pPO5UES0Ax4ATkspvV7c5t0ppbEppfnFxPZ9ColgfRwO3JBSei2lNKf4freOwn1PCyzuWEmSlgOTGimfJgFto+77ETpS+MZ4gU+K8xZu4xtJ0UwK36gvlZTSDArfrP8UGBcRj0bEhvWIZ0FMnWo9/3wp4pmUUqopPl5wYfxFreWzFrw+IjaIiEci4vOI+JJCJWqRrW21TEgpzV7COtcBGwNXFi9ml6hY5fmKwkXt9sAjwNiI6M6yJTWLO2ZLOv/Lw9Lsu4rCvV8LfLaI7X3z/C3ufLaPiP4RMaZ4Pm9jyeeT4mubAPcA/0op9a81/6iIGFZsdZtK4bzWa5t84/0WE7lJLPtnW5K0lExqpHx6CZgN7F/HOmMptE4t0LU4b1nMAJrXer5m7YUppSdSSrtQqFi8Q+Fif0nxLIhpzDLGtDSuphDX+imlVYHfUGhhqkudQ0NGREsKLVLXAxcU2+vqaxDwY6BpsQoxCDgKaM0iWvfqE88i1HX+v3Y+I+Jr53MZ9lWffVfz9STlu+zjL8XXb1I8n0ew5PO5wJUURgpc2IoXEWtR+MyeCqxebDF7q9Y2lxTr195vsSVzdRrmsy1JwqRGyqWU0jQK95H8LQo3yDePiCYRsUdELLjf4g7gdxHRLgo33J9P4RvtZTEM2CEiuhZv+P71ggURsUZE7Fu8kJtDoQpRs4htDAA2iIjDIqIqIg4GelCoVJTaKsCXwFfFKtLPvrH8Cwr3fiyNy4GhKaUTKNwr9I8FC4o3pw+s47WDKFxALxikYCCFIbRfqFV9+qaljbGu8/8G0DMiNouIlfj2/SjLcjy+ue9fRMQ6xeRvwT1ay2s0vVUofM6mRkQn4Jf1eVFE/IRCNeywlNL8WotaUEhcJhTXO5ZCpWaBL4DOURxcYhH+BRxbPJ7NKLzfwcVWR0lSAzCpkXIqpXQJhd+o+R2Fi7HPKFwoP1Bc5U/Aq8Bw4E3gteK8ZdnXU8CdxW0N5euJSAVwFoVvqydTuGg8eRHbmEThZumzKLTmnAPsnVKauCwxLaWzKQxCMJ3CN/J3fmP5BcDNxdajg5a0sYjYD9idQssdFM5DryiO+kbhxvUX69jEIAoX5guSmhcoVE6eW+wrCtWJ3xVjrGsAhQUWe/5TSu9RGD3vaQr3jnzzd42uB3oU9/UAS+8G4FYK7+cjClXF05ZhO4tzIdALmEYhobyvnq87lEKyNrbWCGi/SSmNAP4fhQroF8D3+Pr5e5bCPVqfR8S3Pq8ppWeA84B7gXFAN+CQZXljkqRl449vStJyFhHDgJ2KiZwkSSoxkxpJkiRJuWb7mSRJkqRcM6mRJEmSlGsmNZIkSZJyra4f7mtwVc1bpSat1ljyilpu1m7bIusQGp3mTSuzDkEqqflLXkXLmd9QNrzq+d6T3JA++/QTJk+aWN/fo2pUKlddK6XqWUtesYTSrAlPpJR2zzKGFSqpadJqDdY59qqsw2hUrj+ub9YhNDqbr71a1iFIJTW32rSmoTWtMq1paJOmz8k6hEZlzx23yTqEFVaqnkWz7kv8NYKSmj3sb20zDQC/3JEkSZKUcytUpUaSJEnS0ggI6xQeAUmSJEm5ZlIjSZIkKddsP5MkSZLyKoBwYDgrNZIkSZJyzaRGkiRJUq7ZfiZJkiTlmaOfWamRJEmSlG9WaiRJkqQ8c6AAKzWSJEmS8s2kRpIkSVKu2X4mSZIk5VY4UABWaiRJkiTlnJUaSZIkKc8cKMBKjSRJkqR8M6mRJEmSlGu2n0mSJEl5FThQAFZqJEmSJOWclRpJkiQpt8KBArBSI0mSJCnnTGokSZIk5ZrtZ5IkSVKeOVCAlRpJkiRJ+WalRpIkScozBwqwUiNJkiQp30xqJEmSJOWa7WeSJElSboUDBWClRpIkSVLOWamRJEmS8ipwoACs1EiSJEnKOZMaSZIkSblm+5kkSZKUZw4UYKVGkiRJUr5ZqZEkSZJyyyGdwUqNJEmSpJwzqZEkSZKUa7afSZIkSXlW4e/UWKmRJEmSlGsmNZIkSZJyzfYzSZIkKa8CRz/DSs0SrdmqGTee0JuHz9iGh07fhiO26QrAaTt34/7Ttua+U7fiumN70W6VZgD0Wac1g8//AfeduhX3nboVP9tx3SzDLwv9b/w7h++xNYfvuTXnn3E8c+bM5p5br+XAnXqxzfqtmTp5UtYhlrUnn3icTXp2p+eG6/F/F/1v1uE0Ch7z0jvlJ8fTreuabLXFJgvnTZ48mf322pXNN+7OfnvtypQpUzKMsLz95ITj6NqxPVtstnHWoZSt2bNns9fO27HL9n3YcevNufgvfwDgxuuuZtstetC5zUpMnjQx4yil5adkSU1E3BAR4yPirVLtoyFUz09cNOBd9rnsPxxy9WAO26oL3dq34IbnP+aAK1/ih1e9zKB3JnJyreRl6MdT+eFVL/PDq17m6mc/zDD6/Jvw+VjuvuUabrj/WW4f8BLz58/n6Ufu43u9tuKKmx9gzU5dsg6xrNXU1HDGz0/hwYcf4/XhI7i7/x2MHDEi67DKmse8YRx25NHc++CAr8279OK/8v1+O/H6W+/y/X47cenFf80ouvJ35NHH8OAjj2cdRllr1qwZdz3wOE89/wpPPDeEgc88xdBXBtNny63pf/8AOnfpmnWIWp4isp1WAKWs1NwE7F7C7TeIidPnMnLsdABmzq3hw/EzaL9qM2bMqVm4zspNK0lZBdgI1FRXM2f2bKqrq5k9ayZt269J956b0KGzf5BL7ZUhQ+jWbT3WWXddmjZtyoEHH8IjDz+YdVhlzWPeMLbdbgdat2nztXkDHnmIw444CoDDjjiKRz3uJbPd9jvQ5hvHX8tXRNCiZUsAqufNo7p6HhHBxptsRpeua2cbnFQCJUtqUkrPAZNLtf0sdFxtJTbquArDP5sGwOm7rMcz5+zA3pt14MqnRy1cb7OurbjvtK255uherNe+RVbhloV2a3bk0ONP44Dvf499t9mQlqusypbb75h1WI3G2LFj6Nz5v9WwTp06M2bMmAwjKn8e8+xMGP8Fa3boAMCaHTowYcL4jCOSvpuamhp23aEvm3bvwvb9dqJX775ZhySVTOb31ETESRHxakS8Wj1zWtbhLFbzppVcfvhm/OXRdxdWaS5/ahQ7XfQcjwwbx+FbFaoGI8Z+yc4XPc8Pr3yJ21/6lCuP2CzLsHPvy2lTef6ZAdzz7DAeenEks2bN5PEH78w6rEYjpW/XIGMFKTOXK4+5pOWlsrKSJ58bwitvfcCw117hnRFvZx2SSiIKAwVkOa0AMo8ipXRtSql3Sql3VfNWWYezSFUVwWWHbcojw8bx9Nvf/ubu0TfGscvGawAwY04NM+cWkp7n3ptIVWUFqzVv0qDxlpNX/zOQjp3XovXqbalq0oR+u+7Dm68NyTqsRqNTp86MHv3ZwudjxoymY8eOGUZU/jzm2WnXfg0+HzcOgM/HjaNdu/YZRyQtH61arcbW2+7AwGeezDoUqWQyT2ry4I8/7MmHE2Zw84ufLJy31urNFz7+wUbt+HDCDADatmy6cP73Oq9KRcDUmfMaLtgys0aHzrw97FVmz5pJSolXXxrE2t26Zx1Wo9G7Tx9GjXqfjz/6iLlz53L3nf3Za+99sw6rrHnMs7PHXvvwr9tuAeBft93Cnh535dikiROYNm0qALNmzeKFQc+y3gb++1m2HCjA36lZkl5rrcZ+vTry7rjp3HfqVgBc9uQofti7E+u0a8H8+YmxU2dz4YOF0Yl23XgNDtmyC9XzE3Pm1XBW/+FZhp97PTfrzQ9235dj9u9HZWUlG/TYhP0OPpq7br6G26+7gskTv+CofbZj6+/vwq//54qswy07VVVVXHr5Veyz127U1NRw9DHH0aNnz6zDKmse84Zx3FGH8cLzg5g0cSIbdevKr8/7PWee/SuOPuIQbr35Bjp36crNt9vqWipHHXEozw8ayMSJE+m2dmfOO/9Cjjnu+KzDKitffPE5vzj5BGpqakjz57P3/j9i59325Ppr/sbVV1zChPGfs8v2ffjBzrtx8RX/yDpc6TuLRfVvL5cNR9wB9APaAl8Av08pXV/Xa1busEFa59irShKPFu3647xpsKFtvvZqWYcgldTc6vlZh9DoNK2y8aKhTZo+J+sQGpU9d9yGN14fumKUBFYwFat2Ts22PC3TGGY/fe7QlFLvLGMoWaUmpXRoqbYtSZIkqWgFuVk/Sx4BSZIkSSUTEStFxJCIeCMi3o6IC4vz14mIwRHxfkTcGRFNi/ObFZ+PKi5fe0n7MKmRJEmS8irrQQLqN1DAHGDHlNKmwGbA7hGxFfBX4NKU0vrAFGDBzXXHA1NSSusBlxbXq5NJjSRJkqSSSQVfFZ82KU4J2BG4pzj/ZmD/4uP9is8pLt8plvCjbSY1kiRJkr6LthHxaq3ppG+uEBGVETEMGA88BXwATE0pVRdXGQ10Kj7uBHwGUFw+DVi9rgAc0lmSJEnKs+wHCpi4pNHPUko1wGYRsRpwP7DRolYr/ndRVZk6h2zO/AhIkiRJahxSSlOBgcBWwGoRsaDI0hkYW3w8GugCUFzeCphc13ZNaiRJkqQ8W8EHCoiIdsUKDRGxMrAzMBL4N/Dj4mpHAw8WHz9UfE5x+bNpCT+uafuZJEmSpFLqANwcEZUUiip3pZQeiYgRQP+I+BPwOnB9cf3rgVsjYhSFCs0hS9qBSY0kSZKkkkkpDQc2X8T8D4G+i5g/GzhwafZhUiNJkiTlVqwIAwVkziMgSZIkKdes1EiSJEl5Vo+b9cudlRpJkiRJuWZSI0mSJCnXbD+TJEmS8ipwoACs1EiSJEnKOSs1kiRJUm45pDNYqZEkSZKUcyY1kiRJknLN9jNJkiQpz/ydGis1kiRJkvLNpEaSJElSrtl+JkmSJOWZo59ZqZEkSZKUb1ZqJEmSpDxzoAArNZIkSZLyzaRGkiRJUq7ZfiZJkiTlVYQDBWClRpIkSVLOWamRJEmS8syBAqzUSJIkSco3kxpJkiRJuWb7mSRJkpRjYfuZlRpJkiRJ+WalRpIkScqpwEoNWKmRJEmSlHMmNZIkSZJyzfYzSZIkKa+iODVyVmokSZIk5ZqVGkmSJCm3woECWMGSmnXbteSOn22ddRiNys/vHZ51CI3Owz/1M96QmlRZkG5oU2fMzTqERme1Fk2zDqHR8Zg3rMoKL9pVN/+1lyRJkpRrK1SlRpIkSdLSsf3MSo0kSZKknLNSI0mSJOWYlRorNZIkSZJyzqRGkiRJUq7ZfiZJkiTlmO1nVmokSZIk5ZyVGkmSJCmvojg1clZqJEmSJOWaSY0kSZKkXLP9TJIkScqpIBwoACs1kiRJknLOpEaSJElSrtl+JkmSJOWY7WdWaiRJkiTlnJUaSZIkKces1FipkSRJkpRzJjWSJEmScs32M0mSJCnHbD+zUiNJkiQp56zUSJIkSXkVxamRs1IjSZIkKddMaiRJkiTlmu1nkiRJUo45UICVGkmSJEk5Z6VGkiRJyqkgrNRgpUaSJElSzpnUSJIkSco1288kSZKkHLP9zEqNJEmSpJyzUiNJkiTlmYUaKzWSJEmS8s2kRpIkSVKu2X4mSZIk5VU4UABYqZEkSZKUc1ZqJEmSpByzUmOlRpIkSVLOmdRIkiRJyjXbzyRJkqQcs/3MSo0kSZKknLNSs5S+nDaVC885jVHvjSAiuPD//sbz/36SgU8OoKKigtart+WP/+8ftF+zQ9ah5la7lk35zW4b0KZFE+YneOTNz7l32DhWaVbF7/fszpqrNuPzL+dwwYB3+GpODS2aVvLb3Teg/SrNqKwI7hw6hsdHjM/6bZSNq664jFtuup6IoEfPjbn62htYaaWVsg6rrD35xOOcfebp1NTUcMxxJ/DLc87NOqSyM3v2bA7aZ2fmzp1LdXU1e+5zAGeeex4/3nsnZnz1FQATJ4xns169ue7WuzOOtjyc8pPjefyxR2nXrj0vDx0OwOTJkzn2yEP49JNP6LrWWtx02520bt0640jLV01NDdtv3YeOHTtxzwMPZx2OlpMgrNRQwkpNRHSJiH9HxMiIeDsiTi/VvhrSRRf8im377cyD/x7K3Y//h3XW684xPzmde558ibsef5Eddtqday7/a9Zh5lrN/MTfn/uIo295nZP7D2f/TTuwVpuVOaxPJ177bCpH3Pwar302lcP6dAZg/0078PHkmZxw+zDOuOdNTt5hbaoq/J97eRg7ZgzX/P1KBr04hMFDhzO/poZ77+6fdVhlraamhjN+fgoPPvwYrw8fwd3972DkiBFZh1V2mjVrxh33P87jg4bw2MDBDHr2SV57dTD3PPIMjw0czGMDB9Orz5bsvvf+WYdaNg478mjufXDA1+ZdevFf+X6/nXj9rXf5fr+duPRi//0spb9feTndN9wo6zCkkihl+1k1cFZKaSNgK+CUiOhRwv2V3FfTv2TokP9wwCFHAdCkaVNWbbUaLVdZdeE6s2fONFv+jibPnMf7E2YAMGteDZ9Mnknblk3Zdt3VF1ZgHh8xnu3WXR2ARKJ5k0oAVm5SyfTZ1dTMT9kEX4aqq6uZNWsW1dXVzJw1kzU7dMw6pLL2ypAhdOu2Huusuy5NmzblwIMP4ZGHH8w6rLITEbRo2RKA6nnzmDev+mt/u7+aPp3/PD+IXffcJ6sQy8622+1A6zZtvjZvwCMPcdgRhX9TDzviKB71s14yY0aP5vHHBnD0scdnHYpUEiVLalJK41JKrxUfTwdGAp1Ktb+GMPrTj2ndZnXOP+tnHLTHdlxwzqnMnFm4+L7yoj+w65Yb8egDd3HyWb/NONLyseaqzVi/XUtGfv4VbVo0YfLMeUAh8WndvAkA9w/7nLXaNOfeE/tw4xGbc+XAjzClWT46durEaWecRc8N1mb9dTqx6qqt2GnnXbMOq6yNHTuGzp27LHzeqVNnxowZk2FE5aumpoY9+m1Jr426sn2/Hdl8i74Llz0x4CG23aEfq9T60krL34TxX7Bmh0K79podOjBhgq3DpXLO2b/gT3/5KxUV3k5dliLjaQXQIJ/siFgb2BwY3BD7K5Wa6mreeesNDjzyeO567AVWXrk5N/z9EgBOO+d8nhw8kr32P4j+N12TcaTlYeUmFVy414ZcNehDZs6tWex6fddajVETZvCj617hhNuHcfoP1qV508oGjLR8TZkyhQGPPMSbIz/gvQ9HM3PGDPrfcVvWYZW1lL6dklv9LY3KykoeGziYl4ePYthrr/LuyLcXLnvwvrvY94cHZRidtPw89ugjtGvXjs17bZF1KFLJlDypiYiWwL3AGSmlLxex/KSIeDUiXp0yeWKpw/lO1ujQiTU6dGKTzfsAsMue+/POW298bZ099j+Qpx97KIvwykplRXDh3hvy9DsTeP6DyQBMnjGPNsXqTJvmTZhSrNrs3rM9z42aBMCYabMZ9+VsurZeOZvAy8zAZ59mrbXXpm27djRp0oR99j+AwS+/lHVYZa1Tp86MHv3ZwudjxoymY0db/kqpVavV2HrbHRj4zJMATJk8iTdee5Udd9kj48jKX7v2a/D5uHEAfD5uHO3atc84ovL08ksvMuDRh+mxwTocc+ShDBr4LMcfc2TWYUnLVUmTmohoQiGhuT2ldN+i1kkpXZtS6p1S6t26TdtShvOdtW2/Bmt06MTHH7wPwOAXB7Lu+hvyyUejFq4z8KkBrNNtg6xCLBvn7Lwen06exd2vj1047z8fTmb3HoV/8Hbv0Z4XPywkMuOnz2GLrq0AaN28CV1ar8y4abMbPugy1LlLV14ZMpiZM2eSUmLQv5+le3dvMi2l3n36MGrU+3z80UfMnTuXu+/sz15775t1WGVn0sQJTJs2FYDZs2bxwnPPst763QF49MH72GnXPRzlrwHssdc+/Ou2WwD41223sKef9ZK48E9/4b0PP2PEex9x06138P1+O3L9TbdmHZaWlyhU9LOcVgQlG9I5Cu/wemBkSumSUu2noZ37h//j1z8/gXnz5tK569r84eK/c8GvTuPjD96noqKCDp268Lu/XJZ1mLn2vY6rsFuP9nwwYQb/PHxTAK578VP+9epofr9nd/bsuQZfTJ/DBY++C8Atg0dz7q7rccMRmxHAtS98wrTZ1Rm+g/LRp++W7HfAj9h+695UVVWxyaabcezxJ2YdVlmrqqri0suvYp+9dqOmpoajjzmOHj17Zh1W2Rn/xeeceeqJzK+pYf78+ey934/Yabc9AXj4/rv52elnZxxh+TnuqMN44flBTJo4kY26deXX5/2eM8/+FUcfcQi33nwDnbt05ebb78w6TEk5FYvq314uG47YDngeeBOYX5z9m5TSgMW9pucmvdIdjw4qSTxatJ/fOzzrEBqdh3+6ddYhNCpNqrwptqGNt1La4FZr0TTrEBqdSn86oEFtv3UfXhv6qgd9EZq2Xy+1//HFmcYw5uoDhqaUemcZQ8kqNSmlF1hhxkOQJEmSVK78ClOSJElSrpWsUiNJkiSp9FaUm/WzZKVGkiRJUq5ZqZEkSZLyzEKNlRpJkiRJ+WZSI0mSJCnXbD+TJEmScsyBAqzUSJIkSSqhiOgSEf+OiJER8XZEnF6cf0FEjImIYcVpz1qv+XVEjIqIdyNityXtw0qNJEmSlFMRkYdKTTVwVkrptYhYBRgaEU8Vl12aUrq49soR0QM4BOgJdASejogNUko1i9uBlRpJkiRJJZNSGpdSeq34eDowEuhUx0v2A/qnlOaklD4CRgF969qHSY0kSZKk76JtRLxaazppcStGxNrA5sDg4qxTI2J4RNwQEa2L8zoBn9V62WjqToJsP5MkSZLybAVoP5uYUuq9pJUioiVwL3BGSunLiLga+COQiv/9f8BxLPqXd1Jd27ZSI0mSJKmkIqIJhYTm9pTSfQAppS9SSjUppfnAdfy3xWw00KXWyzsDY+vavkmNJEmSlGMLBgvIaqpHfAFcD4xMKV1Sa36HWqsdALxVfPwQcEhENIuIdYD1gSF17cP2M0mSJEmltC1wJPBmRAwrzvsNcGhEbEahtexj4CcAKaW3I+IuYASFkdNOqWvkMzCpkSRJklRCKaUXWPR9MgPqeM2fgT/Xdx8mNZIkSVKu12d+AAAgAElEQVSeZT5OQPa8p0aSJElSrlmpkSRJknJsBRjSOXNWaiRJkiTlmkmNJEmSpFyz/UySJEnKq7D9DKzUSJIkSco5KzWSJElSTgVgocZKjSRJkqScM6mRJEmSlGu2n0mSJEm5FQ4UgJUaSZIkSTlnUiNJkiQp12w/kyRJknLM7jMrNZIkSZJyzkqNJEmSlGMOFGClRpIkSVLOmdRIkiRJyjXbzyRJkqS8CgcKACs1kiRJknLOSo0kSZKUUwFUVFiqsVIjSZIkKddMaiRJkiTlmu1nkiRJUo45UICVGkmSJEk5t0JValZqUsEGHVbJOoxG5fFTt806hEan8wn9sw6hURl26QFZh9DorL5Ks6xDaHQ+mTgz6xAanXXbt8g6hEbFQkTdwlKNlRpJkiRJ+WZSI0mSJCnXVqj2M0mSJElLIRwoAKzUSJIkSco5KzWSJElSTgUOFABWaiRJkiTlnEmNJEmSpFyz/UySJEnKrbD9DCs1kiRJknLOSo0kSZKUYxZqrNRIkiRJyjmTGkmSJEm5ZvuZJEmSlGMOFGClRpIkSVLOWamRJEmS8iocKACs1EiSJEnKOZMaSZIkSblm+5kkSZKUU4EDBYCVGkmSJEk5Z1IjSZIkKddsP5MkSZJyzO4zKzWSJEmScs5KjSRJkpRjDhRgpUaSJElSzpnUSJIkSco1288kSZKkHLP7zEqNJEmSpJyzUiNJkiTlVThQAFipkSRJkpRzJjWSJEmScs32M0mSJCmnAgcKACs1kiRJknLOSo0kSZKUW+FAAVipkSRJkpRzJjWSJEmScs32M0mSJCnH7D6zUiNJkiQp56zUSJIkSTnmQAFWaiRJkiTlnEmNJEmSpFyz/UySJEnKq3CgADCp+U6efOJxzj7zdGpqajjmuBP45TnnZh1S2fvJCcfx2IBHaNe+PUOHvZV1OGWjY5vm/P3ELWnfaiXmJ7hl4Adc+9R7AJyw8/qcsNP6VM9PPPXGWC686w2qKoPLju3LJmu1pqoyuPPFj7n80ZEZv4v8mj17Nj/ee2fmzplDTXU1e+57AGf9+nzOPu0nDB/2Gikl1u22Ppf87TpatGyZdbhlqccG69Cy5SpUVlZSVVXF8y+9knVIZWmXLXvQomVLKioKx/mux54H4PYbruZfN15LZVUlO+y0O2f/7k8ZR1p+vGZRuStZUhMRKwHPAc2K+7knpfT7Uu2vodXU1HDGz0/h0ceeolPnzmy3VR/23ntfNurRI+vQytqRRx/DT08+lROOOyrrUMpKTc18zu8/jOGfTKHlSlU8c8GuDHz7c9qvuhJ7bN6JHc57nLnV82m7SjMA9uvTlWZNKtjhvMdZuWklL/7Pntw3+FM+mzgj43eST82aNePOBx6nRcuWzJs3jx/usSM/2Hk3fv/n/2OVVVcF4MLfnsNN/7yaU874ZcbRlq8BTz5L27Ztsw6j7N149wBat/nvcR784iCefeJR7n/6ZZo2a8akieMzjK48ec1S3gIHCoDS3lMzB9gxpbQpsBmwe0RsVcL9NahXhgyhW7f1WGfddWnatCkHHnwIjzz8YNZhlb3ttt+BNm3aZB1G2fli2myGfzIFgK9mV/Pe2C/p0HpljtlxPS5/dCRzq+cDMHH6HABSSjRvVkVlRbBSk0rmVdcwfda8zOLPu4hYWIGpnjeP6up5RMTChCalxOzZs/xHS2Xpzlv+yQmnnEXTZoUvTVZv2z7jiMqP1yxqDEqW1KSCr4pPmxSnVKr9NbSxY8fQuXOXhc87derMmDFjMoxIWj66tG3B99ZqzdAPJtFtzVXYeoN2PHHeLjx07o5svk4hoXzo1c+YOaeaty/bj2GX7MvfHnuXqTPmZhx5vtXU1LDbDn3ZrHsXtu+3E5v37gvAmaecSK8N1+KD99/l2BNPzjjK8hUE++21G9tt1Zsb/nlt1uGUrYjgxEP348Ddt+Ou224A4OMPRzF0yIscsnc/jv7Rbrw5bGjGUZYfr1nUGJT0npqIqASGAusBf0spDV7EOicBJwF06dq1lOEsVyl9Oz/zW1TlXYtmVdx06rb89l+v89XsaqoqglYtmrLbH59i83Xa8M+Tt2GLXz5Cr3VWp2Z+YuNfPMhqzZvyyG92YtCIz/lkgu1ny6qyspInnhvCtGlTOfHIg3hnxNts2KMnl/ztOmpqajjvV7/gofvv5uDDj8461LL09MAX6NCxI+PHj2ffPXdlg+4bst32O2QdVtm57YGnab9mByZNHM8Jh+zLuuttQE1NNV9Om8odD/+bN4cN5ayfHsUTL73lv6nLkdcs5c/zWeIhnVNKNSmlzYDOQN+I2HgR61ybUuqdUurdrm27UoazXHXq1JnRoz9b+HzMmNF07Ngxw4ik76aqMrjx1G2556VPeHToaADGTpm18PHrH01mfoLVV2nGj7Zei2fe/JzqmsTE6XMY/P5ENlvbtsDloVWr1dh62x0Y+MyTC+dVVlayzwE/5rGHH8gwsvLWofj3u3379uyz3/4MfWVIxhGVp/ZrdgAKLWY777EPbw4byhodOrHzHvsSEWyyeW8qKiqYMnlixpGWF69Z1Bg0yO/UpJSmAgOB3Rtifw2hd58+jBr1Ph9/9BFz587l7jv7s9fe+2YdlrTMLj+uL++N+5Krn3h34bzHXhvN9hsV+tu7rbEKTSsrmDR9DqMnzVg4v3nTSnp3W533x32ZSdzlYNLECUybNhWAWbNm8fygZ+m2/gZ89OEHQOFb1qcfH0C39btnGWbZmjFjBtOnT1/4+Nmnn6JHz299B6fvaObMGcz4avrCx/8Z9Czrde/BTrvtzeAXBwHw8QfvM2/u3K8NJKDvzmuW8heR7bQiKOXoZ+2AeSmlqRGxMrAz8NdS7a+hVVVVcenlV7HPXrtRU1PD0cccR4+ePbMOq+wddcShPD9oIBMnTqTb2p057/wLOea447MOK/e2XL8tB2+7Dm9/NpV//2E3AP58z3Buf+4jrji+L8//aXfmVc/n1H++DMANz4ziihP68sKf9yCAO174iBGjp2X4DvJt/Bef84uTT6Cmpob58+ezz/4/Yqdd9+BHe+7I9OnTSSnRY+Pv8T8XX5l1qGVp/BdfcOhBPwSgurqagw45lF12K5vv4FYYkyaM5+fHHwpATU01e+1/ENv/YBfmzp3LeWf9jP127EOTJk3582XX2EqznHnNosYgFtVnuVw2HLEJcDNQSaEidFdK6Q91vWaLLXqnFwe/WpJ4pBVF5xP6Zx1CozLs0gOyDqHRad2iadYhNDqfTJyZdQiNzrrtW2QdQqOy7Za9GTr0VbPdRVily4ap15nXZxrDc2duNzSl1DvLGEpWqUkpDQc2L9X2JUmSJDlQADTQPTWSJEmSVComNZIkSZJyraS/UyNJkiSphFagEciyZKVGkiRJUq5ZqZEkSZJyKggHCsBKjSRJkqScM6mRJEmSlGu2n0mSJEk5ZveZlRpJkiRJOWelRpIkScqxCks1VmokSZIk5ZtJjSRJkqRcs/1MkiRJyjG7z6zUSJIkSSqhiOgSEf+OiJER8XZEnF6c3yYinoqI94v/bV2cHxFxRUSMiojhEdFrSfswqZEkSZJyKgIiItOpHqqBs1JKGwFbAadERA/gXOCZlNL6wDPF5wB7AOsXp5OAq5e0A5MaSZIkSSWTUhqXUnqt+Hg6MBLoBOwH3Fxc7WZg/+Lj/YBbUsHLwGoR0aGufZjUSJIkSfou2kbEq7Wmkxa3YkSsDWwODAbWSCmNg0LiA7QvrtYJ+KzWy0YX5y2WAwVIkiRJOVaR/UABE1NKvZe0UkS0BO4FzkgpfVlH69qiFqS6tm2lRpIkSVJJRUQTCgnN7Sml+4qzv1jQVlb87/ji/NFAl1ov7wyMrWv7JjWSJElSjq3oAwVEYaXrgZEppUtqLXoIOLr4+GjgwVrzjyqOgrYVMG1Bm9ri2H4mSZIkqZS2BY4E3oyIYcV5vwH+F7grIo4HPgUOLC4bAOwJjAJmAscuaQcmNZIkSZJKJqX0Aou+TwZgp0Wsn4BTlmYfJjWSJElSjtXvp2LKm/fUSJIkSco1KzWSJElSTgUQi+3sajys1EiSJEnKNZMaSZIkSblm+5kkSZKUYxV2n1mpkSRJkpRvVmokSZKkvIogHNPZSo0kSZKkfDOpkSRJkpRrtp9JkiRJOWb3mZUaSZIkSTlnUiNJkiQp12w/kyRJknIqgAr7z6zUSJIkSco3KzWSJElSjlmosVIjSZIkKedMaiRJkiTlmu1nUgP78B8HZR1Co7JGv3OzDqHRmfLCRVmH0Oh0abNy1iFIylDYf2alRpIkSVK+WamRJEmScirCgQLASo0kSZKknDOpkSRJkpRrtp9JkiRJOVZh/5mVGkmSJEn5ZqVGkiRJyjHrNFZqJEmSJOWcSY0kSZKkXLP9TJIkScqxcKAAKzWSJEmS8s1KjSRJkpRTAVRYqLFSI0mSJCnfTGokSZIk5ZrtZ5IkSVJeRThQAFZqJEmSJOWclRpJkiQpxyzUWKmRJEmSlHMmNZIkSZJyzfYzSZIkKcccKMBKjSRJkqScs1IjSZIk5VQAFRZqrNRIkiRJyrfFVmoiYtW6XphS+nL5hyNJkiRJS6eu9rO3gUShqrXAgucJ6FrCuCRJkiTVgwMF1JHUpJS6NGQgkiRJkrQs6nVPTUQcEhG/KT7uHBFblDYsSZIkSaqfJSY1EXEV8APgyOKsmcA/ShmUJEmSpPqJjKcVQX2GdN4mpdQrIl4HSClNjoimJY5LkiRJkuqlPknNvIiooDA4ABGxOjC/pFFJkiRJWqIIqHCggHrdU/M34F6gXURcCLwA/LWkUUmSJElSPS2xUpNSuiUihgI7F2cdmFJ6q7RhSZIkSVL91Kf9DKASmEehBa1eI6ZJkiRJKj27z+o3+tlvgTuAjkBn4F8R8etSByZJkiRJ9VGfSs0RwBYppZkAEfFnYCjwl1IGJkmSJGnJwlJNvVrJPuHryU8V8GFpwpEkSZKkpbPYSk1EXErhHpqZwNsR8UTx+a4URkCTJEmSpMzV1X62YISzt4FHa81/uXThSJIkSVoadp/VkdSklK5vyEAkSZIkaVkscaCAiOgG/BnoAay0YH5KaYMSxiVJkiRpCYKgwlJNvQYKuAm4EQhgD+AuoH8JY5IkSZKkeqtPUtM8pfQEQErpg5TS74AflDYsSZIkSaqf+iQ1c6Iw+PUHEfHTiNgHaF/iuHLhySceZ5Oe3em54Xr830X/m3U4jYLHvOFdfdUVbLXFJmzZ63v8/crLsw6nbDRrWsXz15/K4FvPYOi/zuR3J+wCwE9/vA1v3X0Os16+iNVbNV+4/qotVuKei49ZuP6Re/XOKvSy5N+WhnfVFZfRt9f32HKLTTj2qMOYPXt21iGVNT/jZSwKAwVkOa0I6pPU/AJoCfwc2BY4ETiuvjuIiMqIeD0iHlm2EFdMNTU1nPHzU3jw4cd4ffgI7u5/ByNHjMg6rLLmMW94I95+i5tv/CfPPv8yLw55nccfe5QPRr2fdVhlYc7canY/9Vq2PPIytjzyMnbdujt9e3blpeEfs+fPr+OTcZO/tv5Pfrw173z0BVseeRm7nXwN//vzvWlSVZlR9OXFvy0Nb+yYMVzz9ysZ9OIQBg8dzvyaGu692872UvEzrsZgiUlNSmlwSml6SunTlNKRKaV9U0ovLsU+TgdGLnuIK6ZXhgyhW7f1WGfddWnatCkHHnwIjzz8YNZhlTWPecN7952R9O67Jc2bN6eqqorttt+Bhx98IOuwysaMWXMBaFJVSVVVJYnEG++N5dNxU761bkrQsnkzAFqs3JQpX86kumZ+g8Zbrvzbko3q6mpmzZpFdXU1M2fNZM0OHbMOqWz5GS9/EZHptCJYbFITEfdHxH2Lm+qz8YjoDOwF/HN5BbyiGDt2DJ07d1n4vFOnzowZMybDiMqfx7zh9ei5Mf954XkmT5rEzJkzefLxxxgz+rOswyobFRXBy7ecwaePnc+zQ97jlbcXf2z/cc9/2HDtNfjwkd/x6u1ncvalD5FSasBoy5d/Wxpex06dOO2Ms+i5wdqsv04nVl21FTvtvGvWYZUtP+NqDOoa0vmq5bD9y4BzgFUWt0JEnAScBNCla9flsMuGsaiLiRUlUy1XHvOG133DjTjjrF+y39670bJFSzbeZBOqqpY4Erzqaf78xFZHXUarlitx51+Ppse6azDiwy8Wue4uW27A8PfGsvsp17Bu59V59IoTefGIS5k+c04DR11+/NvS8KZMmcKARx7izZEf0Gq11TjqsIPof8dtHHLoEVmHVpb8jKsxWGylJqX0TF3TkjYcEXsD41NKQ+taL6V0bUqpd0qpd7u27ZbhLWSjU6fOjK71jfWYMaPp2NHSeSl5zLNx1DHH8/xLr/LY0wNp3boN6663ftYhlZ1pX83mudc+YNetui92nSP37s2DA98E4MPRk/h47GS6r+2YLcuDf1sa3sBnn2attdembbt2NGnShH32P4DBL7+UdVhly894+avIeFoRlDKObYF9I+JjCr9rs2NE3FbC/TWo3n36MGrU+3z80UfMnTuXu+/sz15775t1WGXNY56NCePHA/DZp5/y8IP38+ODDsk4ovLQdrUWtGpZ+D3jlZpVsWOf9Xn3kwmLXf+zL6bSr08hoWzfpiUbdG3HR2MmNUis5c6/LQ2vc5euvDJkMDNnziSlxKB/P0v37htlHVbZ8jOuxqBkfSQppV8DvwaIiH7A2SmlsqkrV1VVcenlV7HPXrtRU1PD0cccR4+ePbMOq6x5zLNx5KEHMnnyJJo0acLFl11J69atsw6pLKzZdhWuO+9gKisrqIjg3meG89iLIzn5oG0584jvs0abVXjltjN5/KV3OPl/7uF/b3iGa887iFdu+wURwW//PoBJ02Zm/TbKgn9bGl6fvluy3wE/Yvute1NVVcUmm27GscefmHVYZcvPeHkLbCcEiPreaBoRzVJKy9S8XSup2buu9bbYond6cfCry7ILKTfmVjtiVUNao9+5WYfQ6Ex54aKsQ2h05vl3pcE1qVpRmm4ah2237M3Qoa965b4Ia6y3cTr44nsyjeHKAzYamlLK9AfUlvh/ZET0jYg3gfeLzzeNiCuXZicppYFLSmgkSZIkaVnUp/3sCmBv4AGAlNIbEfGDkkYlSZIkqV4qrGHVa6CAipTSJ9+YV1OKYCRJkiRpadWnUvNZRPQFUkRUAqcB75U2LEmSJEn1YaWmfpWanwFnAl2BL4CtivMkSZIkKXNLrNSklMYD/jCFJEmSpBXSEpOaiLgO+Na4zymlk0oSkSRJkqR6ifB3aqB+99Q8XevxSsABwGelCUeSJEmSlk592s/urP08Im4FnipZRJIkSZK0FOpTqfmmdYC1lncgkiRJkpaeo5/V756aKfz3npoKYDJwbimDkiRJkqT6qjOpicJdR5sCY4qz5qeUvjVogCRJkqRsOE7AEn6nppjA3J9SqilOJjSSJEmSVij1+fHNIRHRq+SRSJIkSdIyWGz7WURUpZSqge2AEyPiA2AGEBSKOCY6kiRJUoYCqLD/rM57aoYAvYD9GygWSZIkSVpqdSU1AZBS+qCBYpEkSZK0lOpzP0m5qyupaRcRZy5uYUrpkhLEI0mSJElLpa6kphJoSbFiI0mSJEkrorqSmnEppT80WCSSJEmSlprjBNTdgufhkSRJkvSdRMQNETE+It6qNe+CiBgTEcOK0561lv06IkZFxLsRsVt99lFXpWan7xC7JEmSpBKLiDwM6XwTcBVwyzfmX5pSurj2jIjoARwC9AQ6Ak9HxAYppZq6drDYSk1KafKyRCxJkiRJC6SUngPqm1vsB/RPKc1JKX0EjAL6LulFjgAnSZIk6btoGxGv1ppOqufrTo2I4cX2tNbFeZ2Az2qtM7o4r051tZ9JkiRJWsGtAN1nE1NKvZfyNVcDfwRS8b//DziORd/Xn5a0MSs1kiRJkhpUSumLlFJNSmk+cB3/bTEbDXSptWpnYOyStmdSI0mSJOVYRWQ7LYuI6FDr6QHAgpHRHgIOiYhmEbEOsD4wZEnbs/1MkiRJUslExB1APwr33owGfg/0i4jNKLSWfQz8BCCl9HZE3AWMAKqBU5Y08hmY1EiSJEkqoZTSoYuYfX0d6/8Z+PPS7MOkRpIkScqpgDz8Tk3JeU+NJEmSpFyzUiNJkiTlmIUaKzWSJEmScs6kRpIkSVKu2X4mSZIk5dV3+K2YcmKlRpIkSVKuWamRJEmSciywVGOlRpIkSVKumdRIkiRJyjXbzyRJkqScChwoAKzUSJIkScq5FapSMx+YWz0/6zAalfnzU9YhNDpVlX6d0pCmvHBR1iE0Oq33uSzrEBqdiQ+ennUIkjJkpcZKjSRJkqScM6mRJEmSlGsrVPuZJEmSpKUTYf+ZlRpJkiRJuWZSI0mSJCnXbD+TJEmScsrfqSmwUiNJkiQp16zUSJIkSXkV4DgBVmokSZIk5ZxJjSRJkqRcs/1MkiRJyrEK+8+s1EiSJEnKNys1kiRJUk45pHOBlRpJkiRJuWZSI0mSJCnXbD+TJEmScsxxAqzUSJIkSco5KzWSJElSbgUVWKqxUiNJkiQp10xqJEmSJOWa7WeSJElSTgUOFABWaiRJkiTlnJUaSZIkKa8CKqzUWKmRJEmSlG8mNZIkSZJyzfYzSZIkKccqHCnASo0kSZKkfLNSI0mSJOWUQzoXWKmRJEmSlGsmNZIkSZJyzfYzSZIkKcccKMBKjSRJkqScs1IjSZIk5ZiFGis1kiRJknLOpEaSJElSrtl+JkmSJOVUYJUCPAaSJEmScs6kRpIkSVKu2X4mSZIk5VVAOPyZlRpJ0v9v797jrKrr/Y+/PsOAIqCigAqo3EHwglwVr5VpKpA3FPMCSoL99JSVGR3tWB07kp5OoWamXbyckxdIRUVAgyREkJvXVBABhcEL4CUVDRm+vz9mS5NSIs7ei7Xn9fSxHzN77T17vecrjzXzmc9nrS1JUr7ZqZEkSZJyzD6NnRpJkiRJOWdR8xn88pqrOKD3vvTvtQ/XXj026zhl6/xzv0rnPXfjwD77feyxq3/+U5o3qWTN6tUZJCt/ixYtZEC/XhtvrVvuyC/8t150D0yZzL49utKjWyeuvGJM1nHKRtsWTZk85kQe+9WZzL/uDM77ck8A9mnfgof+5xTmXns6438wmGbbNdr4NXu3q3ls/nVnMPfa09mmYYOs4ped6upqBvTrxUnHDco6Sr3gcUXlrqjjZxGxDHgbqAbWp5T6FHN/pfTMX57mpt/9mmkzZtOoUSNOGHwMRx19DB07dc46Wtk59fQzOWfU/+Pcc876h+0rViznoWl/pO3ue2SUrPx16dKVR+YsAGp+AenSYXcGDT4u41Tlrbq6mgu+fh4TJz1Im7ZtOfiAvgwcOJi9unfPOlrura/ewOgb/szjL6yiaeOGPHLVV5j62Ev88oIjGP3rGTz8VBVnHtmdb57Ymx/dMosGFcFvLzqKEVdO4amlq9mp2bZ8UL0h62+jbFx79Vi6dtuLt//616yjlD2PK+UtgAovFFCSTs3nUko9y6mgAVj43LP06def7bbbjsrKSg4+5FDunXB31rHK0kEHH0rznXb62PaLv/ttfnDZGK/4USIPTZtK+/Yd2WPPPbOOUtbmzplDx46daN+hA40aNWLIKUO5794JWccqC6+8sZbHX1gFwDvvfcBzy1+n9c5N6dy2OQ8/VQXAtAUvcdzBnQA4oveePL10NU8trekEv/72+2zYkLIJX2aqVqxg8qT7GXbWiKyj1AseV1QfOH62hbr32JtHHp7B62vWsHbtWh6YPImqFcuzjlVv3D/xXnbbrQ377PvxkTQVx/hxtzPklKFZxyh7K1dW0bbt7hvvt2nTlqqqqgwTlac9Wm1Pz44tmbvwFZ5ZtoaBB3QA4IRDOtO2RTMAOrdpTkpwz2XH88jVX+FbJ/XOMnJZuejCb3LZ5T+hosJfQ0rB40r5i4xvW4NiH00S8EBEzI+IkZt6QkSMjIh5ETFvzapVRY5Td7p224sLvv0dvjzwKE4cfAx777svlZVeTK4U1q5dy/9c8V987/s/yDpKvbFu3Trun3gvx59wUtZRyl5KH+8E2I2sW022bcitlxzLd341nbfXrmPUzx5k1KD9mHnVqTRt3Ih166sBqGwQDOjRmrOumMQXLryDwQM6cXjP3T/h1fVJJk28j5YtW7J/L4vEUvG4ovqg2EXNQSmlXsDRwHkRcehHn5BSuj6l1Cel1Gfnli2LHKdunTl8BDNmzWPSHx+iefOd6OD5NCWxdMkLvLhsGYcc0It99+rIyqoVHHZQX1595ZWso5WtB6ZMomfP/Wm1yy5ZRyl7bdq0ZUWtrm9V1Qpat26dYaLyUtmgglsvGcjtf3qOCY+8AMCiFW8w6OK7OOjrt3LH9IUsffktAKpWv8OMp6pY89f3ee9v65k8dyn7d2yVZfyyMHvWTO6feC/du7Rn+BmnMv2haYwYfkbWscqaxxXVB0UtalJKKwsfXwPuAvoVc3+ltuq11wBY/tJL3DvhLk462dGcUuix9z48/+LLPPnsCzz57Au0btOW6TPnssuuu2YdrWyNv+M2/32XSJ++fVm8+HmWLV3KunXrGHf7bRw7cHDWscrGdRccwcLlr3PVXY9t3NZyh8YARMDoof244f4nAXhw/ovs3b4FjbeppEFFcMg+bXn2pTWZ5C4nP7zschYtWc4zi5Zy4y23ctjhn+c3N96Sdayy5nGl/EVke9saFG1eKiKaABUppbcLnx8J/KhY+8vCGacO4fXX19CwYUP+++dX07x586wjlaURw05j5ozprFmzmh6d92T0JZdyxrCzs45Vb6xdu5ZpU//I2GuuyzpKvVBZWcnPxl7DoGOPorq6mmHDz6Z7jx5ZxyoLA3q05rQjuvPU0lXMvuY0AC69aSadWu/IqIE15+dNeGQxNwum0uYAAB6BSURBVD/wDABvvvM3rrpzAQ+PPZWUElPmLmPy3GVZxZe2mMcV1QexqTnLOnnhiA7UdGegpnj6fUrpx//qa/bv3SdNnzmnKHm0aV7Jp/QqG2wlf9KoJyobeCJyqTUf9POsI9Q7qyd8I+sI9U6DCo/lpXRQ/z7Mnz/PRd+EDt33Sz/+v/szzfCVXm3nZ32l46J1alJKSwAvTSVJkiSpqPwTpiRJkqRc8xrEkiRJUk4FdinANZAkSZKUc3ZqJEmSpBzzzVTt1EiSJEnKOYsaSZIkSbnm+JkkSZKUYw6f2amRJEmSlHN2aiRJkqS8Ci8UAHZqJEmSJOWcRY0kSZKkXHP8TJIkScqpwC4FuAaSJEmScs5OjSRJkpRjXijATo0kSZKknLOokSRJkpRrjp9JkiRJOebwmZ0aSZIkSTlnUSNJkiQp1xw/kyRJknLMi5/ZqZEkSZKUc3ZqJEmSpJwKoMJLBdipkSRJkpRvFjWSJEmScs3xM0mSJCnHvFCAnRpJkiRJRRQRv42I1yLi6VrbdoqIByPi+cLH5oXtERFXRcTiiHgyInptzj4saiRJkqTcisz/2ww3Al/6yLbRwNSUUmdgauE+wNFA58JtJPDLzdmBRY0kSZKkokkp/Rl4/SObvwzcVPj8JuC4WttvTjVmAztGxG6ftA+LGkmSJEmfRYuImFfrNnIzvmaXlNLLAIWPrQrb2wDLaz1vRWHbv+SFAiRJkqQc2wouFLA6pdSnjl5rU99N+qQvslMjSZIkqdRe/XCsrPDxtcL2FcDutZ7XFlj5SS9mUSNJkiTlVAAVRKa3LXQPMKzw+TBgQq3tZxaugnYA8NaHY2r/iuNnkiRJkoomIm4FDqfm3JsVwKXAGOCOiBgBvAQMKTz9fuAYYDGwFjhrc/ZhUSNJkiSpaFJKp/6Th76wiecm4LxPuw+LGkmSJCmvYqu4UEDmPKdGkiRJUq7ZqZEkSZJyzE6NnRpJkiRJOWdRI0mSJCnXHD+TJEmSciy2/L1iysZWVdRUAI0qbR6VUvWGlHWEeufVt97POkK9snPTRllHqHdW3f31rCPUOy2G/CrrCPXOG384N+sIkmrZqooaSZIkSZsvgAobNZ5TI0mSJCnfLGokSZIk5ZrjZ5IkSVKOeaEAOzWSJEmScs5OjSRJkpRjYaPGTo0kSZKkfLOokSRJkpRrjp9JkiRJOeaFAuzUSJIkSco5ixpJkiRJueb4mSRJkpRTAVQ4fWanRpIkSVK+2amRJEmSciu8UAB2aiRJkiTlnEWNJEmSpFxz/EySJEnKq4Bw+sxOjSRJkqR8s1MjSZIk5ZiNGjs1kiRJknLOokaSJElSrjl+JkmSJOVUABVeKcBOjSRJkqR8s1MjSZIk5Zh9Gjs1kiRJknLOokaSJElSrjl+JkmSJOWZ82d2aiRJkiTlm50aSZIkKcfCVo2dGkmSJEn5ZlEjSZIkKdccP5MkSZJyLJw+s1MjSZIkKd/s1EiSJEk5ZqPGTo0kSZKknLOokSRJkpRrjp9JkiRJeeb8mZ0aSZIkSflmp0aSJEnKqQDCVo2dGkmSJEn5ZlEjSZIkKdccP5MkSZLyKiCcPrNT81mM+urZ7NG6Fb177p11lHqlurqaAf16cdJxg7KOUtaqq6sZ9PkD+OppJwAw+oJzOfbw/hxzWD/OO/srvPvOOxknLB/njfoqnfbcjQP77Ldx2913jueA3vvSvElDHps/L8N05W/RooUM6Ndr4611yx35xdVjs46Ve21bNGHyZYN47JpTmH/1yZw3cB8A9mm3Mw/95Djmjh3C+Iu/RLPGDTd+zYUn7s/T153KE9cO5Yj922YVvSw9MGUy+/boSo9unbjyijFZx5HqXFGLmojYMSLGR8RzEfFsRBxYzP2V2hnDhjPhvslZx6h3rr16LF277ZV1jLJ34/W/oGOXbhvvX/yfVzDxoUe5f/ocWrfZnVt+e12G6crLV844k/F3T/yHbXt178Ett45jwMGHZJSq/ujSpSuPzFnAI3MWMGPWXBpvtx2DBh+XdazcW1+dGP3bWex//u0cdtFdjDqmB912b84vzz+MS25+lL7fGMc9s5fyzeN7AtBt9+YMOaQjvc6/ncE/mMjYUYdQUeGfn+tCdXU1F3z9PCbcO4nHnnyGcbfdyrPPPJN1LKlOFbtTMxaYnFLqBuwHPFvk/ZXUwYccyk477ZR1jHqlasUKJk+6n2Fnjcg6Sll7eeUK/vTHyZx82vCN25o12x6AlBLvv/+eV1qpQwcdfCjNP3Is6dptLzp36ZpRovrroWlTad++I3vsuWfWUXLvlTfW8viS1QC8894HPLfiDVrv1ITObXbk4b+8DMC0J1Zw3ID2AAzs145xM15g3foNvPja27zwyl/p27lVZvnLydw5c+jYsRPtO3SgUaNGDDllKPfdOyHrWKpDkfFta1C0oiYitgcOBX4DkFJal1J6s1j7U/1w0YXf5LLLf0JFhZOTxXTZJRfx3f+47GPrfNHXR9K/R3teWLyIM7/6tYzSScUzftztDDllaNYxys4erZrRs0ML5i56lWdeep2B/doBcMKAjrRt0RSANjs3YcXqv4+1Vq1+h9Y7N8kibtlZubKKtm1333i/TZu2VFVVZZhIqnvF/M2wA7AK+F1EPBYRv46Ijx2dImJkRMyLiHmrVq8qYhzl3aSJ99GyZUv279U76yhlbdoD97Nzi5bss1+vjz12xVXXM+upF+jUuSsTJ4zPIJ1UPOvWreP+ifdy/AknZR2lrDTZtpJbv3sk3/n1I7z93geMuuohRh3Tg5k/PZGmjRuy7oMNNU/cxJ97U0qlDVumNrWO4Znl5cVWTVGLmkqgF/DLlNL+wLvA6I8+KaV0fUqpT0qpT8sWLYsYR3k3e9ZM7p94L927tGf4Gacy/aFpjBh+Rtaxys78ObOZOmUih/buxjdGnsmsh6fzra+dvfHxBg0acOxxJzH5vrszTCnVvQemTKJnz/1ptcsuWUcpG5UNKrh19FHcPv15JsxeCsCiqjcZ9IOJHPTtP3DHjMUsfeWvAFStfndj1wagTYumvPz62kxyl5s2bdqyYsXyjferqlbQunXrDBNJda+YRc0KYEVK6dHC/fHUFDnSFvnhZZezaMlynlm0lBtvuZXDDv88v7nxlqxjlZ3vXPIjZj6xmD/Pf46x19/MgQcfxk+v/Q3LlrwA1PzFb+qU++nQyfM9VF7G33EbJ53s6Flduu7fDmPh8je46p4nN25rucO2QM0laEef3IsbJv8FgIlzljHkkI40qqxgz1bN6LTbDsx9/rVMcpebPn37snjx8yxbupR169Yx7vbbOHbg4KxjSXWqaO9Tk1J6JSKWR0TXlNJC4AtAWV1q48zTT2XG9IdYvXo1Hdu15fv/8UOGn+0J7Co/KSW+82/n8M47b5NSYq/u+/CjK73kbV0ZMew0Hv7zdNasWU33Tnsy+pJLad58J7777W+wevUqTj5xMPvsux933jMp66hla+3atUyb+kfGXuNV/erKgL125bTPdeWpZWuY/bOakb5L/3cOnXbbgVHH9ABgwuyl3Dx1IQDPLn+DP8xcwmPXnML6DYkLfjWDDRscP6sLlZWV/GzsNQw69iiqq6sZNvxsuvfokXUs1Znw4j1AFHNeNSJ6Ar8GGgFLgLNSSm/8s+f37t0nzXzU92MopWp/YJTcq2+9n3WEemXnpo2yjlDvNPAyvCXX8uTrs45Q77zxh3OzjlCvHNS/D/Pnz/Pgsgnd9+2V/u/e6Zlm6NVu+/kppT5ZZihapwYgpfQ4kOk3KEmSJJUzr/tQ/PepkSRJkqSisqiRJEmSlGtFHT+TJEmSVDxb0VvFZMpOjSRJkqRcs1MjSZIk5ZmtGjs1kiRJkvLNokaSJElSrjl+JkmSJOVYOH9mp0aSJElSvtmpkSRJknIsbNTYqZEkSZKUbxY1kiRJknLN8TNJkiQpx5w+s1MjSZIkKefs1EiSJEl5FdiqwU6NJEmSpJyzqJEkSZKUa46fSZIkSTkWzp/ZqZEkSZKUb3ZqJEmSpJwKIGzU2KmRJEmSlG8WNZIkSZJyzfEzSZIkKcecPrNTI0mSJCnnLGokSZIk5ZrjZ5IkSVKeOX9mp0aSJElSvtmpkSRJknIsbNXYqZEkSZKUbxY1kiRJknLN8TNJkiQpx8LpM4saSZIkScUVEcuAt4FqYH1KqU9E7ATcDrQDlgEnp5Te2JLXd/xMkiRJyrHI+PYpfC6l1DOl1KdwfzQwNaXUGZhauL9FLGokSZIkZeHLwE2Fz28CjtvSF7KokSRJkvRZtIiIebVuIzfxnAQ8EBHzaz2+S0rpZYDCx1ZbGsBzaiRJkqQ8y/5CAatrjZT9MwellFZGRCvgwYh4ri4D2KmRJEmSVFQppZWFj68BdwH9gFcjYjeAwsfXtvT1LWokSZKknKo5WT/b/z4xY0STiGj24efAkcDTwD3AsMLThgETtnQdHD+TJEmSVEy7AHdFzRvqVAK/TylNjoi5wB0RMQJ4CRiypTuwqJEkSZJUNCmlJcB+m9i+BvhCXexjqypqqlPi3b+tzzpGvdK4YYOsI9Q7rZs3zjqCpDLzxh/OzTpCvdO87/lZR6hX/rbwpawjbL0CIvsLBWTOc2okSZIk5dpW1amRJEmS9OnYqLFTI0mSJCnnLGokSZIk5ZrjZ5IkSVKeOX9mp0aSJElSvtmpkSRJknIrCFs1dmokSZIk5ZtFjSRJkqRcc/xMkiRJyrFw+sxOjSRJkqR8s1MjSZIk5VTgFZ3BTo0kSZKknLOokSRJkpRrjp9JkiRJeeb8mZ0aSZIkSflmUSNJkiQp1xw/kyRJknIsnD+zUyNJkiQp3+zUSJIkSTkWNmrs1EiSJEnKN4saSZIkSbnm+JkkSZKUY06f2amRJEmSlHN2aiRJkqS8Ci8UAHZqJEmSJOWcRY0kSZKkXHP8TJIkSco158/s1EiSJEnKNTs1kiRJUk4FXigA7NRIkiRJyjmLGkmSJEm55viZJEmSlGNOn9mpkSRJkpRzdmokSZKkHPNCAXZqJEmSJOWcRY0kSZKkXHP8TJIkScqx8FIBdmokSZIk5ZudGkmSJCnPbNTYqZEkSZKUbxY1kiRJknLNouZT+vrXvkq3dq05uG/PjdtGnPkVDj+wN4cf2Jv9u3fi8AN7Z5iwfL3//vscelB/+vfpSZ+ee3PZjy7NOlK98MCUyezboys9unXiyivGZB2nXnDNS881Lz3XvO5t06iSGbdcyKO3j2b++Iu55NxjAPjdj4fxxF3fZ964f+e6S0+jsrLm17/tm27L+J+P2vj8MwYfkGV8fQaR8W1rULSiJiK6RsTjtW5/jYgLirW/Uhl62jBuv/u+f9j2m5t/z0Oz5vPQrPkM/PLxHDv4+IzSlbdtttmG+6dM5dF5jzNr7mM8+MAU5jw6O+tYZa26upoLvn4eE+6dxGNPPsO4227l2WeeyTpWWXPNS881Lz3XvDj+tm49Xxp5Ff1PGUP/oZdz5IDu9NunHbdNmst+x/8nfYb8F423bchZxw8AYNTJh/Lcklfof8oYjjpnLGO+dTwNKxtk/F1IW6ZoRU1KaWFKqWdKqSfQG1gL3FWs/ZXKgIMPoXnznTb5WEqJCXeO54Qhp5Q4Vf0QETRt2hSADz74gA8++IDwLXSLau6cOXTs2In2HTrQqFEjhpwylPvunZB1rLLmmpeea156rnnxvPveOgAaVjagsrIBKSWmPPz3gnHe0y/SplVzABLQtMk2ADRpvA1vvLWW9dUbSp5Zn01E9retQanGz74AvJBSerFE+8vErJkP07JVKzp26px1lLJVXV3NAX33p13bXfj8F46gb7/+WUcqaytXVtG27e4b77dp05aqqqoME5U/17z0XPPSc82Lp6IimH3baF6aOoZps59j7tN//9WrsrKCU4/tx4OP1BQ51902nW7td2XJAz9m3rh/58Irx5NSyiq69JmUqqgZCty6qQciYmREzIuIeWtWry5RnOK4c9xtnDBkaNYxylqDBg2YPfcxFi1Zzvx5c/nLX57OOlJZ29QPN7tjxeWal55rXnquefFs2JA4YOgYOh11CX323pPuHXfb+NjY753CzAWLmfnYCwB8ccBePLlwBR2OvJj+Qy/nZ6OH0KzJtllFlz6Tohc1EdEIGAyM29TjKaXrU0p9Ukp9dm7Rothximb9+vVMvOdujj9xSNZR6oUdd9yRQw49jAenTM46Sllr06YtK1Ys33i/qmoFrVu3zjBR+XPNS881Lz3XvPjeeuc9/jzveY4c0B2Afx95NC2bN+Win9658TlnDD6ACdOeAGDJ8tUsq1pD13a7ZJJXn01k/N/WoBSdmqOBBSmlV0uwr8xM/9NUOnXpSus2bbOOUrZWrVrFm2++CcB7773Hn6ZNpWvXbhmnKm99+vZl8eLnWbZ0KevWrWPc7bdx7MDBWccqa6556bnmpeeaF0eL5k3ZoWljALbdpiGf79+VhcteZfjxB/LFAXtx5vdu/Icu2fJX3uDwfl0BaLVTM7q024WlVfmemlH9VVmCfZzKPxk9y6Nzhp/OzBnTeX3Navbp0o7vXvwfnD7sbO4af7sXCCiyV155mZEjhlNdXc2GDRs48aQhHH3swKxjlbXKykp+NvYaBh17FNXV1Qwbfjbde/TIOlZZc81LzzUvPde8OHZtsT03/OgMGlRUUFER/OHBBUya8TRvzx3LSy+/zkM3fRuACdMe5/LrJzPmhslc/8PTmXvHvxMBF4+dwJo33834u5C2TBTzhLCI2A5YDnRIKb31Sc/v2at3mjrj0aLl0cc1builG0utomLraNNKkrZc877nZx2hXvnbwjvYsPY1f4BuQs9evdODf8729+dWzRrOTyn1yTJDUTs1KaW1wM7F3IckSZKk+q0U42eSJEmSisQWVuku6SxJkiRJRWFRI0mSJCnXHD+TJEmScsz3rrVTI0mSJCnn7NRIkiRJuRWElwqwUyNJkiQp3yxqJEmSJOWa42eSJElSTgVeKADs1EiSJEnKOYsaSZIkSblmUSNJkiQp1yxqJEmSJOWaFwqQJEmScswLBdipkSRJkpRzdmokSZKkHAts1dipkSRJkpRrFjWSJEmScs3xM0mSJCmvwgsFgJ0aSZIkSTlnp0aSJEnKqSjc6js7NZIkSZJyzaJGkiRJUq45fiZJkiTlmfNndmokSZIk5ZudGkmSJCnHwlaNnRpJkiRJ+WZRI0mSJCnXHD+TJEmSciycPrNTI0mSJCnfLGokSZIk5ZrjZ5IkSVKOOX1mp0aSJElSztmpkSRJkvLMVo2dGkmSJEn5ZlEjSZIkKdccP5MkSZJyLJw/s1MjSZIkqXgi4ksRsTAiFkfE6GLsw06NJEmSlFMBxFbcqImIBsAvgC8CK4C5EXFPSumZutyPnRpJkiRJxdIPWJxSWpJSWgfcBny5rneyVXVqnnhsweoWTRu+mHWOLdACWJ11iHrGNS8917y0XO/Sc81LzzUvvbyu+Z5ZB9haLVgwf0rjhtEi4xjbRsS8WvevTyldX/i8DbC81mMrgP51HWCrKmpSSi2zzrAlImJeSqlP1jnqE9e89Fzz0nK9S881Lz3XvPRc8/KTUvpS1hk+waaG41Jd78TxM0mSJEnFsgLYvdb9tsDKut6JRY0kSZKkYpkLdI6I9hHRCBgK3FPXO9mqxs9y7PpPforqmGteeq55abnepeeal55rXnquuUoqpbQ+Is4HpgANgN+mlP5S1/uJlOp8pE2SJEmSSsbxM0mSJEm5ZlEjSZIkKdcsaiRpKxWxNb9HtPTZRESTrDPUNxGxq8cVlSuLms8oIhpknaE+iYhOEdEnIrbJOkt9ERE9IuKwiNg56yz1QUQcHBFnAKSUkr+AFF9EDIqIb2Sdoz6JiC8DP4mIVllnqS8i4ijgLv7x0rpS2bCo2UIR0QUgpVRtYVMaETEQuBO4Erjxw/8HKp6IOBq4FfgmcHNE7JpxpLIVERUR0RT4FfC9iDgXNhY2HquLJCKOBP4TeCbrLPVFRBwG/ASYkFJ6Les89UHh3/lPgN2Ab2ccRyoKf1BugcIv149HxO/BwqYUImIA8N/AsJTS54A3gNHZpipvEXE4MBb4akrpOGAdsHemocpYSmlDSukd4CbgN8CAiPjmh49lGq5MFY4rtwAjU0oPRsQOEbFnRGyXdbYy1xv4dWHNW0fEFyOif0TskHWwchQRRwDXAqcBnYG9IuLQbFNJdc+i5lMqzACfD1wArIuI/wULmxIZk1J6rPD5pcBOjqEV1avAqJTSnEKHpj9wfkT8KiJOciyqaNZTMx5yE9AvIv4nIi6PGh6z69Ya4ANgt8J45d3AL6npBPtvvHjW1/p8PHA2NT9XfxERzbOJVNYaAGcW3hekCbAQ6AGet6fy4g/ITyml9C41B+DfAxcC29YubLLMVuYepWb07MPzmLYB9gS2L2zzfI86llJ6NqX0p8LdEcC1hY7NbGAI0CKzcOVtAvBKSmkqMA84F9g+1bBjU4dSSguBY4GfAU9Qc1wfCEwGTgT8Bbs4pgHnRMRtwA0ppVOp+UPVO0C/TJOVoZTSlJTSIxFRkVJ6E5gIXBoR+yTfrFBlxKJmC6SUVqaU3kkprQZGAY0/LGwioldEdMs2YflJKVWnlP5auBvAm8DrKaVVEXEacFlENM4uYXlLKf04pXRZ4fPfAc3wZNNieQ/oGhHnUFPQjAH2iIhR2cYqTymlJ6gpZC5PKd1QGAP8LTUFzR7ZpitPKaWnqfmjYH+gfWHbEmo6Ci0zjFbWPvyjSEppMnA9MNAOsMpJZdYB8i6ltKbwy8aVEfEcNQflz2Ucq6yllNYD70TE8oi4HDgSGJ5Sei/jaGUpIqL2X/Mi4kRgF2BldqnKV0ppZUQsB74PnJdSujciPgcszjha2UopPUOtCwUU/o23BF7OLFT5m0RNd+YHEfFiYdv+1BTxKr4nqLkAzBVOmahchJ3HulE4ofe7wBdTSk9lnaecFWaAGwLPFj5+IaX0fLapyl/h/KXTgW8BpxT+2qoiiIjdgVYppfmF+xWOnhVf4dhyFjVdhCGFcxBURBHRCziJmpHiG/35WToRcQdwUUppWdZZpLpgUVMHCic23gF8O6X0ZNZ56ouIGA7M9ReP0oiIhsAXgRcK5yKoyD7aJVNxFYqaw6g5p+m5rPNIxeBxReXKoqaORMS2KaX3s85Rn3hgliRJEljUSJIkSco5r3ghSZIkKdcsaiRJkiTlmkWNJEmSpFyzqJEkSZKUaxY1kgRERHVEPB4RT0fEuIjY7jO81uERcV/h88ERMfpfPHfHiPh/W7CPH0TEhZu7/SPPuTEiTvoU+2oXEb4vkSRpq2VRI0k13ksp9Uwp7Q2sA86t/WDU+NTHzJTSPSmlf/Uu6TsCn7qokSRJf2dRI0kfNwPoVOhQPBsR1wILgN0j4siImBURCwodnaYAEfGliHguIh4GTvjwhSJieERcU/h8l4i4KyKeKNwGAGOAjoUu0ZWF530nIuZGxJMR8cNar3VxRCyMiD8CXT/pm4iIcwqv80RE/OEj3acjImJGRCyKiIGF5zeIiCtr7XvUZ11ISZJKwaJGkmqJiErgaOCpwqauwM0ppf2Bd4FLgCNSSr2AecC3ImJb4AZgEHAIsOs/efmrgOkppf2AXsBfgNHAC4Uu0Xci4kigM9AP6An0johDI6I3MBTYn5qiqe9mfDt3ppT6Fvb3LDCi1mPtgMOAY4HrCt/DCOCtlFLfwuufExHtN2M/kiRlqjLrAJK0lWgcEY8XPp8B/AZoDbyYUppd2H4A0B2YGREAjYBZQDdgaUrpeYCI+F9g5Cb28XngTICUUjXwVkQ0/8hzjizcHivcb0pNkdMMuCultLawj3s243vaOyIuo2bErSkwpdZjd6SUNgDPR8SSwvdwJLBvrfNtdijse9Fm7EuSpMxY1EhSjfdSSj1rbygULu/W3gQ8mFI69SPP6wmkOsoRwOUppV99ZB8XbME+bgSOSyk9ERHDgcNrPfbR10qFff9bSql28UNEtPuU+5UkqaQcP5OkzTcbOCgiOgFExHYR0QV4DmgfER0Lzzv1n3z9VOBrha9tEBHbA29T04X50BTg7Frn6rSJiFbAn4HjI6JxRDSjZtTtkzQDXo6IhsBpH3lsSERUFDJ3ABYW9v21wvOJiC4R0WQz9iNJUqbs1EjSZkoprSp0PG6NiG0Kmy9JKS2KiJHAxIhYDTwM7L2Jl/gGcH1EjACqga+llGZFxMzCJZMnFc6r2QuYVegUvQOcnlJaEBG3A48DL1IzIvdJvg88Wnj+U/xj8bQQmA7sApybUno/In5Nzbk2C6Jm56uA4zZvdSRJyk6kVFcTE5IkSZJUeo6fSZIkSco1ixpJkiRJuWZRI0mSJCnXLGokSZIk5ZpFjSRJkqRcs6iRJEmSlGsWNZIkSZJy7f8D9go+b3x/kHsAAAAASUVORK5CYII="/>
+          <p:cNvSpPr>
+            <a:spLocks noChangeAspect="1" noChangeArrowheads="1"/>
+          </p:cNvSpPr>
+          <p:nvPr/>
+        </p:nvSpPr>
+        <p:spPr bwMode="auto">
+          <a:xfrm>
+            <a:off x="155575" y="-144463"/>
+            <a:ext cx="304800" cy="304801"/>
+          </a:xfrm>
+          <a:prstGeom prst="rect">
+            <a:avLst/>
+          </a:prstGeom>
+          <a:noFill/>
+          <a:extLst>
+            <a:ext uri="{909E8E84-426E-40DD-AFC4-6F175D3DCCD1}">
+              <a14:hiddenFill xmlns:a14="http://schemas.microsoft.com/office/drawing/2010/main">
+                <a:solidFill>
+                  <a:srgbClr val="FFFFFF"/>
+                </a:solidFill>
+              </a14:hiddenFill>
+            </a:ext>
+          </a:extLst>
+        </p:spPr>
+        <p:txBody>
+          <a:bodyPr vert="horz" wrap="square" lIns="91440" tIns="45720" rIns="91440" bIns="45720" numCol="1" anchor="t" anchorCtr="0" compatLnSpc="1">
+            <a:prstTxWarp prst="textNoShape">
+              <a:avLst/>
+            </a:prstTxWarp>
+          </a:bodyPr>
+          <a:lstStyle/>
+          <a:p>
+            <a:endParaRPr lang="en-US"/>
+          </a:p>
+        </p:txBody>
+      </p:sp>
+      <p:sp>
+        <p:nvSpPr>
+          <p:cNvPr id="5" name="AutoShape 4" descr="data:image/png;base64,iVBORw0KGgoAAAANSUhEUgAAAzUAAALICAYAAABGl96fAAAABHNCSVQICAgIfAhkiAAAAAlwSFlzAAALEgAACxIB0t1+/AAAADl0RVh0U29mdHdhcmUAbWF0cGxvdGxpYiB2ZXJzaW9uIDMuMC4zLCBodHRwOi8vbWF0cGxvdGxpYi5vcmcvnQurowAAIABJREFUeJzs3XecFfXV+PHP2V1AAUUQUKoFFQVjQcBuiL2XJPZek1iiUWNM0WjKkyc+/uyJUWPXiL1jN2CJgqKIChbsFKUj0nf5/v64F7IqLAtyd5i7n/frNS/vnZk7c+7MdZlzz5nvjZQSkiRJkpRXFVkHIEmSJEnfhUmNJEmSpFwzqZEkSZKUayY1kiRJknLNpEaSJElSrpnUSJIkSco1kxpJ3xIRK0fEwxExLSLu/g7bOTwinlyesWUlIraPiHdXlP1FxNoRkSKiqqFiyouI+Dgidi4+/k1E/LME+/hHRJy3vLcrSVo24e/USPkVEYcBZwIbAtOBYcCfU0ovfMftHgmcBmyTUqr+zoGu4CIiAeunlEZlHcviRMTHwAkppaeLz9cGPgKaLO9zFBE3AaNTSr9bntttKN88Vsthe8cUt7fd8tieJGn5s1Ij5VREnAlcBvwPsAbQFfg7sN9y2PxawHuNIaGpD6shpeOxlSQtDyY1Ug5FRCvgD8ApKaX7UkozUkrzUkoPp5R+WVynWURcFhFji9NlEdGsuKxfRIyOiLMiYnxEjIuIY4vLLgTOBw6OiK8i4viIuCAibqu1/6+1PkXEMRHxYURMj4iPIuLwWvNfqPW6bSLilWJb2ysRsU2tZQMj4o8R8WJxO09GRNvFvP8F8Z9TK/79I2LPiHgvIiZHxG9qrd83Il6KiKnFda+KiKbFZc8VV3uj+H4PrrX9X0XE58CNC+YVX9OtuI9execdI2JiRPSrx7m7OSLOKj7uVDyOJxefr1fcbnxjf7dSSFofLsZ4Tq1NHh4Rnxb3/9ta+6nr/H/tvBTnpeL+TwIOB84p7uvhxbyPFBE/jYj3I2JKRPwtIqK4rCIifhcRnxTPzy3Fz2ztz87xEfEp8GytecdGxGfF7f00IvpExPDiebuq1r67RcSzETGp+L5vj4jVFhPnws9u8bx/VWuqjogLisvOjYgPip+9ERFxQHH+RsA/gK2Lr5lanH9TRPyp1n5OjIhRxfP3UER0rM+xkiQtHyY1Uj5tDawE3F/HOr8FtgI2AzYF+gK124nWBFoBnYDjgb9FROuU0u8pVH/uTCm1TCldX1cgEdECuALYI6W0CrANhTa4b67XBni0uO7qwCXAoxGxeq3VDgOOBdoDTYGz69j1mhSOQScKSdh1wBHAFsD2wPkRsW5x3RrgF0BbCsduJ+BkgJTSDsV1Ni2+3ztrbb8NharVSbV3nFL6APgVcHtENAduBG5KKQ2sI94FBgH9io+/D3xY/C/ADsDz6Rt9wSmlI4FPgX2KMV5Ua/F2QPfiezq/eBEOSz7/i5RSuha4HbiouK996lh9b6BPcfsHAbsV5x9TnH4ArAu0BK76xmu/D2xU6zUAWwLrAwdTqEL+FtgZ6AkcFBELjlMAfwE6FrfRBbigHu/t1OJ7aknhuE0BHiwu/oDC56YVcCFwW0R0SCmNBH4KvFR87beSp4jYsRjPQUAH4BOg/zdWW9yxkiQtByY1Uj6tDkxcQnvY4cAfUkrjU0oTKFyoHVlr+bzi8nkppQHAVxQujpfFfGDjiFg5pTQupfT2ItbZC3g/pXRrSqk6pXQH8A5Q+6L5xpTSeymlWcBdFC7IF2cehfuH5lG4gGwLXJ5Sml7c/9vAJgAppaEppZeL+/0YuIb/JhJ1vaffp5TmFOP5mpTSdcD7wGAKF7K//eY6izEI2D4iKigkMRcB2xaXfb+4fGlcmFKalVJ6A3iDwkUzLPn8Lw//m1KamlL6FPg3/z1fhwOXpJQ+TCl9BfwaOCS+3mp2QbHCWPvY/jGlNDul9CQwA7ijGP8Y4Hlgc4CU0qiU0lPFczOBQoK8pPO5UES0Ax4ATkspvV7c5t0ppbEppfnFxPZ9ColgfRwO3JBSei2lNKf4freOwn1PCyzuWEmSlgOTGimfJgFto+77ETpS+MZ4gU+K8xZu4xtJ0UwK36gvlZTSDArfrP8UGBcRj0bEhvWIZ0FMnWo9/3wp4pmUUqopPl5wYfxFreWzFrw+IjaIiEci4vOI+JJCJWqRrW21TEgpzV7COtcBGwNXFi9ml6hY5fmKwkXt9sAjwNiI6M6yJTWLO2ZLOv/Lw9Lsu4rCvV8LfLaI7X3z/C3ufLaPiP4RMaZ4Pm9jyeeT4mubAPcA/0op9a81/6iIGFZsdZtK4bzWa5t84/0WE7lJLPtnW5K0lExqpHx6CZgN7F/HOmMptE4t0LU4b1nMAJrXer5m7YUppSdSSrtQqFi8Q+Fif0nxLIhpzDLGtDSuphDX+imlVYHfUGhhqkudQ0NGREsKLVLXAxcU2+vqaxDwY6BpsQoxCDgKaM0iWvfqE88i1HX+v3Y+I+Jr53MZ9lWffVfz9STlu+zjL8XXb1I8n0ew5PO5wJUURgpc2IoXEWtR+MyeCqxebDF7q9Y2lxTr195vsSVzdRrmsy1JwqRGyqWU0jQK95H8LQo3yDePiCYRsUdELLjf4g7gdxHRLgo33J9P4RvtZTEM2CEiuhZv+P71ggURsUZE7Fu8kJtDoQpRs4htDAA2iIjDIqIqIg4GelCoVJTaKsCXwFfFKtLPvrH8Cwr3fiyNy4GhKaUTKNwr9I8FC4o3pw+s47WDKFxALxikYCCFIbRfqFV9+qaljbGu8/8G0DMiNouIlfj2/SjLcjy+ue9fRMQ6xeRvwT1ay2s0vVUofM6mRkQn4Jf1eVFE/IRCNeywlNL8WotaUEhcJhTXO5ZCpWaBL4DOURxcYhH+BRxbPJ7NKLzfwcVWR0lSAzCpkXIqpXQJhd+o+R2Fi7HPKFwoP1Bc5U/Aq8Bw4E3gteK8ZdnXU8CdxW0N5euJSAVwFoVvqydTuGg8eRHbmEThZumzKLTmnAPsnVKauCwxLaWzKQxCMJ3CN/J3fmP5BcDNxdajg5a0sYjYD9idQssdFM5DryiO+kbhxvUX69jEIAoX5guSmhcoVE6eW+wrCtWJ3xVjrGsAhQUWe/5TSu9RGD3vaQr3jnzzd42uB3oU9/UAS+8G4FYK7+cjClXF05ZhO4tzIdALmEYhobyvnq87lEKyNrbWCGi/SSmNAP4fhQroF8D3+Pr5e5bCPVqfR8S3Pq8ppWeA84B7gXFAN+CQZXljkqRl449vStJyFhHDgJ2KiZwkSSoxkxpJkiRJuWb7mSRJkqRcM6mRJEmSlGsmNZIkSZJyra4f7mtwVc1bpSat1ljyilpu1m7bIusQGp3mTSuzDkEqqflLXkXLmd9QNrzq+d6T3JA++/QTJk+aWN/fo2pUKlddK6XqWUtesYTSrAlPpJR2zzKGFSqpadJqDdY59qqsw2hUrj+ub9YhNDqbr71a1iFIJTW32rSmoTWtMq1paJOmz8k6hEZlzx23yTqEFVaqnkWz7kv8NYKSmj3sb20zDQC/3JEkSZKUcytUpUaSJEnS0ggI6xQeAUmSJEm5ZlIjSZIkKddsP5MkSZLyKoBwYDgrNZIkSZJyzaRGkiRJUq7ZfiZJkiTlmaOfWamRJEmSlG9WaiRJkqQ8c6AAKzWSJEmS8s2kRpIkSVKu2X4mSZIk5VY4UABWaiRJkiTlnJUaSZIkKc8cKMBKjSRJkqR8M6mRJEmSlGu2n0mSJEl5FThQAFZqJEmSJOWclRpJkiQpt8KBArBSI0mSJCnnTGokSZIk5ZrtZ5IkSVKeOVCAlRpJkiRJ+WalRpIkScozBwqwUiNJkiQp30xqJEmSJOWa7WeSJElSboUDBWClRpIkSVLOWamRJEmS8ipwoACs1EiSJEnKOZMaSZIkSblm+5kkSZKUZw4UYKVGkiRJUr5ZqZEkSZJyyyGdwUqNJEmSpJwzqZEkSZKUa7afSZIkSXlW4e/UWKmRJEmSlGsmNZIkSZJyzfYzSZIkKa8CRz/DSs0SrdmqGTee0JuHz9iGh07fhiO26QrAaTt34/7Ttua+U7fiumN70W6VZgD0Wac1g8//AfeduhX3nboVP9tx3SzDLwv9b/w7h++xNYfvuTXnn3E8c+bM5p5br+XAnXqxzfqtmTp5UtYhlrUnn3icTXp2p+eG6/F/F/1v1uE0Ch7z0jvlJ8fTreuabLXFJgvnTZ48mf322pXNN+7OfnvtypQpUzKMsLz95ITj6NqxPVtstnHWoZSt2bNns9fO27HL9n3YcevNufgvfwDgxuuuZtstetC5zUpMnjQx4yil5adkSU1E3BAR4yPirVLtoyFUz09cNOBd9rnsPxxy9WAO26oL3dq34IbnP+aAK1/ih1e9zKB3JnJyreRl6MdT+eFVL/PDq17m6mc/zDD6/Jvw+VjuvuUabrj/WW4f8BLz58/n6Ufu43u9tuKKmx9gzU5dsg6xrNXU1HDGz0/hwYcf4/XhI7i7/x2MHDEi67DKmse8YRx25NHc++CAr8279OK/8v1+O/H6W+/y/X47cenFf80ouvJ35NHH8OAjj2cdRllr1qwZdz3wOE89/wpPPDeEgc88xdBXBtNny63pf/8AOnfpmnWIWp4isp1WAKWs1NwE7F7C7TeIidPnMnLsdABmzq3hw/EzaL9qM2bMqVm4zspNK0lZBdgI1FRXM2f2bKqrq5k9ayZt269J956b0KGzf5BL7ZUhQ+jWbT3WWXddmjZtyoEHH8IjDz+YdVhlzWPeMLbdbgdat2nztXkDHnmIw444CoDDjjiKRz3uJbPd9jvQ5hvHX8tXRNCiZUsAqufNo7p6HhHBxptsRpeua2cbnFQCJUtqUkrPAZNLtf0sdFxtJTbquArDP5sGwOm7rMcz5+zA3pt14MqnRy1cb7OurbjvtK255uherNe+RVbhloV2a3bk0ONP44Dvf499t9mQlqusypbb75h1WI3G2LFj6Nz5v9WwTp06M2bMmAwjKn8e8+xMGP8Fa3boAMCaHTowYcL4jCOSvpuamhp23aEvm3bvwvb9dqJX775ZhySVTOb31ETESRHxakS8Wj1zWtbhLFbzppVcfvhm/OXRdxdWaS5/ahQ7XfQcjwwbx+FbFaoGI8Z+yc4XPc8Pr3yJ21/6lCuP2CzLsHPvy2lTef6ZAdzz7DAeenEks2bN5PEH78w6rEYjpW/XIGMFKTOXK4+5pOWlsrKSJ58bwitvfcCw117hnRFvZx2SSiIKAwVkOa0AMo8ipXRtSql3Sql3VfNWWYezSFUVwWWHbcojw8bx9Nvf/ubu0TfGscvGawAwY04NM+cWkp7n3ptIVWUFqzVv0qDxlpNX/zOQjp3XovXqbalq0oR+u+7Dm68NyTqsRqNTp86MHv3ZwudjxoymY8eOGUZU/jzm2WnXfg0+HzcOgM/HjaNdu/YZRyQtH61arcbW2+7AwGeezDoUqWQyT2ry4I8/7MmHE2Zw84ufLJy31urNFz7+wUbt+HDCDADatmy6cP73Oq9KRcDUmfMaLtgys0aHzrw97FVmz5pJSolXXxrE2t26Zx1Wo9G7Tx9GjXqfjz/6iLlz53L3nf3Za+99sw6rrHnMs7PHXvvwr9tuAeBft93Cnh535dikiROYNm0qALNmzeKFQc+y3gb++1m2HCjA36lZkl5rrcZ+vTry7rjp3HfqVgBc9uQofti7E+u0a8H8+YmxU2dz4YOF0Yl23XgNDtmyC9XzE3Pm1XBW/+FZhp97PTfrzQ9235dj9u9HZWUlG/TYhP0OPpq7br6G26+7gskTv+CofbZj6+/vwq//54qswy07VVVVXHr5Veyz127U1NRw9DHH0aNnz6zDKmse84Zx3FGH8cLzg5g0cSIbdevKr8/7PWee/SuOPuIQbr35Bjp36crNt9vqWipHHXEozw8ayMSJE+m2dmfOO/9Cjjnu+KzDKitffPE5vzj5BGpqakjz57P3/j9i59325Ppr/sbVV1zChPGfs8v2ffjBzrtx8RX/yDpc6TuLRfVvL5cNR9wB9APaAl8Av08pXV/Xa1busEFa59irShKPFu3647xpsKFtvvZqWYcgldTc6vlZh9DoNK2y8aKhTZo+J+sQGpU9d9yGN14fumKUBFYwFat2Ts22PC3TGGY/fe7QlFLvLGMoWaUmpXRoqbYtSZIkqWgFuVk/Sx4BSZIkSSUTEStFxJCIeCMi3o6IC4vz14mIwRHxfkTcGRFNi/ObFZ+PKi5fe0n7MKmRJEmS8irrQQLqN1DAHGDHlNKmwGbA7hGxFfBX4NKU0vrAFGDBzXXHA1NSSusBlxbXq5NJjSRJkqSSSQVfFZ82KU4J2BG4pzj/ZmD/4uP9is8pLt8plvCjbSY1kiRJkr6LthHxaq3ppG+uEBGVETEMGA88BXwATE0pVRdXGQ10Kj7uBHwGUFw+DVi9rgAc0lmSJEnKs+wHCpi4pNHPUko1wGYRsRpwP7DRolYr/ndRVZk6h2zO/AhIkiRJahxSSlOBgcBWwGoRsaDI0hkYW3w8GugCUFzeCphc13ZNaiRJkqQ8W8EHCoiIdsUKDRGxMrAzMBL4N/Dj4mpHAw8WHz9UfE5x+bNpCT+uafuZJEmSpFLqANwcEZUUiip3pZQeiYgRQP+I+BPwOnB9cf3rgVsjYhSFCs0hS9qBSY0kSZKkkkkpDQc2X8T8D4G+i5g/GzhwafZhUiNJkiTlVqwIAwVkziMgSZIkKdes1EiSJEl5Vo+b9cudlRpJkiRJuWZSI0mSJCnXbD+TJEmS8ipwoACs1EiSJEnKOSs1kiRJUm45pDNYqZEkSZKUcyY1kiRJknLN9jNJkiQpz/ydGis1kiRJkvLNpEaSJElSrtl+JkmSJOWZo59ZqZEkSZKUb1ZqJEmSpDxzoAArNZIkSZLyzaRGkiRJUq7ZfiZJkiTlVYQDBWClRpIkSVLOWamRJEmS8syBAqzUSJIkSco3kxpJkiRJuWb7mSRJkpRjYfuZlRpJkiRJ+WalRpIkScqpwEoNWKmRJEmSlHMmNZIkSZJyzfYzSZIkKa+iODVyVmokSZIk5ZqVGkmSJCm3woECWMGSmnXbteSOn22ddRiNys/vHZ51CI3Owz/1M96QmlRZkG5oU2fMzTqERme1Fk2zDqHR8Zg3rMoKL9pVN/+1lyRJkpRrK1SlRpIkSdLSsf3MSo0kSZKknLNSI0mSJOWYlRorNZIkSZJyzqRGkiRJUq7ZfiZJkiTlmO1nVmokSZIk5ZyVGkmSJCmvojg1clZqJEmSJOWaSY0kSZKkXLP9TJIkScqpIBwoACs1kiRJknLOpEaSJElSrtl+JkmSJOWY7WdWaiRJkiTlnJUaSZIkKces1FipkSRJkpRzJjWSJEmScs32M0mSJCnHbD+zUiNJkiQp56zUSJIkSXkVxamRs1IjSZIkKddMaiRJkiTlmu1nkiRJUo45UICVGkmSJEk5Z6VGkiRJyqkgrNRgpUaSJElSzpnUSJIkSco1288kSZKkHLP9zEqNJEmSpJyzUiNJkiTlmYUaKzWSJEmS8s2kRpIkSVKu2X4mSZIk5VU4UABYqZEkSZKUc1ZqJEmSpByzUmOlRpIkSVLOmdRIkiRJyjXbzyRJkqQcs/3MSo0kSZKknLNSs5S+nDaVC885jVHvjSAiuPD//sbz/36SgU8OoKKigtart+WP/+8ftF+zQ9ah5la7lk35zW4b0KZFE+YneOTNz7l32DhWaVbF7/fszpqrNuPzL+dwwYB3+GpODS2aVvLb3Teg/SrNqKwI7hw6hsdHjM/6bZSNq664jFtuup6IoEfPjbn62htYaaWVsg6rrD35xOOcfebp1NTUcMxxJ/DLc87NOqSyM3v2bA7aZ2fmzp1LdXU1e+5zAGeeex4/3nsnZnz1FQATJ4xns169ue7WuzOOtjyc8pPjefyxR2nXrj0vDx0OwOTJkzn2yEP49JNP6LrWWtx02520bt0640jLV01NDdtv3YeOHTtxzwMPZx2OlpMgrNRQwkpNRHSJiH9HxMiIeDsiTi/VvhrSRRf8im377cyD/x7K3Y//h3XW684xPzmde558ibsef5Eddtqday7/a9Zh5lrN/MTfn/uIo295nZP7D2f/TTuwVpuVOaxPJ177bCpH3Pwar302lcP6dAZg/0078PHkmZxw+zDOuOdNTt5hbaoq/J97eRg7ZgzX/P1KBr04hMFDhzO/poZ77+6fdVhlraamhjN+fgoPPvwYrw8fwd3972DkiBFZh1V2mjVrxh33P87jg4bw2MDBDHr2SV57dTD3PPIMjw0czGMDB9Orz5bsvvf+WYdaNg478mjufXDA1+ZdevFf+X6/nXj9rXf5fr+duPRi//0spb9feTndN9wo6zCkkihl+1k1cFZKaSNgK+CUiOhRwv2V3FfTv2TokP9wwCFHAdCkaVNWbbUaLVdZdeE6s2fONFv+jibPnMf7E2YAMGteDZ9Mnknblk3Zdt3VF1ZgHh8xnu3WXR2ARKJ5k0oAVm5SyfTZ1dTMT9kEX4aqq6uZNWsW1dXVzJw1kzU7dMw6pLL2ypAhdOu2Huusuy5NmzblwIMP4ZGHH8w6rLITEbRo2RKA6nnzmDev+mt/u7+aPp3/PD+IXffcJ6sQy8622+1A6zZtvjZvwCMPcdgRhX9TDzviKB71s14yY0aP5vHHBnD0scdnHYpUEiVLalJK41JKrxUfTwdGAp1Ktb+GMPrTj2ndZnXOP+tnHLTHdlxwzqnMnFm4+L7yoj+w65Yb8egDd3HyWb/NONLyseaqzVi/XUtGfv4VbVo0YfLMeUAh8WndvAkA9w/7nLXaNOfeE/tw4xGbc+XAjzClWT46durEaWecRc8N1mb9dTqx6qqt2GnnXbMOq6yNHTuGzp27LHzeqVNnxowZk2FE5aumpoY9+m1Jr426sn2/Hdl8i74Llz0x4CG23aEfq9T60krL34TxX7Bmh0K79podOjBhgq3DpXLO2b/gT3/5KxUV3k5dliLjaQXQIJ/siFgb2BwY3BD7K5Wa6mreeesNDjzyeO567AVWXrk5N/z9EgBOO+d8nhw8kr32P4j+N12TcaTlYeUmFVy414ZcNehDZs6tWex6fddajVETZvCj617hhNuHcfoP1qV508oGjLR8TZkyhQGPPMSbIz/gvQ9HM3PGDPrfcVvWYZW1lL6dklv9LY3KykoeGziYl4ePYthrr/LuyLcXLnvwvrvY94cHZRidtPw89ugjtGvXjs17bZF1KFLJlDypiYiWwL3AGSmlLxex/KSIeDUiXp0yeWKpw/lO1ujQiTU6dGKTzfsAsMue+/POW298bZ099j+Qpx97KIvwykplRXDh3hvy9DsTeP6DyQBMnjGPNsXqTJvmTZhSrNrs3rM9z42aBMCYabMZ9+VsurZeOZvAy8zAZ59mrbXXpm27djRp0oR99j+AwS+/lHVYZa1Tp86MHv3ZwudjxoymY0db/kqpVavV2HrbHRj4zJMATJk8iTdee5Udd9kj48jKX7v2a/D5uHEAfD5uHO3atc84ovL08ksvMuDRh+mxwTocc+ShDBr4LMcfc2TWYUnLVUmTmohoQiGhuT2ldN+i1kkpXZtS6p1S6t26TdtShvOdtW2/Bmt06MTHH7wPwOAXB7Lu+hvyyUejFq4z8KkBrNNtg6xCLBvn7Lwen06exd2vj1047z8fTmb3HoV/8Hbv0Z4XPywkMuOnz2GLrq0AaN28CV1ar8y4abMbPugy1LlLV14ZMpiZM2eSUmLQv5+le3dvMi2l3n36MGrU+3z80UfMnTuXu+/sz15775t1WGVn0sQJTJs2FYDZs2bxwnPPst763QF49MH72GnXPRzlrwHssdc+/Ou2WwD41223sKef9ZK48E9/4b0PP2PEex9x06138P1+O3L9TbdmHZaWlyhU9LOcVgQlG9I5Cu/wemBkSumSUu2noZ37h//j1z8/gXnz5tK569r84eK/c8GvTuPjD96noqKCDp268Lu/XJZ1mLn2vY6rsFuP9nwwYQb/PHxTAK578VP+9epofr9nd/bsuQZfTJ/DBY++C8Atg0dz7q7rccMRmxHAtS98wrTZ1Rm+g/LRp++W7HfAj9h+695UVVWxyaabcezxJ2YdVlmrqqri0suvYp+9dqOmpoajjzmOHj17Zh1W2Rn/xeeceeqJzK+pYf78+ey934/Yabc9AXj4/rv52elnZxxh+TnuqMN44flBTJo4kY26deXX5/2eM8/+FUcfcQi33nwDnbt05ebb78w6TEk5FYvq314uG47YDngeeBOYX5z9m5TSgMW9pucmvdIdjw4qSTxatJ/fOzzrEBqdh3+6ddYhNCpNqrwptqGNt1La4FZr0TTrEBqdSn86oEFtv3UfXhv6qgd9EZq2Xy+1//HFmcYw5uoDhqaUemcZQ8kqNSmlF1hhxkOQJEmSVK78ClOSJElSrpWsUiNJkiSp9FaUm/WzZKVGkiRJUq5ZqZEkSZLyzEKNlRpJkiRJ+WZSI0mSJCnXbD+TJEmScsyBAqzUSJIkSSqhiOgSEf+OiJER8XZEnF6cf0FEjImIYcVpz1qv+XVEjIqIdyNityXtw0qNJEmSlFMRkYdKTTVwVkrptYhYBRgaEU8Vl12aUrq49soR0QM4BOgJdASejogNUko1i9uBlRpJkiRJJZNSGpdSeq34eDowEuhUx0v2A/qnlOaklD4CRgF969qHSY0kSZKk76JtRLxaazppcStGxNrA5sDg4qxTI2J4RNwQEa2L8zoBn9V62WjqToJsP5MkSZLybAVoP5uYUuq9pJUioiVwL3BGSunLiLga+COQiv/9f8BxLPqXd1Jd27ZSI0mSJKmkIqIJhYTm9pTSfQAppS9SSjUppfnAdfy3xWw00KXWyzsDY+vavkmNJEmSlGMLBgvIaqpHfAFcD4xMKV1Sa36HWqsdALxVfPwQcEhENIuIdYD1gSF17cP2M0mSJEmltC1wJPBmRAwrzvsNcGhEbEahtexj4CcAKaW3I+IuYASFkdNOqWvkMzCpkSRJklRCKaUXWPR9MgPqeM2fgT/Xdx8mNZIkSVKu12d+AAAgAElEQVSeZT5OQPa8p0aSJElSrlmpkSRJknJsBRjSOXNWaiRJkiTlmkmNJEmSpFyz/UySJEnKq7D9DKzUSJIkSco5KzWSJElSTgVgocZKjSRJkqScM6mRJEmSlGu2n0mSJEm5FQ4UgJUaSZIkSTlnUiNJkiQp12w/kyRJknLM7jMrNZIkSZJyzkqNJEmSlGMOFGClRpIkSVLOmdRIkiRJyjXbzyRJkqS8CgcKACs1kiRJknLOSo0kSZKUUwFUVFiqsVIjSZIkKddMaiRJkiTlmu1nkiRJUo45UICVGkmSJEk5t0JValZqUsEGHVbJOoxG5fFTt806hEan8wn9sw6hURl26QFZh9DorL5Ks6xDaHQ+mTgz6xAanXXbt8g6hEbFQkTdwlKNlRpJkiRJ+WZSI0mSJCnXVqj2M0mSJElLIRwoAKzUSJIkSco5KzWSJElSTgUOFABWaiRJkiTlnEmNJEmSpFyz/UySJEnKrbD9DCs1kiRJknLOSo0kSZKUYxZqrNRIkiRJyjmTGkmSJEm5ZvuZJEmSlGMOFGClRpIkSVLOWamRJEmS8iocKACs1EiSJEnKOZMaSZIkSblm+5kkSZKUU4EDBYCVGkmSJEk5Z1IjSZIkKddsP5MkSZJyzO4zKzWSJEmScs5KjSRJkpRjDhRgpUaSJElSzpnUSJIkSco1288kSZKkHLP7zEqNJEmSpJyzUiNJkiTlVThQAFipkSRJkpRzJjWSJEmScs32M0mSJCmnAgcKACs1kiRJknLOSo0kSZKUW+FAAVipkSRJkpRzJjWSJEmScs32M0mSJCnH7D6zUiNJkiQp56zUSJIkSTnmQAFWaiRJkiTlnEmNJEmSpFyz/UySJEnKq3CgADCp+U6efOJxzj7zdGpqajjmuBP45TnnZh1S2fvJCcfx2IBHaNe+PUOHvZV1OGWjY5vm/P3ELWnfaiXmJ7hl4Adc+9R7AJyw8/qcsNP6VM9PPPXGWC686w2qKoPLju3LJmu1pqoyuPPFj7n80ZEZv4v8mj17Nj/ee2fmzplDTXU1e+57AGf9+nzOPu0nDB/2Gikl1u22Ppf87TpatGyZdbhlqccG69Cy5SpUVlZSVVXF8y+9knVIZWmXLXvQomVLKioKx/mux54H4PYbruZfN15LZVUlO+y0O2f/7k8ZR1p+vGZRuStZUhMRKwHPAc2K+7knpfT7Uu2vodXU1HDGz0/h0ceeolPnzmy3VR/23ntfNurRI+vQytqRRx/DT08+lROOOyrrUMpKTc18zu8/jOGfTKHlSlU8c8GuDHz7c9qvuhJ7bN6JHc57nLnV82m7SjMA9uvTlWZNKtjhvMdZuWklL/7Pntw3+FM+mzgj43eST82aNePOBx6nRcuWzJs3jx/usSM/2Hk3fv/n/2OVVVcF4MLfnsNN/7yaU874ZcbRlq8BTz5L27Ztsw6j7N149wBat/nvcR784iCefeJR7n/6ZZo2a8akieMzjK48ec1S3gIHCoDS3lMzB9gxpbQpsBmwe0RsVcL9NahXhgyhW7f1WGfddWnatCkHHnwIjzz8YNZhlb3ttt+BNm3aZB1G2fli2myGfzIFgK9mV/Pe2C/p0HpljtlxPS5/dCRzq+cDMHH6HABSSjRvVkVlRbBSk0rmVdcwfda8zOLPu4hYWIGpnjeP6up5RMTChCalxOzZs/xHS2Xpzlv+yQmnnEXTZoUvTVZv2z7jiMqP1yxqDEqW1KSCr4pPmxSnVKr9NbSxY8fQuXOXhc87derMmDFjMoxIWj66tG3B99ZqzdAPJtFtzVXYeoN2PHHeLjx07o5svk4hoXzo1c+YOaeaty/bj2GX7MvfHnuXqTPmZhx5vtXU1LDbDn3ZrHsXtu+3E5v37gvAmaecSK8N1+KD99/l2BNPzjjK8hUE++21G9tt1Zsb/nlt1uGUrYjgxEP348Ddt+Ou224A4OMPRzF0yIscsnc/jv7Rbrw5bGjGUZYfr1nUGJT0npqIqASGAusBf0spDV7EOicBJwF06dq1lOEsVyl9Oz/zW1TlXYtmVdx06rb89l+v89XsaqoqglYtmrLbH59i83Xa8M+Tt2GLXz5Cr3VWp2Z+YuNfPMhqzZvyyG92YtCIz/lkgu1ny6qyspInnhvCtGlTOfHIg3hnxNts2KMnl/ztOmpqajjvV7/gofvv5uDDj8461LL09MAX6NCxI+PHj2ffPXdlg+4bst32O2QdVtm57YGnab9mByZNHM8Jh+zLuuttQE1NNV9Om8odD/+bN4cN5ayfHsUTL73lv6nLkdcs5c/zWeIhnVNKNSmlzYDOQN+I2HgR61ybUuqdUurdrm27UoazXHXq1JnRoz9b+HzMmNF07Ngxw4ik76aqMrjx1G2556VPeHToaADGTpm18PHrH01mfoLVV2nGj7Zei2fe/JzqmsTE6XMY/P5ENlvbtsDloVWr1dh62x0Y+MyTC+dVVlayzwE/5rGHH8gwsvLWofj3u3379uyz3/4MfWVIxhGVp/ZrdgAKLWY777EPbw4byhodOrHzHvsSEWyyeW8qKiqYMnlixpGWF69Z1Bg0yO/UpJSmAgOB3Rtifw2hd58+jBr1Ph9/9BFz587l7jv7s9fe+2YdlrTMLj+uL++N+5Krn3h34bzHXhvN9hsV+tu7rbEKTSsrmDR9DqMnzVg4v3nTSnp3W533x32ZSdzlYNLECUybNhWAWbNm8fygZ+m2/gZ89OEHQOFb1qcfH0C39btnGWbZmjFjBtOnT1/4+Nmnn6JHz299B6fvaObMGcz4avrCx/8Z9Czrde/BTrvtzeAXBwHw8QfvM2/u3K8NJKDvzmuW8heR7bQiKOXoZ+2AeSmlqRGxMrAz8NdS7a+hVVVVcenlV7HPXrtRU1PD0cccR4+ePbMOq+wddcShPD9oIBMnTqTb2p057/wLOea447MOK/e2XL8tB2+7Dm9/NpV//2E3AP58z3Buf+4jrji+L8//aXfmVc/n1H++DMANz4ziihP68sKf9yCAO174iBGjp2X4DvJt/Bef84uTT6Cmpob58+ezz/4/Yqdd9+BHe+7I9OnTSSnRY+Pv8T8XX5l1qGVp/BdfcOhBPwSgurqagw45lF12K5vv4FYYkyaM5+fHHwpATU01e+1/ENv/YBfmzp3LeWf9jP127EOTJk3582XX2EqznHnNosYgFtVnuVw2HLEJcDNQSaEidFdK6Q91vWaLLXqnFwe/WpJ4pBVF5xP6Zx1CozLs0gOyDqHRad2iadYhNDqfTJyZdQiNzrrtW2QdQqOy7Za9GTr0VbPdRVily4ap15nXZxrDc2duNzSl1DvLGEpWqUkpDQc2L9X2JUmSJDlQADTQPTWSJEmSVComNZIkSZJyraS/UyNJkiSphFagEciyZKVGkiRJUq5ZqZEkSZJyKggHCsBKjSRJkqScM6mRJEmSlGu2n0mSJEk5ZveZlRpJkiRJOWelRpIkScqxCks1VmokSZIk5ZtJjSRJkqRcs/1MkiRJyjG7z6zUSJIkSSqhiOgSEf+OiJER8XZEnF6c3yYinoqI94v/bV2cHxFxRUSMiojhEdFrSfswqZEkSZJyKgIiItOpHqqBs1JKGwFbAadERA/gXOCZlNL6wDPF5wB7AOsXp5OAq5e0A5MaSZIkSSWTUhqXUnqt+Hg6MBLoBOwH3Fxc7WZg/+Lj/YBbUsHLwGoR0aGufZjUSJIkSfou2kbEq7Wmkxa3YkSsDWwODAbWSCmNg0LiA7QvrtYJ+KzWy0YX5y2WAwVIkiRJOVaR/UABE1NKvZe0UkS0BO4FzkgpfVlH69qiFqS6tm2lRpIkSVJJRUQTCgnN7Sml+4qzv1jQVlb87/ji/NFAl1ov7wyMrWv7JjWSJElSjq3oAwVEYaXrgZEppUtqLXoIOLr4+GjgwVrzjyqOgrYVMG1Bm9ri2H4mSZIkqZS2BY4E3oyIYcV5vwH+F7grIo4HPgUOLC4bAOwJjAJmAscuaQcmNZIkSZJKJqX0Aou+TwZgp0Wsn4BTlmYfJjWSJElSjtXvp2LKm/fUSJIkSco1KzWSJElSTgUQi+3sajys1EiSJEnKNZMaSZIkSblm+5kkSZKUYxV2n1mpkSRJkpRvVmokSZKkvIogHNPZSo0kSZKkfDOpkSRJkpRrtp9JkiRJOWb3mZUaSZIkSTlnUiNJkiQp12w/kyRJknIqgAr7z6zUSJIkSco3KzWSJElSjlmosVIjSZIkKedMaiRJkiTlmu1nUgP78B8HZR1Co7JGv3OzDqHRmfLCRVmH0Oh0abNy1iFIylDYf2alRpIkSVK+WamRJEmScirCgQLASo0kSZKknDOpkSRJkpRrtp9JkiRJOVZh/5mVGkmSJEn5ZqVGkiRJyjHrNFZqJEmSJOWcSY0kSZKkXLP9TJIkScqxcKAAKzWSJEmS8s1KjSRJkpRTAVRYqLFSI0mSJCnfTGokSZIk5ZrtZ5IkSVJeRThQAFZqJEmSJOWclRpJkiQpxyzUWKmRJEmSlHMmNZIkSZJyzfYzSZIkKcccKMBKjSRJkqScs1IjSZIk5VQAFRZqrNRIkiRJyrfFVmoiYtW6XphS+nL5hyNJkiRJS6eu9rO3gUShqrXAgucJ6FrCuCRJkiTVgwMF1JHUpJS6NGQgkiRJkrQs6nVPTUQcEhG/KT7uHBFblDYsSZIkSaqfJSY1EXEV8APgyOKsmcA/ShmUJEmSpPqJjKcVQX2GdN4mpdQrIl4HSClNjoimJY5LkiRJkuqlPknNvIiooDA4ABGxOjC/pFFJkiRJWqIIqHCggHrdU/M34F6gXURcCLwA/LWkUUmSJElSPS2xUpNSuiUihgI7F2cdmFJ6q7RhSZIkSVL91Kf9DKASmEehBa1eI6ZJkiRJKj27z+o3+tlvgTuAjkBn4F8R8etSByZJkiRJ9VGfSs0RwBYppZkAEfFnYCjwl1IGJkmSJGnJwlJNvVrJPuHryU8V8GFpwpEkSZKkpbPYSk1EXErhHpqZwNsR8UTx+a4URkCTJEmSpMzV1X62YISzt4FHa81/uXThSJIkSVoadp/VkdSklK5vyEAkSZIkaVkscaCAiOgG/BnoAay0YH5KaYMSxiVJkiRpCYKgwlJNvQYKuAm4EQhgD+AuoH8JY5IkSZKkeqtPUtM8pfQEQErpg5TS74AflDYsSZIkSaqf+iQ1c6Iw+PUHEfHTiNgHaF/iuHLhySceZ5Oe3em54Xr830X/m3U4jYLHvOFdfdUVbLXFJmzZ63v8/crLsw6nbDRrWsXz15/K4FvPYOi/zuR3J+wCwE9/vA1v3X0Os16+iNVbNV+4/qotVuKei49ZuP6Re/XOKvSy5N+WhnfVFZfRt9f32HKLTTj2qMOYPXt21iGVNT/jZSwKAwVkOa0I6pPU/AJoCfwc2BY4ETiuvjuIiMqIeD0iHlm2EFdMNTU1nPHzU3jw4cd4ffgI7u5/ByNHjMg6rLLmMW94I95+i5tv/CfPPv8yLw55nccfe5QPRr2fdVhlYc7canY/9Vq2PPIytjzyMnbdujt9e3blpeEfs+fPr+OTcZO/tv5Pfrw173z0BVseeRm7nXwN//vzvWlSVZlR9OXFvy0Nb+yYMVzz9ysZ9OIQBg8dzvyaGu692872UvEzrsZgiUlNSmlwSml6SunTlNKRKaV9U0ovLsU+TgdGLnuIK6ZXhgyhW7f1WGfddWnatCkHHnwIjzz8YNZhlTWPecN7952R9O67Jc2bN6eqqorttt+Bhx98IOuwysaMWXMBaFJVSVVVJYnEG++N5dNxU761bkrQsnkzAFqs3JQpX86kumZ+g8Zbrvzbko3q6mpmzZpFdXU1M2fNZM0OHbMOqWz5GS9/EZHptCJYbFITEfdHxH2Lm+qz8YjoDOwF/HN5BbyiGDt2DJ07d1n4vFOnzowZMybDiMqfx7zh9ei5Mf954XkmT5rEzJkzefLxxxgz+rOswyobFRXBy7ecwaePnc+zQ97jlbcXf2z/cc9/2HDtNfjwkd/x6u1ncvalD5FSasBoy5d/Wxpex06dOO2Ms+i5wdqsv04nVl21FTvtvGvWYZUtP+NqDOoa0vmq5bD9y4BzgFUWt0JEnAScBNCla9flsMuGsaiLiRUlUy1XHvOG133DjTjjrF+y39670bJFSzbeZBOqqpY4Erzqaf78xFZHXUarlitx51+Ppse6azDiwy8Wue4uW27A8PfGsvsp17Bu59V59IoTefGIS5k+c04DR11+/NvS8KZMmcKARx7izZEf0Gq11TjqsIPof8dtHHLoEVmHVpb8jKsxWGylJqX0TF3TkjYcEXsD41NKQ+taL6V0bUqpd0qpd7u27ZbhLWSjU6fOjK71jfWYMaPp2NHSeSl5zLNx1DHH8/xLr/LY0wNp3boN6663ftYhlZ1pX83mudc+YNetui92nSP37s2DA98E4MPRk/h47GS6r+2YLcuDf1sa3sBnn2attdembbt2NGnShH32P4DBL7+UdVhly894+avIeFoRlDKObYF9I+JjCr9rs2NE3FbC/TWo3n36MGrU+3z80UfMnTuXu+/sz15775t1WGXNY56NCePHA/DZp5/y8IP38+ODDsk4ovLQdrUWtGpZ+D3jlZpVsWOf9Xn3kwmLXf+zL6bSr08hoWzfpiUbdG3HR2MmNUis5c6/LQ2vc5euvDJkMDNnziSlxKB/P0v37htlHVbZ8jOuxqBkfSQppV8DvwaIiH7A2SmlsqkrV1VVcenlV7HPXrtRU1PD0cccR4+ePbMOq6x5zLNx5KEHMnnyJJo0acLFl11J69atsw6pLKzZdhWuO+9gKisrqIjg3meG89iLIzn5oG0584jvs0abVXjltjN5/KV3OPl/7uF/b3iGa887iFdu+wURwW//PoBJ02Zm/TbKgn9bGl6fvluy3wE/Yvute1NVVcUmm27GscefmHVYZcvPeHkLbCcEiPreaBoRzVJKy9S8XSup2buu9bbYond6cfCry7ILKTfmVjtiVUNao9+5WYfQ6Ex54aKsQ2h05vl3pcE1qVpRmm4ah2237M3Qoa965b4Ia6y3cTr44nsyjeHKAzYamlLK9AfUlvh/ZET0jYg3gfeLzzeNiCuXZicppYFLSmgkSZIkaVnUp/3sCmBv4AGAlNIbEfGDkkYlSZIkqV4qrGHVa6CAipTSJ9+YV1OKYCRJkiRpadWnUvNZRPQFUkRUAqcB75U2LEmSJEn1YaWmfpWanwFnAl2BL4CtivMkSZIkKXNLrNSklMYD/jCFJEmSpBXSEpOaiLgO+Na4zymlk0oSkSRJkqR6ifB3aqB+99Q8XevxSsABwGelCUeSJEmSlk592s/urP08Im4FnipZRJIkSZK0FOpTqfmmdYC1lncgkiRJkpaeo5/V756aKfz3npoKYDJwbimDkiRJkqT6qjOpicJdR5sCY4qz5qeUvjVogCRJkqRsOE7AEn6nppjA3J9SqilOJjSSJEmSVij1+fHNIRHRq+SRSJIkSdIyWGz7WURUpZSqge2AEyPiA2AGEBSKOCY6kiRJUoYCqLD/rM57aoYAvYD9GygWSZIkSVpqdSU1AZBS+qCBYpEkSZK0lOpzP0m5qyupaRcRZy5uYUrpkhLEI0mSJElLpa6kphJoSbFiI0mSJEkrorqSmnEppT80WCSSJEmSlprjBNTdgufhkSRJkvSdRMQNETE+It6qNe+CiBgTEcOK0561lv06IkZFxLsRsVt99lFXpWan7xC7JEmSpBKLiDwM6XwTcBVwyzfmX5pSurj2jIjoARwC9AQ6Ak9HxAYppZq6drDYSk1KafKyRCxJkiRJC6SUngPqm1vsB/RPKc1JKX0EjAL6LulFjgAnSZIk6btoGxGv1ppOqufrTo2I4cX2tNbFeZ2Az2qtM7o4r051tZ9JkiRJWsGtAN1nE1NKvZfyNVcDfwRS8b//DziORd/Xn5a0MSs1kiRJkhpUSumLlFJNSmk+cB3/bTEbDXSptWpnYOyStmdSI0mSJOVYRWQ7LYuI6FDr6QHAgpHRHgIOiYhmEbEOsD4wZEnbs/1MkiRJUslExB1APwr33owGfg/0i4jNKLSWfQz8BCCl9HZE3AWMAKqBU5Y08hmY1EiSJEkqoZTSoYuYfX0d6/8Z+PPS7MOkRpIkScqpgDz8Tk3JeU+NJEmSpFyzUiNJkiTlmIUaKzWSJEmScs6kRpIkSVKu2X4mSZIk5dV3+K2YcmKlRpIkSVKuWamRJEmSciywVGOlRpIkSVKumdRIkiRJyjXbzyRJkqScChwoAKzUSJIkScq5FapSMx+YWz0/6zAalfnzU9YhNDpVlX6d0pCmvHBR1iE0Oq33uSzrEBqdiQ+ennUIkjJkpcZKjSRJkqScM6mRJEmSlGsrVPuZJEmSpKUTYf+ZlRpJkiRJuWZSI0mSJCnXbD+TJEmScsrfqSmwUiNJkiQp16zUSJIkSXkV4DgBVmokSZIk5ZxJjSRJkqRcs/1MkiRJyrEK+8+s1EiSJEnKNys1kiRJUk45pHOBlRpJkiRJuWZSI0mSJCnXbD+TJEmScsxxAqzUSJIkSco5KzWSJElSbgUVWKqxUiNJkiQp10xqJEmSJOWa7WeSJElSTgUOFABWaiRJkiTlnJUaSZIkKa8CKqzUWKmRJEmSlG8mNZIkSZJyzfYzSZIkKccqHCnASo0kSZKkfLNSI0mSJOWUQzoXWKmRJEmSlGsmNZIkSZJyzfYzSZIkKcccKMBKjSRJkqScs1IjSZIk5ZiFGis1kiRJknLOpEaSJElSrtl+JkmSJOVUYJUCPAaSJEmScs6kRpIkSVKu2X4mSZIk5VVAOPyZlRpJ0v9v797jrKrr/Y+/PsOAIqCigAqo3EHwglwVr5VpKpA3FPMCSoL99JSVGR3tWB07kp5OoWamXbyckxdIRUVAgyREkJvXVBABhcEL4CUVDRm+vz9mS5NSIs7ei7Xn9fSxHzN77T17vecrjzXzmc9nrS1JUr7ZqZEkSZJyzD6NnRpJkiRJOWdR8xn88pqrOKD3vvTvtQ/XXj026zhl6/xzv0rnPXfjwD77feyxq3/+U5o3qWTN6tUZJCt/ixYtZEC/XhtvrVvuyC/8t150D0yZzL49utKjWyeuvGJM1nHKRtsWTZk85kQe+9WZzL/uDM77ck8A9mnfgof+5xTmXns6438wmGbbNdr4NXu3q3ls/nVnMPfa09mmYYOs4ped6upqBvTrxUnHDco6Sr3gcUXlrqjjZxGxDHgbqAbWp5T6FHN/pfTMX57mpt/9mmkzZtOoUSNOGHwMRx19DB07dc46Wtk59fQzOWfU/+Pcc876h+0rViznoWl/pO3ue2SUrPx16dKVR+YsAGp+AenSYXcGDT4u41Tlrbq6mgu+fh4TJz1Im7ZtOfiAvgwcOJi9unfPOlrura/ewOgb/szjL6yiaeOGPHLVV5j62Ev88oIjGP3rGTz8VBVnHtmdb57Ymx/dMosGFcFvLzqKEVdO4amlq9mp2bZ8UL0h62+jbFx79Vi6dtuLt//616yjlD2PK+UtgAovFFCSTs3nUko9y6mgAVj43LP06def7bbbjsrKSg4+5FDunXB31rHK0kEHH0rznXb62PaLv/ttfnDZGK/4USIPTZtK+/Yd2WPPPbOOUtbmzplDx46daN+hA40aNWLIKUO5794JWccqC6+8sZbHX1gFwDvvfcBzy1+n9c5N6dy2OQ8/VQXAtAUvcdzBnQA4oveePL10NU8trekEv/72+2zYkLIJX2aqVqxg8qT7GXbWiKyj1AseV1QfOH62hbr32JtHHp7B62vWsHbtWh6YPImqFcuzjlVv3D/xXnbbrQ377PvxkTQVx/hxtzPklKFZxyh7K1dW0bbt7hvvt2nTlqqqqgwTlac9Wm1Pz44tmbvwFZ5ZtoaBB3QA4IRDOtO2RTMAOrdpTkpwz2XH88jVX+FbJ/XOMnJZuejCb3LZ5T+hosJfQ0rB40r5i4xvW4NiH00S8EBEzI+IkZt6QkSMjIh5ETFvzapVRY5Td7p224sLvv0dvjzwKE4cfAx777svlZVeTK4U1q5dy/9c8V987/s/yDpKvbFu3Trun3gvx59wUtZRyl5KH+8E2I2sW022bcitlxzLd341nbfXrmPUzx5k1KD9mHnVqTRt3Ih166sBqGwQDOjRmrOumMQXLryDwQM6cXjP3T/h1fVJJk28j5YtW7J/L4vEUvG4ovqg2EXNQSmlXsDRwHkRcehHn5BSuj6l1Cel1Gfnli2LHKdunTl8BDNmzWPSHx+iefOd6OD5NCWxdMkLvLhsGYcc0It99+rIyqoVHHZQX1595ZWso5WtB6ZMomfP/Wm1yy5ZRyl7bdq0ZUWtrm9V1Qpat26dYaLyUtmgglsvGcjtf3qOCY+8AMCiFW8w6OK7OOjrt3LH9IUsffktAKpWv8OMp6pY89f3ee9v65k8dyn7d2yVZfyyMHvWTO6feC/du7Rn+BmnMv2haYwYfkbWscqaxxXVB0UtalJKKwsfXwPuAvoVc3+ltuq11wBY/tJL3DvhLk462dGcUuix9z48/+LLPPnsCzz57Au0btOW6TPnssuuu2YdrWyNv+M2/32XSJ++fVm8+HmWLV3KunXrGHf7bRw7cHDWscrGdRccwcLlr3PVXY9t3NZyh8YARMDoof244f4nAXhw/ovs3b4FjbeppEFFcMg+bXn2pTWZ5C4nP7zschYtWc4zi5Zy4y23ctjhn+c3N96Sdayy5nGl/EVke9saFG1eKiKaABUppbcLnx8J/KhY+8vCGacO4fXX19CwYUP+++dX07x586wjlaURw05j5ozprFmzmh6d92T0JZdyxrCzs45Vb6xdu5ZpU//I2GuuyzpKvVBZWcnPxl7DoGOPorq6mmHDz6Z7jx5ZxyoLA3q05rQjuvPU0lXMvuY0AC69aSadWu/IqIE15+dNeGQxNwum0uYAAB6BSURBVD/wDABvvvM3rrpzAQ+PPZWUElPmLmPy3GVZxZe2mMcV1QexqTnLOnnhiA7UdGegpnj6fUrpx//qa/bv3SdNnzmnKHm0aV7Jp/QqG2wlf9KoJyobeCJyqTUf9POsI9Q7qyd8I+sI9U6DCo/lpXRQ/z7Mnz/PRd+EDt33Sz/+v/szzfCVXm3nZ32l46J1alJKSwAvTSVJkiSpqPwTpiRJkqRc8xrEkiRJUk4FdinANZAkSZKUc3ZqJEmSpBzzzVTt1EiSJEnKOYsaSZIkSbnm+JkkSZKUYw6f2amRJEmSlHN2aiRJkqS8Ci8UAHZqJEmSJOWcRY0kSZKkXHP8TJIkScqpwC4FuAaSJEmScs5OjSRJkpRjXijATo0kSZKknLOokSRJkpRrjp9JkiRJOebwmZ0aSZIkSTlnUSNJkiQp1xw/kyRJknLMi5/ZqZEkSZKUc3ZqJEmSpJwKoMJLBdipkSRJkpRvFjWSJEmScs3xM0mSJCnHvFCAnRpJkiRJRRQRv42I1yLi6VrbdoqIByPi+cLH5oXtERFXRcTiiHgyInptzj4saiRJkqTcisz/2ww3Al/6yLbRwNSUUmdgauE+wNFA58JtJPDLzdmBRY0kSZKkokkp/Rl4/SObvwzcVPj8JuC4WttvTjVmAztGxG6ftA+LGkmSJEmfRYuImFfrNnIzvmaXlNLLAIWPrQrb2wDLaz1vRWHbv+SFAiRJkqQc2wouFLA6pdSnjl5rU99N+qQvslMjSZIkqdRe/XCsrPDxtcL2FcDutZ7XFlj5SS9mUSNJkiTlVAAVRKa3LXQPMKzw+TBgQq3tZxaugnYA8NaHY2r/iuNnkiRJkoomIm4FDqfm3JsVwKXAGOCOiBgBvAQMKTz9fuAYYDGwFjhrc/ZhUSNJkiSpaFJKp/6Th76wiecm4LxPuw+LGkmSJCmvYqu4UEDmPKdGkiRJUq7ZqZEkSZJyzE6NnRpJkiRJOWdRI0mSJCnXHD+TJEmSciy2/L1iysZWVdRUAI0qbR6VUvWGlHWEeufVt97POkK9snPTRllHqHdW3f31rCPUOy2G/CrrCPXOG384N+sIkmrZqooaSZIkSZsvgAobNZ5TI0mSJCnfLGokSZIk5ZrjZ5IkSVKOeaEAOzWSJEmScs5OjSRJkpRjYaPGTo0kSZKkfLOokSRJkpRrjp9JkiRJOeaFAuzUSJIkSco5ixpJkiRJueb4mSRJkpRTAVQ4fWanRpIkSVK+2amRJEmSciu8UAB2aiRJkiTlnEWNJEmSpFxz/EySJEnKq4Bw+sxOjSRJkqR8s1MjSZIk5ZiNGjs1kiRJknLOokaSJElSrjl+JkmSJOVUABVeKcBOjSRJkqR8s1MjSZIk5Zh9Gjs1kiRJknLOokaSJElSrjl+JkmSJOWZ82d2aiRJkiTlm50aSZIkKcfCVo2dGkmSJEn5ZlEjSZIkKdccP5MkSZJyLJw+s1MjSZIkKd/s1EiSJEk5ZqPGTo0kSZKknLOokSRJkpRrjp9JkiRJeeb8mZ0aSZIkSflmp0aSJEnKqQDCVo2dGkmSJEn5ZlEjSZIkKdccP5MkSZLyKiCcPrNT81mM+urZ7NG6Fb177p11lHqlurqaAf16cdJxg7KOUtaqq6sZ9PkD+OppJwAw+oJzOfbw/hxzWD/OO/srvPvOOxknLB/njfoqnfbcjQP77Ldx2913jueA3vvSvElDHps/L8N05W/RooUM6Ndr4611yx35xdVjs46Ve21bNGHyZYN47JpTmH/1yZw3cB8A9mm3Mw/95Djmjh3C+Iu/RLPGDTd+zYUn7s/T153KE9cO5Yj922YVvSw9MGUy+/boSo9unbjyijFZx5HqXFGLmojYMSLGR8RzEfFsRBxYzP2V2hnDhjPhvslZx6h3rr16LF277ZV1jLJ34/W/oGOXbhvvX/yfVzDxoUe5f/ocWrfZnVt+e12G6crLV844k/F3T/yHbXt178Ett45jwMGHZJSq/ujSpSuPzFnAI3MWMGPWXBpvtx2DBh+XdazcW1+dGP3bWex//u0cdtFdjDqmB912b84vzz+MS25+lL7fGMc9s5fyzeN7AtBt9+YMOaQjvc6/ncE/mMjYUYdQUeGfn+tCdXU1F3z9PCbcO4nHnnyGcbfdyrPPPJN1LKlOFbtTMxaYnFLqBuwHPFvk/ZXUwYccyk477ZR1jHqlasUKJk+6n2Fnjcg6Sll7eeUK/vTHyZx82vCN25o12x6AlBLvv/+eV1qpQwcdfCjNP3Is6dptLzp36ZpRovrroWlTad++I3vsuWfWUXLvlTfW8viS1QC8894HPLfiDVrv1ITObXbk4b+8DMC0J1Zw3ID2AAzs145xM15g3foNvPja27zwyl/p27lVZvnLydw5c+jYsRPtO3SgUaNGDDllKPfdOyHrWKpDkfFta1C0oiYitgcOBX4DkFJal1J6s1j7U/1w0YXf5LLLf0JFhZOTxXTZJRfx3f+47GPrfNHXR9K/R3teWLyIM7/6tYzSScUzftztDDllaNYxys4erZrRs0ML5i56lWdeep2B/doBcMKAjrRt0RSANjs3YcXqv4+1Vq1+h9Y7N8kibtlZubKKtm1333i/TZu2VFVVZZhIqnvF/M2wA7AK+F1EPBYRv46Ijx2dImJkRMyLiHmrVq8qYhzl3aSJ99GyZUv279U76yhlbdoD97Nzi5bss1+vjz12xVXXM+upF+jUuSsTJ4zPIJ1UPOvWreP+ifdy/AknZR2lrDTZtpJbv3sk3/n1I7z93geMuuohRh3Tg5k/PZGmjRuy7oMNNU/cxJ97U0qlDVumNrWO4Znl5cVWTVGLmkqgF/DLlNL+wLvA6I8+KaV0fUqpT0qpT8sWLYsYR3k3e9ZM7p94L927tGf4Gacy/aFpjBh+Rtaxys78ObOZOmUih/buxjdGnsmsh6fzra+dvfHxBg0acOxxJzH5vrszTCnVvQemTKJnz/1ptcsuWUcpG5UNKrh19FHcPv15JsxeCsCiqjcZ9IOJHPTtP3DHjMUsfeWvAFStfndj1wagTYumvPz62kxyl5s2bdqyYsXyjferqlbQunXrDBNJda+YRc0KYEVK6dHC/fHUFDnSFvnhZZezaMlynlm0lBtvuZXDDv88v7nxlqxjlZ3vXPIjZj6xmD/Pf46x19/MgQcfxk+v/Q3LlrwA1PzFb+qU++nQyfM9VF7G33EbJ53s6Flduu7fDmPh8je46p4nN25rucO2QM0laEef3IsbJv8FgIlzljHkkI40qqxgz1bN6LTbDsx9/rVMcpebPn37snjx8yxbupR169Yx7vbbOHbg4KxjSXWqaO9Tk1J6JSKWR0TXlNJC4AtAWV1q48zTT2XG9IdYvXo1Hdu15fv/8UOGn+0J7Co/KSW+82/n8M47b5NSYq/u+/CjK73kbV0ZMew0Hv7zdNasWU33Tnsy+pJLad58J7777W+wevUqTj5xMPvsux933jMp66hla+3atUyb+kfGXuNV/erKgL125bTPdeWpZWuY/bOakb5L/3cOnXbbgVHH9ABgwuyl3Dx1IQDPLn+DP8xcwmPXnML6DYkLfjWDDRscP6sLlZWV/GzsNQw69iiqq6sZNvxsuvfokXUs1Znw4j1AFHNeNSJ6Ar8GGgFLgLNSSm/8s+f37t0nzXzU92MopWp/YJTcq2+9n3WEemXnpo2yjlDvNPAyvCXX8uTrs45Q77zxh3OzjlCvHNS/D/Pnz/Pgsgnd9+2V/u/e6Zlm6NVu+/kppT5ZZihapwYgpfQ4kOk3KEmSJJUzr/tQ/PepkSRJkqSisqiRJEmSlGtFHT+TJEmSVDxb0VvFZMpOjSRJkqRcs1MjSZIk5ZmtGjs1kiRJkvLNokaSJElSrjl+JkmSJOVYOH9mp0aSJElSvtmpkSRJknIsbNTYqZEkSZKUbxY1kiRJknLN8TNJkiQpx5w+s1MjSZIkKefs1EiSJEl5FdiqwU6NJEmSpJyzqJEkSZKUa46fSZIkSTkWzp/ZqZEkSZKUb3ZqJEmSpJwKIGzU2KmRJEmSlG8WNZIkSZJyzfEzSZIkKcecPrNTI0mSJCnnLGokSZIk5ZrjZ5IkSVKeOX9mp0aSJElSvtmpkSRJknIsbNXYqZEkSZKUbxY1kiRJknLN8TNJkiQpx8LpM4saSZIkScUVEcuAt4FqYH1KqU9E7ATcDrQDlgEnp5Te2JLXd/xMkiRJyrHI+PYpfC6l1DOl1KdwfzQwNaXUGZhauL9FLGokSZIkZeHLwE2Fz28CjtvSF7KokSRJkvRZtIiIebVuIzfxnAQ8EBHzaz2+S0rpZYDCx1ZbGsBzaiRJkqQ8y/5CAatrjZT9MwellFZGRCvgwYh4ri4D2KmRJEmSVFQppZWFj68BdwH9gFcjYjeAwsfXtvT1LWokSZKknKo5WT/b/z4xY0STiGj24efAkcDTwD3AsMLThgETtnQdHD+TJEmSVEy7AHdFzRvqVAK/TylNjoi5wB0RMQJ4CRiypTuwqJEkSZJUNCmlJcB+m9i+BvhCXexjqypqqlPi3b+tzzpGvdK4YYOsI9Q7rZs3zjqCpDLzxh/OzTpCvdO87/lZR6hX/rbwpawjbL0CIvsLBWTOc2okSZIk5dpW1amRJEmS9OnYqLFTI0mSJCnnLGokSZIk5ZrjZ5IkSVKeOX9mp0aSJElSvtmpkSRJknIrCFs1dmokSZIk5ZtFjSRJkqRcc/xMkiRJyrFw+sxOjSRJkqR8s1MjSZIk5VTgFZ3BTo0kSZKknLOokSRJkpRrjp9JkiRJeeb8mZ0aSZIkSflmUSNJkiQp1xw/kyRJknIsnD+zUyNJkiQp3+zUSJIkSTkWNmrs1EiSJEnKN4saSZIkSbnm+JkkSZKUY06f2amRJEmSlHN2aiRJkqS8Ci8UAHZqJEmSJOWcRY0kSZKkXHP8TJIkSco158/s1EiSJEnKNTs1kiRJUk4FXigA7NRIkiRJyjmLGkmSJEm55viZJEmSlGNOn9mpkSRJkpRzdmokSZKkHPNCAXZqJEmSJOWcRY0kSZKkXHP8TJIkScqx8FIBdmokSZIk5ZudGkmSJCnPbNTYqZEkSZKUbxY1kiRJknLNouZT+vrXvkq3dq05uG/PjdtGnPkVDj+wN4cf2Jv9u3fi8AN7Z5iwfL3//vscelB/+vfpSZ+ee3PZjy7NOlK98MCUyezboys9unXiyivGZB2nXnDNS881Lz3XvO5t06iSGbdcyKO3j2b++Iu55NxjAPjdj4fxxF3fZ964f+e6S0+jsrLm17/tm27L+J+P2vj8MwYfkGV8fQaR8W1rULSiJiK6RsTjtW5/jYgLirW/Uhl62jBuv/u+f9j2m5t/z0Oz5vPQrPkM/PLxHDv4+IzSlbdtttmG+6dM5dF5jzNr7mM8+MAU5jw6O+tYZa26upoLvn4eE+6dxGNPPsO4227l2WeeyTpWWXPNS881Lz3XvDj+tm49Xxp5Ff1PGUP/oZdz5IDu9NunHbdNmst+x/8nfYb8F423bchZxw8AYNTJh/Lcklfof8oYjjpnLGO+dTwNKxtk/F1IW6ZoRU1KaWFKqWdKqSfQG1gL3FWs/ZXKgIMPoXnznTb5WEqJCXeO54Qhp5Q4Vf0QETRt2hSADz74gA8++IDwLXSLau6cOXTs2In2HTrQqFEjhpwylPvunZB1rLLmmpeea156rnnxvPveOgAaVjagsrIBKSWmPPz3gnHe0y/SplVzABLQtMk2ADRpvA1vvLWW9dUbSp5Zn01E9retQanGz74AvJBSerFE+8vErJkP07JVKzp26px1lLJVXV3NAX33p13bXfj8F46gb7/+WUcqaytXVtG27e4b77dp05aqqqoME5U/17z0XPPSc82Lp6IimH3baF6aOoZps59j7tN//9WrsrKCU4/tx4OP1BQ51902nW7td2XJAz9m3rh/58Irx5NSyiq69JmUqqgZCty6qQciYmREzIuIeWtWry5RnOK4c9xtnDBkaNYxylqDBg2YPfcxFi1Zzvx5c/nLX57OOlJZ29QPN7tjxeWal55rXnquefFs2JA4YOgYOh11CX323pPuHXfb+NjY753CzAWLmfnYCwB8ccBePLlwBR2OvJj+Qy/nZ6OH0KzJtllFlz6Tohc1EdEIGAyM29TjKaXrU0p9Ukp9dm7Rothximb9+vVMvOdujj9xSNZR6oUdd9yRQw49jAenTM46Sllr06YtK1Ys33i/qmoFrVu3zjBR+XPNS881Lz3XvPjeeuc9/jzveY4c0B2Afx95NC2bN+Win9658TlnDD6ACdOeAGDJ8tUsq1pD13a7ZJJXn01k/N/WoBSdmqOBBSmlV0uwr8xM/9NUOnXpSus2bbOOUrZWrVrFm2++CcB7773Hn6ZNpWvXbhmnKm99+vZl8eLnWbZ0KevWrWPc7bdx7MDBWccqa6556bnmpeeaF0eL5k3ZoWljALbdpiGf79+VhcteZfjxB/LFAXtx5vdu/Icu2fJX3uDwfl0BaLVTM7q024WlVfmemlH9VVmCfZzKPxk9y6Nzhp/OzBnTeX3Navbp0o7vXvwfnD7sbO4af7sXCCiyV155mZEjhlNdXc2GDRs48aQhHH3swKxjlbXKykp+NvYaBh17FNXV1Qwbfjbde/TIOlZZc81LzzUvPde8OHZtsT03/OgMGlRUUFER/OHBBUya8TRvzx3LSy+/zkM3fRuACdMe5/LrJzPmhslc/8PTmXvHvxMBF4+dwJo33834u5C2TBTzhLCI2A5YDnRIKb31Sc/v2at3mjrj0aLl0cc1builG0utomLraNNKkrZc877nZx2hXvnbwjvYsPY1f4BuQs9evdODf8729+dWzRrOTyn1yTJDUTs1KaW1wM7F3IckSZKk+q0U42eSJEmSisQWVuku6SxJkiRJRWFRI0mSJCnXHD+TJEmScsz3rrVTI0mSJCnn7NRIkiRJuRWElwqwUyNJkiQp3yxqJEmSJOWa42eSJElSTgVeKADs1EiSJEnKOYsaSZIkSblmUSNJkiQp1yxqJEmSJOWaFwqQJEmScswLBdipkSRJkpRzdmokSZKkHAts1dipkSRJkpRrFjWSJEmScs3xM0mSJCmvwgsFgJ0aSZIkSTlnp0aSJEnKqSjc6js7NZIkSZJyzaJGkiRJUq45fiZJkiTlmfNndmokSZIk5ZudGkmSJCnHwlaNnRpJkiRJ+WZRI0mSJCnXHD+TJEmSciycPrNTI0mSJCnfLGokSZIk5ZrjZ5IkSVKOOX1mp0aSJElSztmpkSRJkvLMVo2dGkmSJEn5ZlEjSZIkKdccP5MkSZJyLJw/s1MjSZIkqXgi4ksRsTAiFkfE6GLsw06NJEmSlFMBxFbcqImIBsAvgC8CK4C5EXFPSumZutyPnRpJkiRJxdIPWJxSWpJSWgfcBny5rneyVXVqnnhsweoWTRu+mHWOLdACWJ11iHrGNS8917y0XO/Sc81LzzUvvbyu+Z5ZB9haLVgwf0rjhtEi4xjbRsS8WvevTyldX/i8DbC81mMrgP51HWCrKmpSSi2zzrAlImJeSqlP1jnqE9e89Fzz0nK9S881Lz3XvPRc8/KTUvpS1hk+waaG41Jd78TxM0mSJEnFsgLYvdb9tsDKut6JRY0kSZKkYpkLdI6I9hHRCBgK3FPXO9mqxs9y7PpPforqmGteeq55abnepeeal55rXnquuUoqpbQ+Is4HpgANgN+mlP5S1/uJlOp8pE2SJEmSSsbxM0mSJEm5ZlEjSZIkKdcsaiRpKxWxNb9HtPTZRESTrDPUNxGxq8cVlSuLms8oIhpknaE+iYhOEdEnIrbJOkt9ERE9IuKwiNg56yz1QUQcHBFnAKSUkr+AFF9EDIqIb2Sdoz6JiC8DP4mIVllnqS8i4ijgLv7x0rpS2bCo2UIR0QUgpVRtYVMaETEQuBO4Erjxw/8HKp6IOBq4FfgmcHNE7JpxpLIVERUR0RT4FfC9iDgXNhY2HquLJCKOBP4TeCbrLPVFRBwG/ASYkFJ6Les89UHh3/lPgN2Ab2ccRyoKf1BugcIv149HxO/BwqYUImIA8N/AsJTS54A3gNHZpipvEXE4MBb4akrpOGAdsHemocpYSmlDSukd4CbgN8CAiPjmh49lGq5MFY4rtwAjU0oPRsQOEbFnRGyXdbYy1xv4dWHNW0fEFyOif0TskHWwchQRRwDXAqcBnYG9IuLQbFNJdc+i5lMqzACfD1wArIuI/wULmxIZk1J6rPD5pcBOjqEV1avAqJTSnEKHpj9wfkT8KiJOciyqaNZTMx5yE9AvIv4nIi6PGh6z69Ya4ANgt8J45d3AL6npBPtvvHjW1/p8PHA2NT9XfxERzbOJVNYaAGcW3hekCbAQ6AGet6fy4g/ITyml9C41B+DfAxcC29YubLLMVuYepWb07MPzmLYB9gS2L2zzfI86llJ6NqX0p8LdEcC1hY7NbGAI0CKzcOVtAvBKSmkqMA84F9g+1bBjU4dSSguBY4GfAU9Qc1wfCEwGTgT8Bbs4pgHnRMRtwA0ppVOp+UPVO0C/TJOVoZTSlJTSIxFRkVJ6E5gIXBoR+yTfrFBlxKJmC6SUVqaU3kkprQZGAY0/LGwioldEdMs2YflJKVWnlP5auBvAm8DrKaVVEXEacFlENM4uYXlLKf04pXRZ4fPfAc3wZNNieQ/oGhHnUFPQjAH2iIhR2cYqTymlJ6gpZC5PKd1QGAP8LTUFzR7ZpitPKaWnqfmjYH+gfWHbEmo6Ci0zjFbWPvyjSEppMnA9MNAOsMpJZdYB8i6ltKbwy8aVEfEcNQflz2Ucq6yllNYD70TE8oi4HDgSGJ5Sei/jaGUpIqL2X/Mi4kRgF2BldqnKV0ppZUQsB74PnJdSujciPgcszjha2UopPUOtCwUU/o23BF7OLFT5m0RNd+YHEfFiYdv+1BTxKr4nqLkAzBVOmahchJ3HulE4ofe7wBdTSk9lnaecFWaAGwLPFj5+IaX0fLapyl/h/KXTgW8BpxT+2qoiiIjdgVYppfmF+xWOnhVf4dhyFjVdhCGFcxBURBHRCziJmpHiG/35WToRcQdwUUppWdZZpLpgUVMHCic23gF8O6X0ZNZ56ouIGA7M9ReP0oiIhsAXgRcK5yKoyD7aJVNxFYqaw6g5p+m5rPNIxeBxReXKoqaORMS2KaX3s85Rn3hgliRJEljUSJIkSco5r3ghSZIkKdcsaiRJkiTlmkWNJEmSpFyzqJEkSZKUaxY1kgRERHVEPB4RT0fEuIjY7jO81uERcV/h88ERMfpfPHfHiPh/W7CPH0TEhZu7/SPPuTEiTvoU+2oXEb4vkSRpq2VRI0k13ksp9Uwp7Q2sA86t/WDU+NTHzJTSPSmlf/Uu6TsCn7qokSRJf2dRI0kfNwPoVOhQPBsR1wILgN0j4siImBURCwodnaYAEfGliHguIh4GTvjwhSJieERcU/h8l4i4KyKeKNwGAGOAjoUu0ZWF530nIuZGxJMR8cNar3VxRCyMiD8CXT/pm4iIcwqv80RE/OEj3acjImJGRCyKiIGF5zeIiCtr7XvUZ11ISZJKwaJGkmqJiErgaOCpwqauwM0ppf2Bd4FLgCNSSr2AecC3ImJb4AZgEHAIsOs/efmrgOkppf2AXsBfgNHAC4Uu0Xci4kigM9AP6An0johDI6I3MBTYn5qiqe9mfDt3ppT6Fvb3LDCi1mPtgMOAY4HrCt/DCOCtlFLfwuufExHtN2M/kiRlqjLrAJK0lWgcEY8XPp8B/AZoDbyYUppd2H4A0B2YGREAjYBZQDdgaUrpeYCI+F9g5Cb28XngTICUUjXwVkQ0/8hzjizcHivcb0pNkdMMuCultLawj3s243vaOyIuo2bErSkwpdZjd6SUNgDPR8SSwvdwJLBvrfNtdijse9Fm7EuSpMxY1EhSjfdSSj1rbygULu/W3gQ8mFI69SPP6wmkOsoRwOUppV99ZB8XbME+bgSOSyk9ERHDgcNrPfbR10qFff9bSql28UNEtPuU+5UkqaQcP5OkzTcbOCgiOgFExHYR0QV4DmgfER0Lzzv1n3z9VOBrha9tEBHbA29T04X50BTg7Frn6rSJiFbAn4HjI6JxRDSjZtTtkzQDXo6IhsBpH3lsSERUFDJ3ABYW9v21wvOJiC4R0WQz9iNJUqbs1EjSZkoprSp0PG6NiG0Kmy9JKS2KiJHAxIhYDTwM7L2Jl/gGcH1EjACqga+llGZFxMzCJZMnFc6r2QuYVegUvQOcnlJaEBG3A48DL1IzIvdJvg88Wnj+U/xj8bQQmA7sApybUno/In5Nzbk2C6Jm56uA4zZvdSRJyk6kVFcTE5IkSZJUeo6fSZIkSco1ixpJkiRJuWZRI0mSJCnXLGokSZIk5ZpFjSRJkqRcs6iRJEmSlGsWNZIkSZJy7f8D9go+b3x/kHsAAAAASUVORK5CYII="/>
+          <p:cNvSpPr>
+            <a:spLocks noChangeAspect="1" noChangeArrowheads="1"/>
+          </p:cNvSpPr>
+          <p:nvPr/>
+        </p:nvSpPr>
+        <p:spPr bwMode="auto">
+          <a:xfrm>
+            <a:off x="307975" y="7937"/>
+            <a:ext cx="304800" cy="304801"/>
+          </a:xfrm>
+          <a:prstGeom prst="rect">
+            <a:avLst/>
+          </a:prstGeom>
+          <a:noFill/>
+          <a:extLst>
+            <a:ext uri="{909E8E84-426E-40DD-AFC4-6F175D3DCCD1}">
+              <a14:hiddenFill xmlns:a14="http://schemas.microsoft.com/office/drawing/2010/main">
+                <a:solidFill>
+                  <a:srgbClr val="FFFFFF"/>
+                </a:solidFill>
+              </a14:hiddenFill>
+            </a:ext>
+          </a:extLst>
+        </p:spPr>
+        <p:txBody>
+          <a:bodyPr vert="horz" wrap="square" lIns="91440" tIns="45720" rIns="91440" bIns="45720" numCol="1" anchor="t" anchorCtr="0" compatLnSpc="1">
+            <a:prstTxWarp prst="textNoShape">
+              <a:avLst/>
+            </a:prstTxWarp>
+          </a:bodyPr>
+          <a:lstStyle/>
+          <a:p>
+            <a:endParaRPr lang="en-US"/>
+          </a:p>
+        </p:txBody>
+      </p:sp>
+      <p:sp>
+        <p:nvSpPr>
+          <p:cNvPr id="6" name="AutoShape 6" descr="data:image/png;base64,iVBORw0KGgoAAAANSUhEUgAAAzUAAALICAYAAABGl96fAAAABHNCSVQICAgIfAhkiAAAAAlwSFlzAAALEgAACxIB0t1+/AAAADl0RVh0U29mdHdhcmUAbWF0cGxvdGxpYiB2ZXJzaW9uIDMuMC4zLCBodHRwOi8vbWF0cGxvdGxpYi5vcmcvnQurowAAIABJREFUeJzs3XecFfXV+PHP2V1AAUUQUKoFFQVjQcBuiL2XJPZek1iiUWNM0WjKkyc+/uyJUWPXiL1jN2CJgqKIChbsFKUj0nf5/v64F7IqLAtyd5i7n/frNS/vnZk7c+7MdZlzz5nvjZQSkiRJkpRXFVkHIEmSJEnfhUmNJEmSpFwzqZEkSZKUayY1kiRJknLNpEaSJElSrpnUSJIkSco1kxpJ3xIRK0fEwxExLSLu/g7bOTwinlyesWUlIraPiHdXlP1FxNoRkSKiqqFiyouI+Dgidi4+/k1E/LME+/hHRJy3vLcrSVo24e/USPkVEYcBZwIbAtOBYcCfU0ovfMftHgmcBmyTUqr+zoGu4CIiAeunlEZlHcviRMTHwAkppaeLz9cGPgKaLO9zFBE3AaNTSr9bntttKN88Vsthe8cUt7fd8tieJGn5s1Ij5VREnAlcBvwPsAbQFfg7sN9y2PxawHuNIaGpD6shpeOxlSQtDyY1Ug5FRCvgD8ApKaX7UkozUkrzUkoPp5R+WVynWURcFhFji9NlEdGsuKxfRIyOiLMiYnxEjIuIY4vLLgTOBw6OiK8i4viIuCAibqu1/6+1PkXEMRHxYURMj4iPIuLwWvNfqPW6bSLilWJb2ysRsU2tZQMj4o8R8WJxO09GRNvFvP8F8Z9TK/79I2LPiHgvIiZHxG9qrd83Il6KiKnFda+KiKbFZc8VV3uj+H4PrrX9X0XE58CNC+YVX9OtuI9execdI2JiRPSrx7m7OSLOKj7uVDyOJxefr1fcbnxjf7dSSFofLsZ4Tq1NHh4Rnxb3/9ta+6nr/H/tvBTnpeL+TwIOB84p7uvhxbyPFBE/jYj3I2JKRPwtIqK4rCIifhcRnxTPzy3Fz2ztz87xEfEp8GytecdGxGfF7f00IvpExPDiebuq1r67RcSzETGp+L5vj4jVFhPnws9u8bx/VWuqjogLisvOjYgPip+9ERFxQHH+RsA/gK2Lr5lanH9TRPyp1n5OjIhRxfP3UER0rM+xkiQtHyY1Uj5tDawE3F/HOr8FtgI2AzYF+gK124nWBFoBnYDjgb9FROuU0u8pVH/uTCm1TCldX1cgEdECuALYI6W0CrANhTa4b67XBni0uO7qwCXAoxGxeq3VDgOOBdoDTYGz69j1mhSOQScKSdh1wBHAFsD2wPkRsW5x3RrgF0BbCsduJ+BkgJTSDsV1Ni2+3ztrbb8NharVSbV3nFL6APgVcHtENAduBG5KKQ2sI94FBgH9io+/D3xY/C/ADsDz6Rt9wSmlI4FPgX2KMV5Ua/F2QPfiezq/eBEOSz7/i5RSuha4HbiouK996lh9b6BPcfsHAbsV5x9TnH4ArAu0BK76xmu/D2xU6zUAWwLrAwdTqEL+FtgZ6AkcFBELjlMAfwE6FrfRBbigHu/t1OJ7aknhuE0BHiwu/oDC56YVcCFwW0R0SCmNBH4KvFR87beSp4jYsRjPQUAH4BOg/zdWW9yxkiQtByY1Uj6tDkxcQnvY4cAfUkrjU0oTKFyoHVlr+bzi8nkppQHAVxQujpfFfGDjiFg5pTQupfT2ItbZC3g/pXRrSqk6pXQH8A5Q+6L5xpTSeymlWcBdFC7IF2cehfuH5lG4gGwLXJ5Sml7c/9vAJgAppaEppZeL+/0YuIb/JhJ1vaffp5TmFOP5mpTSdcD7wGAKF7K//eY6izEI2D4iKigkMRcB2xaXfb+4fGlcmFKalVJ6A3iDwkUzLPn8Lw//m1KamlL6FPg3/z1fhwOXpJQ+TCl9BfwaOCS+3mp2QbHCWPvY/jGlNDul9CQwA7ijGP8Y4Hlgc4CU0qiU0lPFczOBQoK8pPO5UES0Ax4ATkspvV7c5t0ppbEppfnFxPZ9ColgfRwO3JBSei2lNKf4freOwn1PCyzuWEmSlgOTGimfJgFto+77ETpS+MZ4gU+K8xZu4xtJ0UwK36gvlZTSDArfrP8UGBcRj0bEhvWIZ0FMnWo9/3wp4pmUUqopPl5wYfxFreWzFrw+IjaIiEci4vOI+JJCJWqRrW21TEgpzV7COtcBGwNXFi9ml6hY5fmKwkXt9sAjwNiI6M6yJTWLO2ZLOv/Lw9Lsu4rCvV8LfLaI7X3z/C3ufLaPiP4RMaZ4Pm9jyeeT4mubAPcA/0op9a81/6iIGFZsdZtK4bzWa5t84/0WE7lJLPtnW5K0lExqpHx6CZgN7F/HOmMptE4t0LU4b1nMAJrXer5m7YUppSdSSrtQqFi8Q+Fif0nxLIhpzDLGtDSuphDX+imlVYHfUGhhqkudQ0NGREsKLVLXAxcU2+vqaxDwY6BpsQoxCDgKaM0iWvfqE88i1HX+v3Y+I+Jr53MZ9lWffVfz9STlu+zjL8XXb1I8n0ew5PO5wJUURgpc2IoXEWtR+MyeCqxebDF7q9Y2lxTr195vsSVzdRrmsy1JwqRGyqWU0jQK95H8LQo3yDePiCYRsUdELLjf4g7gdxHRLgo33J9P4RvtZTEM2CEiuhZv+P71ggURsUZE7Fu8kJtDoQpRs4htDAA2iIjDIqIqIg4GelCoVJTaKsCXwFfFKtLPvrH8Cwr3fiyNy4GhKaUTKNwr9I8FC4o3pw+s47WDKFxALxikYCCFIbRfqFV9+qaljbGu8/8G0DMiNouIlfj2/SjLcjy+ue9fRMQ6xeRvwT1ay2s0vVUofM6mRkQn4Jf1eVFE/IRCNeywlNL8WotaUEhcJhTXO5ZCpWaBL4DOURxcYhH+BRxbPJ7NKLzfwcVWR0lSAzCpkXIqpXQJhd+o+R2Fi7HPKFwoP1Bc5U/Aq8Bw4E3gteK8ZdnXU8CdxW0N5euJSAVwFoVvqydTuGg8eRHbmEThZumzKLTmnAPsnVKauCwxLaWzKQxCMJ3CN/J3fmP5BcDNxdajg5a0sYjYD9idQssdFM5DryiO+kbhxvUX69jEIAoX5guSmhcoVE6eW+wrCtWJ3xVjrGsAhQUWe/5TSu9RGD3vaQr3jnzzd42uB3oU9/UAS+8G4FYK7+cjClXF05ZhO4tzIdALmEYhobyvnq87lEKyNrbWCGi/SSmNAP4fhQroF8D3+Pr5e5bCPVqfR8S3Pq8ppWeA84B7gXFAN+CQZXljkqRl449vStJyFhHDgJ2KiZwkSSoxkxpJkiRJuWb7mSRJkqRcM6mRJEmSlGsmNZIkSZJyra4f7mtwVc1bpSat1ljyilpu1m7bIusQGp3mTSuzDkEqqflLXkXLmd9QNrzq+d6T3JA++/QTJk+aWN/fo2pUKlddK6XqWUtesYTSrAlPpJR2zzKGFSqpadJqDdY59qqsw2hUrj+ub9YhNDqbr71a1iFIJTW32rSmoTWtMq1paJOmz8k6hEZlzx23yTqEFVaqnkWz7kv8NYKSmj3sb20zDQC/3JEkSZKUcytUpUaSJEnS0ggI6xQeAUmSJEm5ZlIjSZIkKddsP5MkSZLyKoBwYDgrNZIkSZJyzaRGkiRJUq7ZfiZJkiTlmaOfWamRJEmSlG9WaiRJkqQ8c6AAKzWSJEmS8s2kRpIkSVKu2X4mSZIk5VY4UABWaiRJkiTlnJUaSZIkKc8cKMBKjSRJkqR8M6mRJEmSlGu2n0mSJEl5FThQAFZqJEmSJOWclRpJkiQpt8KBArBSI0mSJCnnTGokSZIk5ZrtZ5IkSVKeOVCAlRpJkiRJ+WalRpIkScozBwqwUiNJkiQp30xqJEmSJOWa7WeSJElSboUDBWClRpIkSVLOWamRJEmS8ipwoACs1EiSJEnKOZMaSZIkSblm+5kkSZKUZw4UYKVGkiRJUr5ZqZEkSZJyyyGdwUqNJEmSpJwzqZEkSZKUa7afSZIkSXlW4e/UWKmRJEmSlGsmNZIkSZJyzfYzSZIkKa8CRz/DSs0SrdmqGTee0JuHz9iGh07fhiO26QrAaTt34/7Ttua+U7fiumN70W6VZgD0Wac1g8//AfeduhX3nboVP9tx3SzDLwv9b/w7h++xNYfvuTXnn3E8c+bM5p5br+XAnXqxzfqtmTp5UtYhlrUnn3icTXp2p+eG6/F/F/1v1uE0Ch7z0jvlJ8fTreuabLXFJgvnTZ48mf322pXNN+7OfnvtypQpUzKMsLz95ITj6NqxPVtstnHWoZSt2bNns9fO27HL9n3YcevNufgvfwDgxuuuZtstetC5zUpMnjQx4yil5adkSU1E3BAR4yPirVLtoyFUz09cNOBd9rnsPxxy9WAO26oL3dq34IbnP+aAK1/ih1e9zKB3JnJyreRl6MdT+eFVL/PDq17m6mc/zDD6/Jvw+VjuvuUabrj/WW4f8BLz58/n6Ufu43u9tuKKmx9gzU5dsg6xrNXU1HDGz0/hwYcf4/XhI7i7/x2MHDEi67DKmse8YRx25NHc++CAr8279OK/8v1+O/H6W+/y/X47cenFf80ouvJ35NHH8OAjj2cdRllr1qwZdz3wOE89/wpPPDeEgc88xdBXBtNny63pf/8AOnfpmnWIWp4isp1WAKWs1NwE7F7C7TeIidPnMnLsdABmzq3hw/EzaL9qM2bMqVm4zspNK0lZBdgI1FRXM2f2bKqrq5k9ayZt269J956b0KGzf5BL7ZUhQ+jWbT3WWXddmjZtyoEHH8IjDz+YdVhlzWPeMLbdbgdat2nztXkDHnmIw444CoDDjjiKRz3uJbPd9jvQ5hvHX8tXRNCiZUsAqufNo7p6HhHBxptsRpeua2cbnFQCJUtqUkrPAZNLtf0sdFxtJTbquArDP5sGwOm7rMcz5+zA3pt14MqnRy1cb7OurbjvtK255uherNe+RVbhloV2a3bk0ONP44Dvf499t9mQlqusypbb75h1WI3G2LFj6Nz5v9WwTp06M2bMmAwjKn8e8+xMGP8Fa3boAMCaHTowYcL4jCOSvpuamhp23aEvm3bvwvb9dqJX775ZhySVTOb31ETESRHxakS8Wj1zWtbhLFbzppVcfvhm/OXRdxdWaS5/ahQ7XfQcjwwbx+FbFaoGI8Z+yc4XPc8Pr3yJ21/6lCuP2CzLsHPvy2lTef6ZAdzz7DAeenEks2bN5PEH78w6rEYjpW/XIGMFKTOXK4+5pOWlsrKSJ58bwitvfcCw117hnRFvZx2SSiIKAwVkOa0AMo8ipXRtSql3Sql3VfNWWYezSFUVwWWHbcojw8bx9Nvf/ubu0TfGscvGawAwY04NM+cWkp7n3ptIVWUFqzVv0qDxlpNX/zOQjp3XovXqbalq0oR+u+7Dm68NyTqsRqNTp86MHv3ZwudjxoymY8eOGUZU/jzm2WnXfg0+HzcOgM/HjaNdu/YZRyQtH61arcbW2+7AwGeezDoUqWQyT2ry4I8/7MmHE2Zw84ufLJy31urNFz7+wUbt+HDCDADatmy6cP73Oq9KRcDUmfMaLtgys0aHzrw97FVmz5pJSolXXxrE2t26Zx1Wo9G7Tx9GjXqfjz/6iLlz53L3nf3Za+99sw6rrHnMs7PHXvvwr9tuAeBft93Cnh535dikiROYNm0qALNmzeKFQc+y3gb++1m2HCjA36lZkl5rrcZ+vTry7rjp3HfqVgBc9uQofti7E+u0a8H8+YmxU2dz4YOF0Yl23XgNDtmyC9XzE3Pm1XBW/+FZhp97PTfrzQ9235dj9u9HZWUlG/TYhP0OPpq7br6G26+7gskTv+CofbZj6+/vwq//54qswy07VVVVXHr5Veyz127U1NRw9DHH0aNnz6zDKmse84Zx3FGH8cLzg5g0cSIbdevKr8/7PWee/SuOPuIQbr35Bjp36crNt9vqWipHHXEozw8ayMSJE+m2dmfOO/9Cjjnu+KzDKitffPE5vzj5BGpqakjz57P3/j9i59325Ppr/sbVV1zChPGfs8v2ffjBzrtx8RX/yDpc6TuLRfVvL5cNR9wB9APaAl8Av08pXV/Xa1busEFa59irShKPFu3647xpsKFtvvZqWYcgldTc6vlZh9DoNK2y8aKhTZo+J+sQGpU9d9yGN14fumKUBFYwFat2Ts22PC3TGGY/fe7QlFLvLGMoWaUmpXRoqbYtSZIkqWgFuVk/Sx4BSZIkSSUTEStFxJCIeCMi3o6IC4vz14mIwRHxfkTcGRFNi/ObFZ+PKi5fe0n7MKmRJEmS8irrQQLqN1DAHGDHlNKmwGbA7hGxFfBX4NKU0vrAFGDBzXXHA1NSSusBlxbXq5NJjSRJkqSSSQVfFZ82KU4J2BG4pzj/ZmD/4uP9is8pLt8plvCjbSY1kiRJkr6LthHxaq3ppG+uEBGVETEMGA88BXwATE0pVRdXGQ10Kj7uBHwGUFw+DVi9rgAc0lmSJEnKs+wHCpi4pNHPUko1wGYRsRpwP7DRolYr/ndRVZk6h2zO/AhIkiRJahxSSlOBgcBWwGoRsaDI0hkYW3w8GugCUFzeCphc13ZNaiRJkqQ8W8EHCoiIdsUKDRGxMrAzMBL4N/Dj4mpHAw8WHz9UfE5x+bNpCT+uafuZJEmSpFLqANwcEZUUiip3pZQeiYgRQP+I+BPwOnB9cf3rgVsjYhSFCs0hS9qBSY0kSZKkkkkpDQc2X8T8D4G+i5g/GzhwafZhUiNJkiTlVqwIAwVkziMgSZIkKdes1EiSJEl5Vo+b9cudlRpJkiRJuWZSI0mSJCnXbD+TJEmS8ipwoACs1EiSJEnKOSs1kiRJUm45pDNYqZEkSZKUcyY1kiRJknLN9jNJkiQpz/ydGis1kiRJkvLNpEaSJElSrtl+JkmSJOWZo59ZqZEkSZKUb1ZqJEmSpDxzoAArNZIkSZLyzaRGkiRJUq7ZfiZJkiTlVYQDBWClRpIkSVLOWamRJEmS8syBAqzUSJIkSco3kxpJkiRJuWb7mSRJkpRjYfuZlRpJkiRJ+WalRpIkScqpwEoNWKmRJEmSlHMmNZIkSZJyzfYzSZIkKa+iODVyVmokSZIk5ZqVGkmSJCm3woECWMGSmnXbteSOn22ddRiNys/vHZ51CI3Owz/1M96QmlRZkG5oU2fMzTqERme1Fk2zDqHR8Zg3rMoKL9pVN/+1lyRJkpRrK1SlRpIkSdLSsf3MSo0kSZKknLNSI0mSJOWYlRorNZIkSZJyzqRGkiRJUq7ZfiZJkiTlmO1nVmokSZIk5ZyVGkmSJCmvojg1clZqJEmSJOWaSY0kSZKkXLP9TJIkScqpIBwoACs1kiRJknLOpEaSJElSrtl+JkmSJOWY7WdWaiRJkiTlnJUaSZIkKces1FipkSRJkpRzJjWSJEmScs32M0mSJCnHbD+zUiNJkiQp56zUSJIkSXkVxamRs1IjSZIkKddMaiRJkiTlmu1nkiRJUo45UICVGkmSJEk5Z6VGkiRJyqkgrNRgpUaSJElSzpnUSJIkSco1288kSZKkHLP9zEqNJEmSpJyzUiNJkiTlmYUaKzWSJEmS8s2kRpIkSVKu2X4mSZIk5VU4UABYqZEkSZKUc1ZqJEmSpByzUmOlRpIkSVLOmdRIkiRJyjXbzyRJkqQcs/3MSo0kSZKknLNSs5S+nDaVC885jVHvjSAiuPD//sbz/36SgU8OoKKigtart+WP/+8ftF+zQ9ah5la7lk35zW4b0KZFE+YneOTNz7l32DhWaVbF7/fszpqrNuPzL+dwwYB3+GpODS2aVvLb3Teg/SrNqKwI7hw6hsdHjM/6bZSNq664jFtuup6IoEfPjbn62htYaaWVsg6rrD35xOOcfebp1NTUcMxxJ/DLc87NOqSyM3v2bA7aZ2fmzp1LdXU1e+5zAGeeex4/3nsnZnz1FQATJ4xns169ue7WuzOOtjyc8pPjefyxR2nXrj0vDx0OwOTJkzn2yEP49JNP6LrWWtx02520bt0640jLV01NDdtv3YeOHTtxzwMPZx2OlpMgrNRQwkpNRHSJiH9HxMiIeDsiTi/VvhrSRRf8im377cyD/x7K3Y//h3XW684xPzmde558ibsef5Eddtqday7/a9Zh5lrN/MTfn/uIo295nZP7D2f/TTuwVpuVOaxPJ177bCpH3Pwar302lcP6dAZg/0078PHkmZxw+zDOuOdNTt5hbaoq/J97eRg7ZgzX/P1KBr04hMFDhzO/poZ77+6fdVhlraamhjN+fgoPPvwYrw8fwd3972DkiBFZh1V2mjVrxh33P87jg4bw2MDBDHr2SV57dTD3PPIMjw0czGMDB9Orz5bsvvf+WYdaNg478mjufXDA1+ZdevFf+X6/nXj9rXf5fr+duPRi//0spb9feTndN9wo6zCkkihl+1k1cFZKaSNgK+CUiOhRwv2V3FfTv2TokP9wwCFHAdCkaVNWbbUaLVdZdeE6s2fONFv+jibPnMf7E2YAMGteDZ9Mnknblk3Zdt3VF1ZgHh8xnu3WXR2ARKJ5k0oAVm5SyfTZ1dTMT9kEX4aqq6uZNWsW1dXVzJw1kzU7dMw6pLL2ypAhdOu2Huusuy5NmzblwIMP4ZGHH8w6rLITEbRo2RKA6nnzmDev+mt/u7+aPp3/PD+IXffcJ6sQy8622+1A6zZtvjZvwCMPcdgRhX9TDzviKB71s14yY0aP5vHHBnD0scdnHYpUEiVLalJK41JKrxUfTwdGAp1Ktb+GMPrTj2ndZnXOP+tnHLTHdlxwzqnMnFm4+L7yoj+w65Yb8egDd3HyWb/NONLyseaqzVi/XUtGfv4VbVo0YfLMeUAh8WndvAkA9w/7nLXaNOfeE/tw4xGbc+XAjzClWT46durEaWecRc8N1mb9dTqx6qqt2GnnXbMOq6yNHTuGzp27LHzeqVNnxowZk2FE5aumpoY9+m1Jr426sn2/Hdl8i74Llz0x4CG23aEfq9T60krL34TxX7Bmh0K79podOjBhgq3DpXLO2b/gT3/5KxUV3k5dliLjaQXQIJ/siFgb2BwY3BD7K5Wa6mreeesNDjzyeO567AVWXrk5N/z9EgBOO+d8nhw8kr32P4j+N12TcaTlYeUmFVy414ZcNehDZs6tWex6fddajVETZvCj617hhNuHcfoP1qV508oGjLR8TZkyhQGPPMSbIz/gvQ9HM3PGDPrfcVvWYZW1lL6dklv9LY3KykoeGziYl4ePYthrr/LuyLcXLnvwvrvY94cHZRidtPw89ugjtGvXjs17bZF1KFLJlDypiYiWwL3AGSmlLxex/KSIeDUiXp0yeWKpw/lO1ujQiTU6dGKTzfsAsMue+/POW298bZ099j+Qpx97KIvwykplRXDh3hvy9DsTeP6DyQBMnjGPNsXqTJvmTZhSrNrs3rM9z42aBMCYabMZ9+VsurZeOZvAy8zAZ59mrbXXpm27djRp0oR99j+AwS+/lHVYZa1Tp86MHv3ZwudjxoymY0db/kqpVavV2HrbHRj4zJMATJk8iTdee5Udd9kj48jKX7v2a/D5uHEAfD5uHO3atc84ovL08ksvMuDRh+mxwTocc+ShDBr4LMcfc2TWYUnLVUmTmohoQiGhuT2ldN+i1kkpXZtS6p1S6t26TdtShvOdtW2/Bmt06MTHH7wPwOAXB7Lu+hvyyUejFq4z8KkBrNNtg6xCLBvn7Lwen06exd2vj1047z8fTmb3HoV/8Hbv0Z4XPywkMuOnz2GLrq0AaN28CV1ar8y4abMbPugy1LlLV14ZMpiZM2eSUmLQv5+le3dvMi2l3n36MGrU+3z80UfMnTuXu+/sz15775t1WGVn0sQJTJs2FYDZs2bxwnPPst763QF49MH72GnXPRzlrwHssdc+/Ou2WwD41223sKef9ZK48E9/4b0PP2PEex9x06138P1+O3L9TbdmHZaWlyhU9LOcVgQlG9I5Cu/wemBkSumSUu2noZ37h//j1z8/gXnz5tK569r84eK/c8GvTuPjD96noqKCDp268Lu/XJZ1mLn2vY6rsFuP9nwwYQb/PHxTAK578VP+9epofr9nd/bsuQZfTJ/DBY++C8Atg0dz7q7rccMRmxHAtS98wrTZ1Rm+g/LRp++W7HfAj9h+695UVVWxyaabcezxJ2YdVlmrqqri0suvYp+9dqOmpoajjzmOHj17Zh1W2Rn/xeeceeqJzK+pYf78+ey934/Yabc9AXj4/rv52elnZxxh+TnuqMN44flBTJo4kY26deXX5/2eM8/+FUcfcQi33nwDnbt05ebb78w6TEk5FYvq314uG47YDngeeBOYX5z9m5TSgMW9pucmvdIdjw4qSTxatJ/fOzzrEBqdh3+6ddYhNCpNqrwptqGNt1La4FZr0TTrEBqdSn86oEFtv3UfXhv6qgd9EZq2Xy+1//HFmcYw5uoDhqaUemcZQ8kqNSmlF1hhxkOQJEmSVK78ClOSJElSrpWsUiNJkiSp9FaUm/WzZKVGkiRJUq5ZqZEkSZLyzEKNlRpJkiRJ+WZSI0mSJCnXbD+TJEmScsyBAqzUSJIkSSqhiOgSEf+OiJER8XZEnF6cf0FEjImIYcVpz1qv+XVEjIqIdyNityXtw0qNJEmSlFMRkYdKTTVwVkrptYhYBRgaEU8Vl12aUrq49soR0QM4BOgJdASejogNUko1i9uBlRpJkiRJJZNSGpdSeq34eDowEuhUx0v2A/qnlOaklD4CRgF969qHSY0kSZKk76JtRLxaazppcStGxNrA5sDg4qxTI2J4RNwQEa2L8zoBn9V62WjqToJsP5MkSZLybAVoP5uYUuq9pJUioiVwL3BGSunLiLga+COQiv/9f8BxLPqXd1Jd27ZSI0mSJKmkIqIJhYTm9pTSfQAppS9SSjUppfnAdfy3xWw00KXWyzsDY+vavkmNJEmSlGMLBgvIaqpHfAFcD4xMKV1Sa36HWqsdALxVfPwQcEhENIuIdYD1gSF17cP2M0mSJEmltC1wJPBmRAwrzvsNcGhEbEahtexj4CcAKaW3I+IuYASFkdNOqWvkMzCpkSRJklRCKaUXWPR9MgPqeM2fgT/Xdx8mNZIkSVKu12d+AAAgAElEQVSeZT5OQPa8p0aSJElSrlmpkSRJknJsBRjSOXNWaiRJkiTlmkmNJEmSpFyz/UySJEnKq7D9DKzUSJIkSco5KzWSJElSTgVgocZKjSRJkqScM6mRJEmSlGu2n0mSJEm5FQ4UgJUaSZIkSTlnUiNJkiQp12w/kyRJknLM7jMrNZIkSZJyzkqNJEmSlGMOFGClRpIkSVLOmdRIkiRJyjXbzyRJkqS8CgcKACs1kiRJknLOSo0kSZKUUwFUVFiqsVIjSZIkKddMaiRJkiTlmu1nkiRJUo45UICVGkmSJEk5t0JValZqUsEGHVbJOoxG5fFTt806hEan8wn9sw6hURl26QFZh9DorL5Ks6xDaHQ+mTgz6xAanXXbt8g6hEbFQkTdwlKNlRpJkiRJ+WZSI0mSJCnXVqj2M0mSJElLIRwoAKzUSJIkSco5KzWSJElSTgUOFABWaiRJkiTlnEmNJEmSpFyz/UySJEnKrbD9DCs1kiRJknLOSo0kSZKUYxZqrNRIkiRJyjmTGkmSJEm5ZvuZJEmSlGMOFGClRpIkSVLOWamRJEmS8iocKACs1EiSJEnKOZMaSZIkSblm+5kkSZKUU4EDBYCVGkmSJEk5Z1IjSZIkKddsP5MkSZJyzO4zKzWSJEmScs5KjSRJkpRjDhRgpUaSJElSzpnUSJIkSco1288kSZKkHLP7zEqNJEmSpJyzUiNJkiTlVThQAFipkSRJkpRzJjWSJEmScs32M0mSJCmnAgcKACs1kiRJknLOSo0kSZKUW+FAAVipkSRJkpRzJjWSJEmScs32M0mSJCnH7D6zUiNJkiQp56zUSJIkSTnmQAFWaiRJkiTlnEmNJEmSpFyz/UySJEnKq3CgADCp+U6efOJxzj7zdGpqajjmuBP45TnnZh1S2fvJCcfx2IBHaNe+PUOHvZV1OGWjY5vm/P3ELWnfaiXmJ7hl4Adc+9R7AJyw8/qcsNP6VM9PPPXGWC686w2qKoPLju3LJmu1pqoyuPPFj7n80ZEZv4v8mj17Nj/ee2fmzplDTXU1e+57AGf9+nzOPu0nDB/2Gikl1u22Ppf87TpatGyZdbhlqccG69Cy5SpUVlZSVVXF8y+9knVIZWmXLXvQomVLKioKx/mux54H4PYbruZfN15LZVUlO+y0O2f/7k8ZR1p+vGZRuStZUhMRKwHPAc2K+7knpfT7Uu2vodXU1HDGz0/h0ceeolPnzmy3VR/23ntfNurRI+vQytqRRx/DT08+lROOOyrrUMpKTc18zu8/jOGfTKHlSlU8c8GuDHz7c9qvuhJ7bN6JHc57nLnV82m7SjMA9uvTlWZNKtjhvMdZuWklL/7Pntw3+FM+mzgj43eST82aNePOBx6nRcuWzJs3jx/usSM/2Hk3fv/n/2OVVVcF4MLfnsNN/7yaU874ZcbRlq8BTz5L27Ztsw6j7N149wBat/nvcR784iCefeJR7n/6ZZo2a8akieMzjK48ec1S3gIHCoDS3lMzB9gxpbQpsBmwe0RsVcL9NahXhgyhW7f1WGfddWnatCkHHnwIjzz8YNZhlb3ttt+BNm3aZB1G2fli2myGfzIFgK9mV/Pe2C/p0HpljtlxPS5/dCRzq+cDMHH6HABSSjRvVkVlRbBSk0rmVdcwfda8zOLPu4hYWIGpnjeP6up5RMTChCalxOzZs/xHS2Xpzlv+yQmnnEXTZoUvTVZv2z7jiMqP1yxqDEqW1KSCr4pPmxSnVKr9NbSxY8fQuXOXhc87derMmDFjMoxIWj66tG3B99ZqzdAPJtFtzVXYeoN2PHHeLjx07o5svk4hoXzo1c+YOaeaty/bj2GX7MvfHnuXqTPmZhx5vtXU1LDbDn3ZrHsXtu+3E5v37gvAmaecSK8N1+KD99/l2BNPzjjK8hUE++21G9tt1Zsb/nlt1uGUrYjgxEP348Ddt+Ou224A4OMPRzF0yIscsnc/jv7Rbrw5bGjGUZYfr1nUGJT0npqIqASGAusBf0spDV7EOicBJwF06dq1lOEsVyl9Oz/zW1TlXYtmVdx06rb89l+v89XsaqoqglYtmrLbH59i83Xa8M+Tt2GLXz5Cr3VWp2Z+YuNfPMhqzZvyyG92YtCIz/lkgu1ny6qyspInnhvCtGlTOfHIg3hnxNts2KMnl/ztOmpqajjvV7/gofvv5uDDj8461LL09MAX6NCxI+PHj2ffPXdlg+4bst32O2QdVtm57YGnab9mByZNHM8Jh+zLuuttQE1NNV9Om8odD/+bN4cN5ayfHsUTL73lv6nLkdcs5c/zWeIhnVNKNSmlzYDOQN+I2HgR61ybUuqdUurdrm27UoazXHXq1JnRoz9b+HzMmNF07Ngxw4ik76aqMrjx1G2556VPeHToaADGTpm18PHrH01mfoLVV2nGj7Zei2fe/JzqmsTE6XMY/P5ENlvbtsDloVWr1dh62x0Y+MyTC+dVVlayzwE/5rGHH8gwsvLWofj3u3379uyz3/4MfWVIxhGVp/ZrdgAKLWY777EPbw4byhodOrHzHvsSEWyyeW8qKiqYMnlixpGWF69Z1Bg0yO/UpJSmAgOB3Rtifw2hd58+jBr1Ph9/9BFz587l7jv7s9fe+2YdlrTMLj+uL++N+5Krn3h34bzHXhvN9hsV+tu7rbEKTSsrmDR9DqMnzVg4v3nTSnp3W533x32ZSdzlYNLECUybNhWAWbNm8fygZ+m2/gZ89OEHQOFb1qcfH0C39btnGWbZmjFjBtOnT1/4+Nmnn6JHz299B6fvaObMGcz4avrCx/8Z9Czrde/BTrvtzeAXBwHw8QfvM2/u3K8NJKDvzmuW8heR7bQiKOXoZ+2AeSmlqRGxMrAz8NdS7a+hVVVVcenlV7HPXrtRU1PD0cccR4+ePbMOq+wddcShPD9oIBMnTqTb2p057/wLOea447MOK/e2XL8tB2+7Dm9/NpV//2E3AP58z3Buf+4jrji+L8//aXfmVc/n1H++DMANz4ziihP68sKf9yCAO174iBGjp2X4DvJt/Bef84uTT6Cmpob58+ezz/4/Yqdd9+BHe+7I9OnTSSnRY+Pv8T8XX5l1qGVp/BdfcOhBPwSgurqagw45lF12K5vv4FYYkyaM5+fHHwpATU01e+1/ENv/YBfmzp3LeWf9jP127EOTJk3582XX2EqznHnNosYgFtVnuVw2HLEJcDNQSaEidFdK6Q91vWaLLXqnFwe/WpJ4pBVF5xP6Zx1CozLs0gOyDqHRad2iadYhNDqfTJyZdQiNzrrtW2QdQqOy7Za9GTr0VbPdRVily4ap15nXZxrDc2duNzSl1DvLGEpWqUkpDQc2L9X2JUmSJDlQADTQPTWSJEmSVComNZIkSZJyraS/UyNJkiSphFagEciyZKVGkiRJUq5ZqZEkSZJyKggHCsBKjSRJkqScM6mRJEmSlGu2n0mSJEk5ZveZlRpJkiRJOWelRpIkScqxCks1VmokSZIk5ZtJjSRJkqRcs/1MkiRJyjG7z6zUSJIkSSqhiOgSEf+OiJER8XZEnF6c3yYinoqI94v/bV2cHxFxRUSMiojhEdFrSfswqZEkSZJyKgIiItOpHqqBs1JKGwFbAadERA/gXOCZlNL6wDPF5wB7AOsXp5OAq5e0A5MaSZIkSSWTUhqXUnqt+Hg6MBLoBOwH3Fxc7WZg/+Lj/YBbUsHLwGoR0aGufZjUSJIkSfou2kbEq7Wmkxa3YkSsDWwODAbWSCmNg0LiA7QvrtYJ+KzWy0YX5y2WAwVIkiRJOVaR/UABE1NKvZe0UkS0BO4FzkgpfVlH69qiFqS6tm2lRpIkSVJJRUQTCgnN7Sml+4qzv1jQVlb87/ji/NFAl1ov7wyMrWv7JjWSJElSjq3oAwVEYaXrgZEppUtqLXoIOLr4+GjgwVrzjyqOgrYVMG1Bm9ri2H4mSZIkqZS2BY4E3oyIYcV5vwH+F7grIo4HPgUOLC4bAOwJjAJmAscuaQcmNZIkSZJKJqX0Aou+TwZgp0Wsn4BTlmYfJjWSJElSjtXvp2LKm/fUSJIkSco1KzWSJElSTgUQi+3sajys1EiSJEnKNZMaSZIkSblm+5kkSZKUYxV2n1mpkSRJkpRvVmokSZKkvIogHNPZSo0kSZKkfDOpkSRJkpRrtp9JkiRJOWb3mZUaSZIkSTlnUiNJkiQp12w/kyRJknIqgAr7z6zUSJIkSco3KzWSJElSjlmosVIjSZIkKedMaiRJkiTlmu1nUgP78B8HZR1Co7JGv3OzDqHRmfLCRVmH0Oh0abNy1iFIylDYf2alRpIkSVK+WamRJEmScirCgQLASo0kSZKknDOpkSRJkpRrtp9JkiRJOVZh/5mVGkmSJEn5ZqVGkiRJyjHrNFZqJEmSJOWcSY0kSZKkXLP9TJIkScqxcKAAKzWSJEmS8s1KjSRJkpRTAVRYqLFSI0mSJCnfTGokSZIk5ZrtZ5IkSVJeRThQAFZqJEmSJOWclRpJkiQpxyzUWKmRJEmSlHMmNZIkSZJyzfYzSZIkKcccKMBKjSRJkqScs1IjSZIk5VQAFRZqrNRIkiRJyrfFVmoiYtW6XphS+nL5hyNJkiRJS6eu9rO3gUShqrXAgucJ6FrCuCRJkiTVgwMF1JHUpJS6NGQgkiRJkrQs6nVPTUQcEhG/KT7uHBFblDYsSZIkSaqfJSY1EXEV8APgyOKsmcA/ShmUJEmSpPqJjKcVQX2GdN4mpdQrIl4HSClNjoimJY5LkiRJkuqlPknNvIiooDA4ABGxOjC/pFFJkiRJWqIIqHCggHrdU/M34F6gXURcCLwA/LWkUUmSJElSPS2xUpNSuiUihgI7F2cdmFJ6q7RhSZIkSVL91Kf9DKASmEehBa1eI6ZJkiRJKj27z+o3+tlvgTuAjkBn4F8R8etSByZJkiRJ9VGfSs0RwBYppZkAEfFnYCjwl1IGJkmSJGnJwlJNvVrJPuHryU8V8GFpwpEkSZKkpbPYSk1EXErhHpqZwNsR8UTx+a4URkCTJEmSpMzV1X62YISzt4FHa81/uXThSJIkSVoadp/VkdSklK5vyEAkSZIkaVkscaCAiOgG/BnoAay0YH5KaYMSxiVJkiRpCYKgwlJNvQYKuAm4EQhgD+AuoH8JY5IkSZKkeqtPUtM8pfQEQErpg5TS74AflDYsSZIkSaqf+iQ1c6Iw+PUHEfHTiNgHaF/iuHLhySceZ5Oe3em54Xr830X/m3U4jYLHvOFdfdUVbLXFJmzZ63v8/crLsw6nbDRrWsXz15/K4FvPYOi/zuR3J+wCwE9/vA1v3X0Os16+iNVbNV+4/qotVuKei49ZuP6Re/XOKvSy5N+WhnfVFZfRt9f32HKLTTj2qMOYPXt21iGVNT/jZSwKAwVkOa0I6pPU/AJoCfwc2BY4ETiuvjuIiMqIeD0iHlm2EFdMNTU1nPHzU3jw4cd4ffgI7u5/ByNHjMg6rLLmMW94I95+i5tv/CfPPv8yLw55nccfe5QPRr2fdVhlYc7canY/9Vq2PPIytjzyMnbdujt9e3blpeEfs+fPr+OTcZO/tv5Pfrw173z0BVseeRm7nXwN//vzvWlSVZlR9OXFvy0Nb+yYMVzz9ysZ9OIQBg8dzvyaGu692872UvEzrsZgiUlNSmlwSml6SunTlNKRKaV9U0ovLsU+TgdGLnuIK6ZXhgyhW7f1WGfddWnatCkHHnwIjzz8YNZhlTWPecN7952R9O67Jc2bN6eqqorttt+Bhx98IOuwysaMWXMBaFJVSVVVJYnEG++N5dNxU761bkrQsnkzAFqs3JQpX86kumZ+g8Zbrvzbko3q6mpmzZpFdXU1M2fNZM0OHbMOqWz5GS9/EZHptCJYbFITEfdHxH2Lm+qz8YjoDOwF/HN5BbyiGDt2DJ07d1n4vFOnzowZMybDiMqfx7zh9ei5Mf954XkmT5rEzJkzefLxxxgz+rOswyobFRXBy7ecwaePnc+zQ97jlbcXf2z/cc9/2HDtNfjwkd/x6u1ncvalD5FSasBoy5d/Wxpex06dOO2Ms+i5wdqsv04nVl21FTvtvGvWYZUtP+NqDOoa0vmq5bD9y4BzgFUWt0JEnAScBNCla9flsMuGsaiLiRUlUy1XHvOG133DjTjjrF+y39670bJFSzbeZBOqqpY4Erzqaf78xFZHXUarlitx51+Ppse6azDiwy8Wue4uW27A8PfGsvsp17Bu59V59IoTefGIS5k+c04DR11+/NvS8KZMmcKARx7izZEf0Gq11TjqsIPof8dtHHLoEVmHVpb8jKsxWGylJqX0TF3TkjYcEXsD41NKQ+taL6V0bUqpd0qpd7u27ZbhLWSjU6fOjK71jfWYMaPp2NHSeSl5zLNx1DHH8/xLr/LY0wNp3boN6663ftYhlZ1pX83mudc+YNetui92nSP37s2DA98E4MPRk/h47GS6r+2YLcuDf1sa3sBnn2attdembbt2NGnShH32P4DBL7+UdVhly894+avIeFoRlDKObYF9I+JjCr9rs2NE3FbC/TWo3n36MGrU+3z80UfMnTuXu+/sz15775t1WGXNY56NCePHA/DZp5/y8IP38+ODDsk4ovLQdrUWtGpZ+D3jlZpVsWOf9Xn3kwmLXf+zL6bSr08hoWzfpiUbdG3HR2MmNUis5c6/LQ2vc5euvDJkMDNnziSlxKB/P0v37htlHVbZ8jOuxqBkfSQppV8DvwaIiH7A2SmlsqkrV1VVcenlV7HPXrtRU1PD0cccR4+ePbMOq6x5zLNx5KEHMnnyJJo0acLFl11J69atsw6pLKzZdhWuO+9gKisrqIjg3meG89iLIzn5oG0584jvs0abVXjltjN5/KV3OPl/7uF/b3iGa887iFdu+wURwW//PoBJ02Zm/TbKgn9bGl6fvluy3wE/Yvute1NVVcUmm27GscefmHVYZcvPeHkLbCcEiPreaBoRzVJKy9S8XSup2buu9bbYond6cfCry7ILKTfmVjtiVUNao9+5WYfQ6Ex54aKsQ2h05vl3pcE1qVpRmm4ah2237M3Qoa965b4Ia6y3cTr44nsyjeHKAzYamlLK9AfUlvh/ZET0jYg3gfeLzzeNiCuXZicppYFLSmgkSZIkaVnUp/3sCmBv4AGAlNIbEfGDkkYlSZIkqV4qrGHVa6CAipTSJ9+YV1OKYCRJkiRpadWnUvNZRPQFUkRUAqcB75U2LEmSJEn1YaWmfpWanwFnAl2BL4CtivMkSZIkKXNLrNSklMYD/jCFJEmSpBXSEpOaiLgO+Na4zymlk0oSkSRJkqR6ifB3aqB+99Q8XevxSsABwGelCUeSJEmSlk592s/urP08Im4FnipZRJIkSZK0FOpTqfmmdYC1lncgkiRJkpaeo5/V756aKfz3npoKYDJwbimDkiRJkqT6qjOpicJdR5sCY4qz5qeUvjVogCRJkqRsOE7AEn6nppjA3J9SqilOJjSSJEmSVij1+fHNIRHRq+SRSJIkSdIyWGz7WURUpZSqge2AEyPiA2AGEBSKOCY6kiRJUoYCqLD/rM57aoYAvYD9GygWSZIkSVpqdSU1AZBS+qCBYpEkSZK0lOpzP0m5qyupaRcRZy5uYUrpkhLEI0mSJElLpa6kphJoSbFiI0mSJEkrorqSmnEppT80WCSSJEmSlprjBNTdgufhkSRJkvSdRMQNETE+It6qNe+CiBgTEcOK0561lv06IkZFxLsRsVt99lFXpWan7xC7JEmSpBKLiDwM6XwTcBVwyzfmX5pSurj2jIjoARwC9AQ6Ak9HxAYppZq6drDYSk1KafKyRCxJkiRJC6SUngPqm1vsB/RPKc1JKX0EjAL6LulFjgAnSZIk6btoGxGv1ppOqufrTo2I4cX2tNbFeZ2Az2qtM7o4r051tZ9JkiRJWsGtAN1nE1NKvZfyNVcDfwRS8b//DziORd/Xn5a0MSs1kiRJkhpUSumLlFJNSmk+cB3/bTEbDXSptWpnYOyStmdSI0mSJOVYRWQ7LYuI6FDr6QHAgpHRHgIOiYhmEbEOsD4wZEnbs/1MkiRJUslExB1APwr33owGfg/0i4jNKLSWfQz8BCCl9HZE3AWMAKqBU5Y08hmY1EiSJEkqoZTSoYuYfX0d6/8Z+PPS7MOkRpIkScqpgDz8Tk3JeU+NJEmSpFyzUiNJkiTlmIUaKzWSJEmScs6kRpIkSVKu2X4mSZIk5dV3+K2YcmKlRpIkSVKuWamRJEmSciywVGOlRpIkSVKumdRIkiRJyjXbzyRJkqScChwoAKzUSJIkScq5FapSMx+YWz0/6zAalfnzU9YhNDpVlX6d0pCmvHBR1iE0Oq33uSzrEBqdiQ+ennUIkjJkpcZKjSRJkqScM6mRJEmSlGsrVPuZJEmSpKUTYf+ZlRpJkiRJuWZSI0mSJCnXbD+TJEmScsrfqSmwUiNJkiQp16zUSJIkSXkV4DgBVmokSZIk5ZxJjSRJkqRcs/1MkiRJyrEK+8+s1EiSJEnKNys1kiRJUk45pHOBlRpJkiRJuWZSI0mSJCnXbD+TJEmScsxxAqzUSJIkSco5KzWSJElSbgUVWKqxUiNJkiQp10xqJEmSJOWa7WeSJElSTgUOFABWaiRJkiTlnJUaSZIkKa8CKqzUWKmRJEmSlG8mNZIkSZJyzfYzSZIkKccqHCnASo0kSZKkfLNSI0mSJOWUQzoXWKmRJEmSlGsmNZIkSZJyzfYzSZIkKcccKMBKjSRJkqScs1IjSZIk5ZiFGis1kiRJknLOpEaSJElSrtl+JkmSJOVUYJUCPAaSJEmScs6kRpIkSVKu2X4mSZIk5VVAOPyZlRpJ0v9v797jrKrr/Y+/PsOAIqCigAqo3EHwglwVr5VpKpA3FPMCSoL99JSVGR3tWB07kp5OoWamXbyckxdIRUVAgyREkJvXVBABhcEL4CUVDRm+vz9mS5NSIs7ei7Xn9fSxHzN77T17vecrjzXzmc9nrS1JUr7ZqZEkSZJyzD6NnRpJkiRJOWdR8xn88pqrOKD3vvTvtQ/XXj026zhl6/xzv0rnPXfjwD77feyxq3/+U5o3qWTN6tUZJCt/ixYtZEC/XhtvrVvuyC/8t150D0yZzL49utKjWyeuvGJM1nHKRtsWTZk85kQe+9WZzL/uDM77ck8A9mnfgof+5xTmXns6438wmGbbNdr4NXu3q3ls/nVnMPfa09mmYYOs4ped6upqBvTrxUnHDco6Sr3gcUXlrqjjZxGxDHgbqAbWp5T6FHN/pfTMX57mpt/9mmkzZtOoUSNOGHwMRx19DB07dc46Wtk59fQzOWfU/+Pcc876h+0rViznoWl/pO3ue2SUrPx16dKVR+YsAGp+AenSYXcGDT4u41Tlrbq6mgu+fh4TJz1Im7ZtOfiAvgwcOJi9unfPOlrura/ewOgb/szjL6yiaeOGPHLVV5j62Ev88oIjGP3rGTz8VBVnHtmdb57Ymx/dMosGFcFvLzqKEVdO4amlq9mp2bZ8UL0h62+jbFx79Vi6dtuLt//616yjlD2PK+UtgAovFFCSTs3nUko9y6mgAVj43LP06def7bbbjsrKSg4+5FDunXB31rHK0kEHH0rznXb62PaLv/ttfnDZGK/4USIPTZtK+/Yd2WPPPbOOUtbmzplDx46daN+hA40aNWLIKUO5794JWccqC6+8sZbHX1gFwDvvfcBzy1+n9c5N6dy2OQ8/VQXAtAUvcdzBnQA4oveePL10NU8trekEv/72+2zYkLIJX2aqVqxg8qT7GXbWiKyj1AseV1QfOH62hbr32JtHHp7B62vWsHbtWh6YPImqFcuzjlVv3D/xXnbbrQ377PvxkTQVx/hxtzPklKFZxyh7K1dW0bbt7hvvt2nTlqqqqgwTlac9Wm1Pz44tmbvwFZ5ZtoaBB3QA4IRDOtO2RTMAOrdpTkpwz2XH88jVX+FbJ/XOMnJZuejCb3LZ5T+hosJfQ0rB40r5i4xvW4NiH00S8EBEzI+IkZt6QkSMjIh5ETFvzapVRY5Td7p224sLvv0dvjzwKE4cfAx777svlZVeTK4U1q5dy/9c8V987/s/yDpKvbFu3Trun3gvx59wUtZRyl5KH+8E2I2sW022bcitlxzLd341nbfXrmPUzx5k1KD9mHnVqTRt3Ih166sBqGwQDOjRmrOumMQXLryDwQM6cXjP3T/h1fVJJk28j5YtW7J/L4vEUvG4ovqg2EXNQSmlXsDRwHkRcehHn5BSuj6l1Cel1Gfnli2LHKdunTl8BDNmzWPSHx+iefOd6OD5NCWxdMkLvLhsGYcc0It99+rIyqoVHHZQX1595ZWso5WtB6ZMomfP/Wm1yy5ZRyl7bdq0ZUWtrm9V1Qpat26dYaLyUtmgglsvGcjtf3qOCY+8AMCiFW8w6OK7OOjrt3LH9IUsffktAKpWv8OMp6pY89f3ee9v65k8dyn7d2yVZfyyMHvWTO6feC/du7Rn+BmnMv2haYwYfkbWscqaxxXVB0UtalJKKwsfXwPuAvoVc3+ltuq11wBY/tJL3DvhLk462dGcUuix9z48/+LLPPnsCzz57Au0btOW6TPnssuuu2YdrWyNv+M2/32XSJ++fVm8+HmWLV3KunXrGHf7bRw7cHDWscrGdRccwcLlr3PVXY9t3NZyh8YARMDoof244f4nAXhw/ovs3b4FjbeppEFFcMg+bXn2pTWZ5C4nP7zschYtWc4zi5Zy4y23ctjhn+c3N96Sdayy5nGl/EVke9saFG1eKiKaABUppbcLnx8J/KhY+8vCGacO4fXX19CwYUP+++dX07x586wjlaURw05j5ozprFmzmh6d92T0JZdyxrCzs45Vb6xdu5ZpU//I2GuuyzpKvVBZWcnPxl7DoGOPorq6mmHDz6Z7jx5ZxyoLA3q05rQjuvPU0lXMvuY0AC69aSadWu/IqIE15+dNeGQxNwum0uYAAB6BSURBVD/wDABvvvM3rrpzAQ+PPZWUElPmLmPy3GVZxZe2mMcV1QexqTnLOnnhiA7UdGegpnj6fUrpx//qa/bv3SdNnzmnKHm0aV7Jp/QqG2wlf9KoJyobeCJyqTUf9POsI9Q7qyd8I+sI9U6DCo/lpXRQ/z7Mnz/PRd+EDt33Sz/+v/szzfCVXm3nZ32l46J1alJKSwAvTSVJkiSpqPwTpiRJkqRc8xrEkiRJUk4FdinANZAkSZKUc3ZqJEmSpBzzzVTt1EiSJEnKOYsaSZIkSbnm+JkkSZKUYw6f2amRJEmSlHN2aiRJkqS8Ci8UAHZqJEmSJOWcRY0kSZKkXHP8TJIkScqpwC4FuAaSJEmScs5OjSRJkpRjXijATo0kSZKknLOokSRJkpRrjp9JkiRJOebwmZ0aSZIkSTlnUSNJkiQp1xw/kyRJknLMi5/ZqZEkSZKUc3ZqJEmSpJwKoMJLBdipkSRJkpRvFjWSJEmScs3xM0mSJCnHvFCAnRpJkiRJRRQRv42I1yLi6VrbdoqIByPi+cLH5oXtERFXRcTiiHgyInptzj4saiRJkqTcisz/2ww3Al/6yLbRwNSUUmdgauE+wNFA58JtJPDLzdmBRY0kSZKkokkp/Rl4/SObvwzcVPj8JuC4WttvTjVmAztGxG6ftA+LGkmSJEmfRYuImFfrNnIzvmaXlNLLAIWPrQrb2wDLaz1vRWHbv+SFAiRJkqQc2wouFLA6pdSnjl5rU99N+qQvslMjSZIkqdRe/XCsrPDxtcL2FcDutZ7XFlj5SS9mUSNJkiTlVAAVRKa3LXQPMKzw+TBgQq3tZxaugnYA8NaHY2r/iuNnkiRJkoomIm4FDqfm3JsVwKXAGOCOiBgBvAQMKTz9fuAYYDGwFjhrc/ZhUSNJkiSpaFJKp/6Th76wiecm4LxPuw+LGkmSJCmvYqu4UEDmPKdGkiRJUq7ZqZEkSZJyzE6NnRpJkiRJOWdRI0mSJCnXHD+TJEmSciy2/L1iysZWVdRUAI0qbR6VUvWGlHWEeufVt97POkK9snPTRllHqHdW3f31rCPUOy2G/CrrCPXOG384N+sIkmrZqooaSZIkSZsvgAobNZ5TI0mSJCnfLGokSZIk5ZrjZ5IkSVKOeaEAOzWSJEmScs5OjSRJkpRjYaPGTo0kSZKkfLOokSRJkpRrjp9JkiRJOeaFAuzUSJIkSco5ixpJkiRJueb4mSRJkpRTAVQ4fWanRpIkSVK+2amRJEmSciu8UAB2aiRJkiTlnEWNJEmSpFxz/EySJEnKq4Bw+sxOjSRJkqR8s1MjSZIk5ZiNGjs1kiRJknLOokaSJElSrjl+JkmSJOVUABVeKcBOjSRJkqR8s1MjSZIk5Zh9Gjs1kiRJknLOokaSJElSrjl+JkmSJOWZ82d2aiRJkiTlm50aSZIkKcfCVo2dGkmSJEn5ZlEjSZIkKdccP5MkSZJyLJw+s1MjSZIkKd/s1EiSJEk5ZqPGTo0kSZKknLOokSRJkpRrjp9JkiRJeeb8mZ0aSZIkSflmp0aSJEnKqQDCVo2dGkmSJEn5ZlEjSZIkKdccP5MkSZLyKiCcPrNT81mM+urZ7NG6Fb177p11lHqlurqaAf16cdJxg7KOUtaqq6sZ9PkD+OppJwAw+oJzOfbw/hxzWD/OO/srvPvOOxknLB/njfoqnfbcjQP77Ldx2913jueA3vvSvElDHps/L8N05W/RooUM6Ndr4611yx35xdVjs46Ve21bNGHyZYN47JpTmH/1yZw3cB8A9mm3Mw/95Djmjh3C+Iu/RLPGDTd+zYUn7s/T153KE9cO5Yj922YVvSw9MGUy+/boSo9unbjyijFZx5HqXFGLmojYMSLGR8RzEfFsRBxYzP2V2hnDhjPhvslZx6h3rr16LF277ZV1jLJ34/W/oGOXbhvvX/yfVzDxoUe5f/ocWrfZnVt+e12G6crLV844k/F3T/yHbXt178Ett45jwMGHZJSq/ujSpSuPzFnAI3MWMGPWXBpvtx2DBh+XdazcW1+dGP3bWex//u0cdtFdjDqmB912b84vzz+MS25+lL7fGMc9s5fyzeN7AtBt9+YMOaQjvc6/ncE/mMjYUYdQUeGfn+tCdXU1F3z9PCbcO4nHnnyGcbfdyrPPPJN1LKlOFbtTMxaYnFLqBuwHPFvk/ZXUwYccyk477ZR1jHqlasUKJk+6n2Fnjcg6Sll7eeUK/vTHyZx82vCN25o12x6AlBLvv/+eV1qpQwcdfCjNP3Is6dptLzp36ZpRovrroWlTad++I3vsuWfWUXLvlTfW8viS1QC8894HPLfiDVrv1ITObXbk4b+8DMC0J1Zw3ID2AAzs145xM15g3foNvPja27zwyl/p27lVZvnLydw5c+jYsRPtO3SgUaNGDDllKPfdOyHrWKpDkfFta1C0oiYitgcOBX4DkFJal1J6s1j7U/1w0YXf5LLLf0JFhZOTxXTZJRfx3f+47GPrfNHXR9K/R3teWLyIM7/6tYzSScUzftztDDllaNYxys4erZrRs0ML5i56lWdeep2B/doBcMKAjrRt0RSANjs3YcXqv4+1Vq1+h9Y7N8kibtlZubKKtm1333i/TZu2VFVVZZhIqnvF/M2wA7AK+F1EPBYRv46Ijx2dImJkRMyLiHmrVq8qYhzl3aSJ99GyZUv279U76yhlbdoD97Nzi5bss1+vjz12xVXXM+upF+jUuSsTJ4zPIJ1UPOvWreP+ifdy/AknZR2lrDTZtpJbv3sk3/n1I7z93geMuuohRh3Tg5k/PZGmjRuy7oMNNU/cxJ97U0qlDVumNrWO4Znl5cVWTVGLmkqgF/DLlNL+wLvA6I8+KaV0fUqpT0qpT8sWLYsYR3k3e9ZM7p94L927tGf4Gacy/aFpjBh+Rtaxys78ObOZOmUih/buxjdGnsmsh6fzra+dvfHxBg0acOxxJzH5vrszTCnVvQemTKJnz/1ptcsuWUcpG5UNKrh19FHcPv15JsxeCsCiqjcZ9IOJHPTtP3DHjMUsfeWvAFStfndj1wagTYumvPz62kxyl5s2bdqyYsXyjferqlbQunXrDBNJda+YRc0KYEVK6dHC/fHUFDnSFvnhZZezaMlynlm0lBtvuZXDDv88v7nxlqxjlZ3vXPIjZj6xmD/Pf46x19/MgQcfxk+v/Q3LlrwA1PzFb+qU++nQyfM9VF7G33EbJ53s6Flduu7fDmPh8je46p4nN25rucO2QM0laEef3IsbJv8FgIlzljHkkI40qqxgz1bN6LTbDsx9/rVMcpebPn37snjx8yxbupR169Yx7vbbOHbg4KxjSXWqaO9Tk1J6JSKWR0TXlNJC4AtAWV1q48zTT2XG9IdYvXo1Hdu15fv/8UOGn+0J7Co/KSW+82/n8M47b5NSYq/u+/CjK73kbV0ZMew0Hv7zdNasWU33Tnsy+pJLad58J7777W+wevUqTj5xMPvsux933jMp66hla+3atUyb+kfGXuNV/erKgL125bTPdeWpZWuY/bOakb5L/3cOnXbbgVHH9ABgwuyl3Dx1IQDPLn+DP8xcwmPXnML6DYkLfjWDDRscP6sLlZWV/GzsNQw69iiqq6sZNvxsuvfokXUs1Znw4j1AFHNeNSJ6Ar8GGgFLgLNSSm/8s+f37t0nzXzU92MopWp/YJTcq2+9n3WEemXnpo2yjlDvNPAyvCXX8uTrs45Q77zxh3OzjlCvHNS/D/Pnz/Pgsgnd9+2V/u/e6Zlm6NVu+/kppT5ZZihapwYgpfQ4kOk3KEmSJJUzr/tQ/PepkSRJkqSisqiRJEmSlGtFHT+TJEmSVDxb0VvFZMpOjSRJkqRcs1MjSZIk5ZmtGjs1kiRJkvLNokaSJElSrjl+JkmSJOVYOH9mp0aSJElSvtmpkSRJknIsbNTYqZEkSZKUbxY1kiRJknLN8TNJkiQpx5w+s1MjSZIkKefs1EiSJEl5FdiqwU6NJEmSpJyzqJEkSZKUa46fSZIkSTkWzp/ZqZEkSZKUb3ZqJEmSpJwKIGzU2KmRJEmSlG8WNZIkSZJyzfEzSZIkKcecPrNTI0mSJCnnLGokSZIk5ZrjZ5IkSVKeOX9mp0aSJElSvtmpkSRJknIsbNXYqZEkSZKUbxY1kiRJknLN8TNJkiQpx8LpM4saSZIkScUVEcuAt4FqYH1KqU9E7ATcDrQDlgEnp5Te2JLXd/xMkiRJyrHI+PYpfC6l1DOl1KdwfzQwNaXUGZhauL9FLGokSZIkZeHLwE2Fz28CjtvSF7KokSRJkvRZtIiIebVuIzfxnAQ8EBHzaz2+S0rpZYDCx1ZbGsBzaiRJkqQ8y/5CAatrjZT9MwellFZGRCvgwYh4ri4D2KmRJEmSVFQppZWFj68BdwH9gFcjYjeAwsfXtvT1LWokSZKknKo5WT/b/z4xY0STiGj24efAkcDTwD3AsMLThgETtnQdHD+TJEmSVEy7AHdFzRvqVAK/TylNjoi5wB0RMQJ4CRiypTuwqJEkSZJUNCmlJcB+m9i+BvhCXexjqypqqlPi3b+tzzpGvdK4YYOsI9Q7rZs3zjqCpDLzxh/OzTpCvdO87/lZR6hX/rbwpawjbL0CIvsLBWTOc2okSZIk5dpW1amRJEmS9OnYqLFTI0mSJCnnLGokSZIk5ZrjZ5IkSVKeOX9mp0aSJElSvtmpkSRJknIrCFs1dmokSZIk5ZtFjSRJkqRcc/xMkiRJyrFw+sxOjSRJkqR8s1MjSZIk5VTgFZ3BTo0kSZKknLOokSRJkpRrjp9JkiRJeeb8mZ0aSZIkSflmUSNJkiQp1xw/kyRJknIsnD+zUyNJkiQp3+zUSJIkSTkWNmrs1EiSJEnKN4saSZIkSbnm+JkkSZKUY06f2amRJEmSlHN2aiRJkqS8Ci8UAHZqJEmSJOWcRY0kSZKkXHP8TJIkSco158/s1EiSJEnKNTs1kiRJUk4FXigA7NRIkiRJyjmLGkmSJEm55viZJEmSlGNOn9mpkSRJkpRzdmokSZKkHPNCAXZqJEmSJOWcRY0kSZKkXHP8TJIkScqx8FIBdmokSZIk5ZudGkmSJCnPbNTYqZEkSZKUbxY1kiRJknLNouZT+vrXvkq3dq05uG/PjdtGnPkVDj+wN4cf2Jv9u3fi8AN7Z5iwfL3//vscelB/+vfpSZ+ee3PZjy7NOlK98MCUyezboys9unXiyivGZB2nXnDNS881Lz3XvO5t06iSGbdcyKO3j2b++Iu55NxjAPjdj4fxxF3fZ964f+e6S0+jsrLm17/tm27L+J+P2vj8MwYfkGV8fQaR8W1rULSiJiK6RsTjtW5/jYgLirW/Uhl62jBuv/u+f9j2m5t/z0Oz5vPQrPkM/PLxHDv4+IzSlbdtttmG+6dM5dF5jzNr7mM8+MAU5jw6O+tYZa26upoLvn4eE+6dxGNPPsO4227l2WeeyTpWWXPNS881Lz3XvDj+tm49Xxp5Ff1PGUP/oZdz5IDu9NunHbdNmst+x/8nfYb8F423bchZxw8AYNTJh/Lcklfof8oYjjpnLGO+dTwNKxtk/F1IW6ZoRU1KaWFKqWdKqSfQG1gL3FWs/ZXKgIMPoXnznTb5WEqJCXeO54Qhp5Q4Vf0QETRt2hSADz74gA8++IDwLXSLau6cOXTs2In2HTrQqFEjhpwylPvunZB1rLLmmpeea156rnnxvPveOgAaVjagsrIBKSWmPPz3gnHe0y/SplVzABLQtMk2ADRpvA1vvLWW9dUbSp5Zn01E9retQanGz74AvJBSerFE+8vErJkP07JVKzp26px1lLJVXV3NAX33p13bXfj8F46gb7/+WUcqaytXVtG27e4b77dp05aqqqoME5U/17z0XPPSc82Lp6IimH3baF6aOoZps59j7tN//9WrsrKCU4/tx4OP1BQ51902nW7td2XJAz9m3rh/58Irx5NSyiq69JmUqqgZCty6qQciYmREzIuIeWtWry5RnOK4c9xtnDBkaNYxylqDBg2YPfcxFi1Zzvx5c/nLX57OOlJZ29QPN7tjxeWal55rXnquefFs2JA4YOgYOh11CX323pPuHXfb+NjY753CzAWLmfnYCwB8ccBePLlwBR2OvJj+Qy/nZ6OH0KzJtllFlz6Tohc1EdEIGAyM29TjKaXrU0p9Ukp9dm7Rothximb9+vVMvOdujj9xSNZR6oUdd9yRQw49jAenTM46Sllr06YtK1Ys33i/qmoFrVu3zjBR+XPNS881Lz3XvPjeeuc9/jzveY4c0B2Afx95NC2bN+Win9658TlnDD6ACdOeAGDJ8tUsq1pD13a7ZJJXn01k/N/WoBSdmqOBBSmlV0uwr8xM/9NUOnXpSus2bbOOUrZWrVrFm2++CcB7773Hn6ZNpWvXbhmnKm99+vZl8eLnWbZ0KevWrWPc7bdx7MDBWccqa6556bnmpeeaF0eL5k3ZoWljALbdpiGf79+VhcteZfjxB/LFAXtx5vdu/Icu2fJX3uDwfl0BaLVTM7q024WlVfmemlH9VVmCfZzKPxk9y6Nzhp/OzBnTeX3Navbp0o7vXvwfnD7sbO4af7sXCCiyV155mZEjhlNdXc2GDRs48aQhHH3swKxjlbXKykp+NvYaBh17FNXV1Qwbfjbde/TIOlZZc81LzzUvPde8OHZtsT03/OgMGlRUUFER/OHBBUya8TRvzx3LSy+/zkM3fRuACdMe5/LrJzPmhslc/8PTmXvHvxMBF4+dwJo33834u5C2TBTzhLCI2A5YDnRIKb31Sc/v2at3mjrj0aLl0cc1builG0utomLraNNKkrZc877nZx2hXvnbwjvYsPY1f4BuQs9evdODf8729+dWzRrOTyn1yTJDUTs1KaW1wM7F3IckSZKk+q0U42eSJEmSisQWVuku6SxJkiRJRWFRI0mSJCnXHD+TJEmScsz3rrVTI0mSJCnn7NRIkiRJuRWElwqwUyNJkiQp3yxqJEmSJOWa42eSJElSTgVeKADs1EiSJEnKOYsaSZIkSblmUSNJkiQp1yxqJEmSJOWaFwqQJEmScswLBdipkSRJkpRzdmokSZKkHAts1dipkSRJkpRrFjWSJEmScs3xM0mSJCmvwgsFgJ0aSZIkSTlnp0aSJEnKqSjc6js7NZIkSZJyzaJGkiRJUq45fiZJkiTlmfNndmokSZIk5ZudGkmSJCnHwlaNnRpJkiRJ+WZRI0mSJCnXHD+TJEmSciycPrNTI0mSJCnfLGokSZIk5ZrjZ5IkSVKOOX1mp0aSJElSztmpkSRJkvLMVo2dGkmSJEn5ZlEjSZIkKdccP5MkSZJyLJw/s1MjSZIkqXgi4ksRsTAiFkfE6GLsw06NJEmSlFMBxFbcqImIBsAvgC8CK4C5EXFPSumZutyPnRpJkiRJxdIPWJxSWpJSWgfcBny5rneyVXVqnnhsweoWTRu+mHWOLdACWJ11iHrGNS8917y0XO/Sc81LzzUvvbyu+Z5ZB9haLVgwf0rjhtEi4xjbRsS8WvevTyldX/i8DbC81mMrgP51HWCrKmpSSi2zzrAlImJeSqlP1jnqE9e89Fzz0nK9S881Lz3XvPRc8/KTUvpS1hk+waaG41Jd78TxM0mSJEnFsgLYvdb9tsDKut6JRY0kSZKkYpkLdI6I9hHRCBgK3FPXO9mqxs9y7PpPforqmGteeq55abnepeeal55rXnquuUoqpbQ+Is4HpgANgN+mlP5S1/uJlOp8pE2SJEmSSsbxM0mSJEm5ZlEjSZIkKdcsaiRpKxWxNb9HtPTZRESTrDPUNxGxq8cVlSuLms8oIhpknaE+iYhOEdEnIrbJOkt9ERE9IuKwiNg56yz1QUQcHBFnAKSUkr+AFF9EDIqIb2Sdoz6JiC8DP4mIVllnqS8i4ijgLv7x0rpS2bCo2UIR0QUgpVRtYVMaETEQuBO4Erjxw/8HKp6IOBq4FfgmcHNE7JpxpLIVERUR0RT4FfC9iDgXNhY2HquLJCKOBP4TeCbrLPVFRBwG/ASYkFJ6Les89UHh3/lPgN2Ab2ccRyoKf1BugcIv149HxO/BwqYUImIA8N/AsJTS54A3gNHZpipvEXE4MBb4akrpOGAdsHemocpYSmlDSukd4CbgN8CAiPjmh49lGq5MFY4rtwAjU0oPRsQOEbFnRGyXdbYy1xv4dWHNW0fEFyOif0TskHWwchQRRwDXAqcBnYG9IuLQbFNJdc+i5lMqzACfD1wArIuI/wULmxIZk1J6rPD5pcBOjqEV1avAqJTSnEKHpj9wfkT8KiJOciyqaNZTMx5yE9AvIv4nIi6PGh6z69Ya4ANgt8J45d3AL6npBPtvvHjW1/p8PHA2NT9XfxERzbOJVNYaAGcW3hekCbAQ6AGet6fy4g/ITyml9C41B+DfAxcC29YubLLMVuYepWb07MPzmLYB9gS2L2zzfI86llJ6NqX0p8LdEcC1hY7NbGAI0CKzcOVtAvBKSmkqMA84F9g+1bBjU4dSSguBY4GfAU9Qc1wfCEwGTgT8Bbs4pgHnRMRtwA0ppVOp+UPVO0C/TJOVoZTSlJTSIxFRkVJ6E5gIXBoR+yTfrFBlxKJmC6SUVqaU3kkprQZGAY0/LGwioldEdMs2YflJKVWnlP5auBvAm8DrKaVVEXEacFlENM4uYXlLKf04pXRZ4fPfAc3wZNNieQ/oGhHnUFPQjAH2iIhR2cYqTymlJ6gpZC5PKd1QGAP8LTUFzR7ZpitPKaWnqfmjYH+gfWHbEmo6Ci0zjFbWPvyjSEppMnA9MNAOsMpJZdYB8i6ltKbwy8aVEfEcNQflz2Ucq6yllNYD70TE8oi4HDgSGJ5Sei/jaGUpIqL2X/Mi4kRgF2BldqnKV0ppZUQsB74PnJdSujciPgcszjha2UopPUOtCwUU/o23BF7OLFT5m0RNd+YHEfFiYdv+1BTxKr4nqLkAzBVOmahchJ3HulE4ofe7wBdTSk9lnaecFWaAGwLPFj5+IaX0fLapyl/h/KXTgW8BpxT+2qoiiIjdgVYppfmF+xWOnhVf4dhyFjVdhCGFcxBURBHRCziJmpHiG/35WToRcQdwUUppWdZZpLpgUVMHCic23gF8O6X0ZNZ56ouIGA7M9ReP0oiIhsAXgRcK5yKoyD7aJVNxFYqaw6g5p+m5rPNIxeBxReXKoqaORMS2KaX3s85Rn3hgliRJEljUSJIkSco5r3ghSZIkKdcsaiRJkiTlmkWNJEmSpFyzqJEkSZKUaxY1kgRERHVEPB4RT0fEuIjY7jO81uERcV/h88ERMfpfPHfHiPh/W7CPH0TEhZu7/SPPuTEiTvoU+2oXEb4vkSRpq2VRI0k13ksp9Uwp7Q2sA86t/WDU+NTHzJTSPSmlf/Uu6TsCn7qokSRJf2dRI0kfNwPoVOhQPBsR1wILgN0j4siImBURCwodnaYAEfGliHguIh4GTvjwhSJieERcU/h8l4i4KyKeKNwGAGOAjoUu0ZWF530nIuZGxJMR8cNar3VxRCyMiD8CXT/pm4iIcwqv80RE/OEj3acjImJGRCyKiIGF5zeIiCtr7XvUZ11ISZJKwaJGkmqJiErgaOCpwqauwM0ppf2Bd4FLgCNSSr2AecC3ImJb4AZgEHAIsOs/efmrgOkppf2AXsBfgNHAC4Uu0Xci4kigM9AP6An0johDI6I3MBTYn5qiqe9mfDt3ppT6Fvb3LDCi1mPtgMOAY4HrCt/DCOCtlFLfwuufExHtN2M/kiRlqjLrAJK0lWgcEY8XPp8B/AZoDbyYUppd2H4A0B2YGREAjYBZQDdgaUrpeYCI+F9g5Cb28XngTICUUjXwVkQ0/8hzjizcHivcb0pNkdMMuCultLawj3s243vaOyIuo2bErSkwpdZjd6SUNgDPR8SSwvdwJLBvrfNtdijse9Fm7EuSpMxY1EhSjfdSSj1rbygULu/W3gQ8mFI69SPP6wmkOsoRwOUppV99ZB8XbME+bgSOSyk9ERHDgcNrPfbR10qFff9bSql28UNEtPuU+5UkqaQcP5OkzTcbOCgiOgFExHYR0QV4DmgfER0Lzzv1n3z9VOBrha9tEBHbA29T04X50BTg7Frn6rSJiFbAn4HjI6JxRDSjZtTtkzQDXo6IhsBpH3lsSERUFDJ3ABYW9v21wvOJiC4R0WQz9iNJUqbs1EjSZkoprSp0PG6NiG0Kmy9JKS2KiJHAxIhYDTwM7L2Jl/gGcH1EjACqga+llGZFxMzCJZMnFc6r2QuYVegUvQOcnlJaEBG3A48DL1IzIvdJvg88Wnj+U/xj8bQQmA7sApybUno/In5Nzbk2C6Jm56uA4zZvdSRJyk6kVFcTE5IkSZJUeo6fSZIkSco1ixpJkiRJuWZRI0mSJCnXLGokSZIk5ZpFjSRJkqRcs6iRJEmSlGsWNZIkSZJy7f8D9go+b3x/kHsAAAAASUVORK5CYII="/>
+          <p:cNvSpPr>
+            <a:spLocks noChangeAspect="1" noChangeArrowheads="1"/>
+          </p:cNvSpPr>
+          <p:nvPr/>
+        </p:nvSpPr>
+        <p:spPr bwMode="auto">
+          <a:xfrm>
+            <a:off x="460375" y="160337"/>
+            <a:ext cx="304800" cy="304801"/>
+          </a:xfrm>
+          <a:prstGeom prst="rect">
+            <a:avLst/>
+          </a:prstGeom>
+          <a:noFill/>
+          <a:extLst>
+            <a:ext uri="{909E8E84-426E-40DD-AFC4-6F175D3DCCD1}">
+              <a14:hiddenFill xmlns:a14="http://schemas.microsoft.com/office/drawing/2010/main">
+                <a:solidFill>
+                  <a:srgbClr val="FFFFFF"/>
+                </a:solidFill>
+              </a14:hiddenFill>
+            </a:ext>
+          </a:extLst>
+        </p:spPr>
+        <p:txBody>
+          <a:bodyPr vert="horz" wrap="square" lIns="91440" tIns="45720" rIns="91440" bIns="45720" numCol="1" anchor="t" anchorCtr="0" compatLnSpc="1">
+            <a:prstTxWarp prst="textNoShape">
+              <a:avLst/>
+            </a:prstTxWarp>
+          </a:bodyPr>
+          <a:lstStyle/>
+          <a:p>
+            <a:endParaRPr lang="en-US"/>
+          </a:p>
+        </p:txBody>
+      </p:sp>
+      <p:pic>
+        <p:nvPicPr>
+          <p:cNvPr id="1031" name="Picture 7"/>
+          <p:cNvPicPr>
+            <a:picLocks noChangeAspect="1" noChangeArrowheads="1"/>
+          </p:cNvPicPr>
+          <p:nvPr/>
+        </p:nvPicPr>
+        <p:blipFill>
+          <a:blip r:embed="rId2">
+            <a:extLst>
+              <a:ext uri="{28A0092B-C50C-407E-A947-70E740481C1C}">
+                <a14:useLocalDpi xmlns:a14="http://schemas.microsoft.com/office/drawing/2010/main" val="0"/>
+              </a:ext>
+            </a:extLst>
+          </a:blip>
+          <a:srcRect/>
+          <a:stretch>
+            <a:fillRect/>
+          </a:stretch>
+        </p:blipFill>
+        <p:spPr bwMode="auto">
+          <a:xfrm>
+            <a:off x="2477410" y="160337"/>
+            <a:ext cx="7560441" cy="6486876"/>
+          </a:xfrm>
+          <a:prstGeom prst="rect">
+            <a:avLst/>
+          </a:prstGeom>
+          <a:noFill/>
+          <a:ln>
+            <a:noFill/>
+          </a:ln>
+          <a:extLst>
+            <a:ext uri="{909E8E84-426E-40DD-AFC4-6F175D3DCCD1}">
+              <a14:hiddenFill xmlns:a14="http://schemas.microsoft.com/office/drawing/2010/main">
+                <a:solidFill>
+                  <a:schemeClr val="accent1"/>
+                </a:solidFill>
+              </a14:hiddenFill>
+            </a:ext>
+            <a:ext uri="{91240B29-F687-4F45-9708-019B960494DF}">
+              <a14:hiddenLine xmlns:a14="http://schemas.microsoft.com/office/drawing/2010/main" w="9525">
+                <a:solidFill>
+                  <a:schemeClr val="tx1"/>
+                </a:solidFill>
+                <a:miter lim="800000"/>
+                <a:headEnd/>
+                <a:tailEnd/>
+              </a14:hiddenLine>
+            </a:ext>
+          </a:extLst>
+        </p:spPr>
+      </p:pic>
+    </p:spTree>
+    <p:extLst>
+      <p:ext uri="{BB962C8B-B14F-4D97-AF65-F5344CB8AC3E}">
+        <p14:creationId xmlns:p14="http://schemas.microsoft.com/office/powerpoint/2010/main" val="3519105148"/>
+      </p:ext>
+    </p:extLst>
+  </p:cSld>
+  <p:clrMapOvr>
+    <a:masterClrMapping/>
+  </p:clrMapOvr>
+</p:sld>
+</file>
+
+<file path=ppt/slides/slide12.xml><?xml version="1.0" encoding="utf-8"?>
+<p:sld xmlns:a="http://schemas.openxmlformats.org/drawingml/2006/main" xmlns:r="http://schemas.openxmlformats.org/officeDocument/2006/relationships" xmlns:p="http://schemas.openxmlformats.org/presentationml/2006/main">
+  <p:cSld>
     <p:bg>
       <p:bgPr>
         <a:blipFill rotWithShape="1">
@@ -11568,10 +11770,10 @@
           <p:cNvPr id="8" name="Rectangle 7">
             <a:extLst>
               <a:ext uri="{FF2B5EF4-FFF2-40B4-BE49-F238E27FC236}">
-                <a16:creationId xmlns:a16="http://schemas.microsoft.com/office/drawing/2014/main" xmlns="" id="{C8643778-7F6C-4E8D-84D1-D5CDB9928191}"/>
+                <a16:creationId xmlns="" xmlns:a16="http://schemas.microsoft.com/office/drawing/2014/main" id="{C8643778-7F6C-4E8D-84D1-D5CDB9928191}"/>
               </a:ext>
               <a:ext uri="{C183D7F6-B498-43B3-948B-1728B52AA6E4}">
-                <adec:decorative xmlns:adec="http://schemas.microsoft.com/office/drawing/2017/decorative" xmlns="" val="1"/>
+                <adec:decorative xmlns="" xmlns:adec="http://schemas.microsoft.com/office/drawing/2017/decorative" val="1"/>
               </a:ext>
             </a:extLst>
           </p:cNvPr>
@@ -11581,7 +11783,7 @@
           <p:nvPr>
             <p:extLst>
               <p:ext uri="{386F3935-93C4-4BCD-93E2-E3B085C9AB24}">
-                <p16:designElem xmlns:p16="http://schemas.microsoft.com/office/powerpoint/2015/main" xmlns="" val="1"/>
+                <p16:designElem xmlns="" xmlns:p16="http://schemas.microsoft.com/office/powerpoint/2015/main" val="1"/>
               </p:ext>
             </p:extLst>
           </p:nvPr>
@@ -11628,10 +11830,10 @@
           <p:cNvPr id="10" name="Freeform: Shape 9">
             <a:extLst>
               <a:ext uri="{FF2B5EF4-FFF2-40B4-BE49-F238E27FC236}">
-                <a16:creationId xmlns:a16="http://schemas.microsoft.com/office/drawing/2014/main" xmlns="" id="{1D22F88D-6907-48AF-B024-346E855E0D96}"/>
+                <a16:creationId xmlns="" xmlns:a16="http://schemas.microsoft.com/office/drawing/2014/main" id="{1D22F88D-6907-48AF-B024-346E855E0D96}"/>
               </a:ext>
               <a:ext uri="{C183D7F6-B498-43B3-948B-1728B52AA6E4}">
-                <adec:decorative xmlns:adec="http://schemas.microsoft.com/office/drawing/2017/decorative" xmlns="" val="1"/>
+                <adec:decorative xmlns="" xmlns:adec="http://schemas.microsoft.com/office/drawing/2017/decorative" val="1"/>
               </a:ext>
             </a:extLst>
           </p:cNvPr>
@@ -11641,7 +11843,7 @@
           <p:nvPr>
             <p:extLst>
               <p:ext uri="{386F3935-93C4-4BCD-93E2-E3B085C9AB24}">
-                <p16:designElem xmlns:p16="http://schemas.microsoft.com/office/powerpoint/2015/main" xmlns="" val="1"/>
+                <p16:designElem xmlns="" xmlns:p16="http://schemas.microsoft.com/office/powerpoint/2015/main" val="1"/>
               </p:ext>
             </p:extLst>
           </p:nvPr>
@@ -11811,7 +12013,7 @@
           <p:cNvPr id="2" name="Title 1">
             <a:extLst>
               <a:ext uri="{FF2B5EF4-FFF2-40B4-BE49-F238E27FC236}">
-                <a16:creationId xmlns:a16="http://schemas.microsoft.com/office/drawing/2014/main" xmlns="" id="{64D11C18-433D-47C7-A5D4-BE9F831A41AD}"/>
+                <a16:creationId xmlns="" xmlns:a16="http://schemas.microsoft.com/office/drawing/2014/main" id="{64D11C18-433D-47C7-A5D4-BE9F831A41AD}"/>
               </a:ext>
             </a:extLst>
           </p:cNvPr>
@@ -11856,7 +12058,7 @@
           <p:cNvPr id="3" name="Content Placeholder 2">
             <a:extLst>
               <a:ext uri="{FF2B5EF4-FFF2-40B4-BE49-F238E27FC236}">
-                <a16:creationId xmlns:a16="http://schemas.microsoft.com/office/drawing/2014/main" xmlns="" id="{50137A64-BFED-4522-8DF9-D1DB99F6F6DE}"/>
+                <a16:creationId xmlns="" xmlns:a16="http://schemas.microsoft.com/office/drawing/2014/main" id="{50137A64-BFED-4522-8DF9-D1DB99F6F6DE}"/>
               </a:ext>
             </a:extLst>
           </p:cNvPr>
@@ -11923,10 +12125,10 @@
           <p:cNvPr id="12" name="Group 11">
             <a:extLst>
               <a:ext uri="{FF2B5EF4-FFF2-40B4-BE49-F238E27FC236}">
-                <a16:creationId xmlns:a16="http://schemas.microsoft.com/office/drawing/2014/main" xmlns="" id="{F3842748-48B5-4DD0-A06A-A31C74024A99}"/>
+                <a16:creationId xmlns="" xmlns:a16="http://schemas.microsoft.com/office/drawing/2014/main" id="{F3842748-48B5-4DD0-A06A-A31C74024A99}"/>
               </a:ext>
               <a:ext uri="{C183D7F6-B498-43B3-948B-1728B52AA6E4}">
-                <adec:decorative xmlns:adec="http://schemas.microsoft.com/office/drawing/2017/decorative" xmlns="" val="1"/>
+                <adec:decorative xmlns="" xmlns:adec="http://schemas.microsoft.com/office/drawing/2017/decorative" val="1"/>
               </a:ext>
             </a:extLst>
           </p:cNvPr>
@@ -11936,7 +12138,7 @@
           <p:nvPr>
             <p:extLst>
               <p:ext uri="{386F3935-93C4-4BCD-93E2-E3B085C9AB24}">
-                <p16:designElem xmlns:p16="http://schemas.microsoft.com/office/powerpoint/2015/main" xmlns="" val="1"/>
+                <p16:designElem xmlns="" xmlns:p16="http://schemas.microsoft.com/office/powerpoint/2015/main" val="1"/>
               </p:ext>
             </p:extLst>
           </p:nvPr>
@@ -11954,10 +12156,10 @@
             <p:cNvPr id="13" name="Freeform 6">
               <a:extLst>
                 <a:ext uri="{FF2B5EF4-FFF2-40B4-BE49-F238E27FC236}">
-                  <a16:creationId xmlns:a16="http://schemas.microsoft.com/office/drawing/2014/main" xmlns="" id="{548E99BE-1071-4690-9B9C-07926CEE5557}"/>
+                  <a16:creationId xmlns="" xmlns:a16="http://schemas.microsoft.com/office/drawing/2014/main" id="{548E99BE-1071-4690-9B9C-07926CEE5557}"/>
                 </a:ext>
                 <a:ext uri="{C183D7F6-B498-43B3-948B-1728B52AA6E4}">
-                  <adec:decorative xmlns:adec="http://schemas.microsoft.com/office/drawing/2017/decorative" xmlns="" val="1"/>
+                  <adec:decorative xmlns="" xmlns:adec="http://schemas.microsoft.com/office/drawing/2017/decorative" val="1"/>
                 </a:ext>
               </a:extLst>
             </p:cNvPr>
@@ -11965,7 +12167,7 @@
             <p:nvPr>
               <p:extLst>
                 <p:ext uri="{386F3935-93C4-4BCD-93E2-E3B085C9AB24}">
-                  <p16:designElem xmlns:p16="http://schemas.microsoft.com/office/powerpoint/2015/main" xmlns="" val="1"/>
+                  <p16:designElem xmlns="" xmlns:p16="http://schemas.microsoft.com/office/powerpoint/2015/main" val="1"/>
                 </p:ext>
               </p:extLst>
             </p:nvPr>
@@ -12015,10 +12217,10 @@
             <p:cNvPr id="14" name="Freeform 7">
               <a:extLst>
                 <a:ext uri="{FF2B5EF4-FFF2-40B4-BE49-F238E27FC236}">
-                  <a16:creationId xmlns:a16="http://schemas.microsoft.com/office/drawing/2014/main" xmlns="" id="{9301F039-B467-413A-B25C-770E51069D42}"/>
+                  <a16:creationId xmlns="" xmlns:a16="http://schemas.microsoft.com/office/drawing/2014/main" id="{9301F039-B467-413A-B25C-770E51069D42}"/>
                 </a:ext>
                 <a:ext uri="{C183D7F6-B498-43B3-948B-1728B52AA6E4}">
-                  <adec:decorative xmlns:adec="http://schemas.microsoft.com/office/drawing/2017/decorative" xmlns="" val="1"/>
+                  <adec:decorative xmlns="" xmlns:adec="http://schemas.microsoft.com/office/drawing/2017/decorative" val="1"/>
                 </a:ext>
               </a:extLst>
             </p:cNvPr>
@@ -12026,7 +12228,7 @@
             <p:nvPr>
               <p:extLst>
                 <p:ext uri="{386F3935-93C4-4BCD-93E2-E3B085C9AB24}">
-                  <p16:designElem xmlns:p16="http://schemas.microsoft.com/office/powerpoint/2015/main" xmlns="" val="1"/>
+                  <p16:designElem xmlns="" xmlns:p16="http://schemas.microsoft.com/office/powerpoint/2015/main" val="1"/>
                 </p:ext>
               </p:extLst>
             </p:nvPr>
@@ -12079,10 +12281,10 @@
             <p:cNvPr id="15" name="Freeform 8">
               <a:extLst>
                 <a:ext uri="{FF2B5EF4-FFF2-40B4-BE49-F238E27FC236}">
-                  <a16:creationId xmlns:a16="http://schemas.microsoft.com/office/drawing/2014/main" xmlns="" id="{9F06AEC1-5558-49E8-8CAC-FEBD00DF0031}"/>
+                  <a16:creationId xmlns="" xmlns:a16="http://schemas.microsoft.com/office/drawing/2014/main" id="{9F06AEC1-5558-49E8-8CAC-FEBD00DF0031}"/>
                 </a:ext>
                 <a:ext uri="{C183D7F6-B498-43B3-948B-1728B52AA6E4}">
-                  <adec:decorative xmlns:adec="http://schemas.microsoft.com/office/drawing/2017/decorative" xmlns="" val="1"/>
+                  <adec:decorative xmlns="" xmlns:adec="http://schemas.microsoft.com/office/drawing/2017/decorative" val="1"/>
                 </a:ext>
               </a:extLst>
             </p:cNvPr>
@@ -12090,7 +12292,7 @@
             <p:nvPr>
               <p:extLst>
                 <p:ext uri="{386F3935-93C4-4BCD-93E2-E3B085C9AB24}">
-                  <p16:designElem xmlns:p16="http://schemas.microsoft.com/office/powerpoint/2015/main" xmlns="" val="1"/>
+                  <p16:designElem xmlns="" xmlns:p16="http://schemas.microsoft.com/office/powerpoint/2015/main" val="1"/>
                 </p:ext>
               </p:extLst>
             </p:nvPr>
@@ -12140,10 +12342,10 @@
             <p:cNvPr id="16" name="Freeform 9">
               <a:extLst>
                 <a:ext uri="{FF2B5EF4-FFF2-40B4-BE49-F238E27FC236}">
-                  <a16:creationId xmlns:a16="http://schemas.microsoft.com/office/drawing/2014/main" xmlns="" id="{D10B76B9-BA68-471E-B58C-ED91198A9FAB}"/>
+                  <a16:creationId xmlns="" xmlns:a16="http://schemas.microsoft.com/office/drawing/2014/main" id="{D10B76B9-BA68-471E-B58C-ED91198A9FAB}"/>
                 </a:ext>
                 <a:ext uri="{C183D7F6-B498-43B3-948B-1728B52AA6E4}">
-                  <adec:decorative xmlns:adec="http://schemas.microsoft.com/office/drawing/2017/decorative" xmlns="" val="1"/>
+                  <adec:decorative xmlns="" xmlns:adec="http://schemas.microsoft.com/office/drawing/2017/decorative" val="1"/>
                 </a:ext>
               </a:extLst>
             </p:cNvPr>
@@ -12151,7 +12353,7 @@
             <p:nvPr>
               <p:extLst>
                 <p:ext uri="{386F3935-93C4-4BCD-93E2-E3B085C9AB24}">
-                  <p16:designElem xmlns:p16="http://schemas.microsoft.com/office/powerpoint/2015/main" xmlns="" val="1"/>
+                  <p16:designElem xmlns="" xmlns:p16="http://schemas.microsoft.com/office/powerpoint/2015/main" val="1"/>
                 </p:ext>
               </p:extLst>
             </p:nvPr>
@@ -12200,10 +12402,10 @@
             <p:cNvPr id="17" name="Freeform 10">
               <a:extLst>
                 <a:ext uri="{FF2B5EF4-FFF2-40B4-BE49-F238E27FC236}">
-                  <a16:creationId xmlns:a16="http://schemas.microsoft.com/office/drawing/2014/main" xmlns="" id="{FEB3913B-54A3-490E-BA4B-5D0330990FCB}"/>
+                  <a16:creationId xmlns="" xmlns:a16="http://schemas.microsoft.com/office/drawing/2014/main" id="{FEB3913B-54A3-490E-BA4B-5D0330990FCB}"/>
                 </a:ext>
                 <a:ext uri="{C183D7F6-B498-43B3-948B-1728B52AA6E4}">
-                  <adec:decorative xmlns:adec="http://schemas.microsoft.com/office/drawing/2017/decorative" xmlns="" val="1"/>
+                  <adec:decorative xmlns="" xmlns:adec="http://schemas.microsoft.com/office/drawing/2017/decorative" val="1"/>
                 </a:ext>
               </a:extLst>
             </p:cNvPr>
@@ -12211,7 +12413,7 @@
             <p:nvPr>
               <p:extLst>
                 <p:ext uri="{386F3935-93C4-4BCD-93E2-E3B085C9AB24}">
-                  <p16:designElem xmlns:p16="http://schemas.microsoft.com/office/powerpoint/2015/main" xmlns="" val="1"/>
+                  <p16:designElem xmlns="" xmlns:p16="http://schemas.microsoft.com/office/powerpoint/2015/main" val="1"/>
                 </p:ext>
               </p:extLst>
             </p:nvPr>
@@ -12266,10 +12468,10 @@
             <p:cNvPr id="18" name="Freeform 11">
               <a:extLst>
                 <a:ext uri="{FF2B5EF4-FFF2-40B4-BE49-F238E27FC236}">
-                  <a16:creationId xmlns:a16="http://schemas.microsoft.com/office/drawing/2014/main" xmlns="" id="{F75DC961-08A4-46F8-8A80-2E1FB977E1F4}"/>
+                  <a16:creationId xmlns="" xmlns:a16="http://schemas.microsoft.com/office/drawing/2014/main" id="{F75DC961-08A4-46F8-8A80-2E1FB977E1F4}"/>
                 </a:ext>
                 <a:ext uri="{C183D7F6-B498-43B3-948B-1728B52AA6E4}">
-                  <adec:decorative xmlns:adec="http://schemas.microsoft.com/office/drawing/2017/decorative" xmlns="" val="1"/>
+                  <adec:decorative xmlns="" xmlns:adec="http://schemas.microsoft.com/office/drawing/2017/decorative" val="1"/>
                 </a:ext>
               </a:extLst>
             </p:cNvPr>
@@ -12277,7 +12479,7 @@
             <p:nvPr>
               <p:extLst>
                 <p:ext uri="{386F3935-93C4-4BCD-93E2-E3B085C9AB24}">
-                  <p16:designElem xmlns:p16="http://schemas.microsoft.com/office/powerpoint/2015/main" xmlns="" val="1"/>
+                  <p16:designElem xmlns="" xmlns:p16="http://schemas.microsoft.com/office/powerpoint/2015/main" val="1"/>
                 </p:ext>
               </p:extLst>
             </p:nvPr>
@@ -12354,7 +12556,7 @@
 </p:sld>
 </file>
 
-<file path=ppt/slides/slide12.xml><?xml version="1.0" encoding="utf-8"?>
+<file path=ppt/slides/slide13.xml><?xml version="1.0" encoding="utf-8"?>
 <p:sld xmlns:a="http://schemas.openxmlformats.org/drawingml/2006/main" xmlns:r="http://schemas.openxmlformats.org/officeDocument/2006/relationships" xmlns:p="http://schemas.openxmlformats.org/presentationml/2006/main">
   <p:cSld>
     <p:spTree>
@@ -12376,7 +12578,7 @@
           <p:cNvPr id="2" name="Title 1">
             <a:extLst>
               <a:ext uri="{FF2B5EF4-FFF2-40B4-BE49-F238E27FC236}">
-                <a16:creationId xmlns:a16="http://schemas.microsoft.com/office/drawing/2014/main" xmlns="" id="{1E4BDCB0-CBE8-4514-AFF8-597F32744232}"/>
+                <a16:creationId xmlns="" xmlns:a16="http://schemas.microsoft.com/office/drawing/2014/main" id="{1E4BDCB0-CBE8-4514-AFF8-597F32744232}"/>
               </a:ext>
             </a:extLst>
           </p:cNvPr>
@@ -12414,7 +12616,7 @@
           <p:cNvPr id="1026" name="Picture 2">
             <a:extLst>
               <a:ext uri="{FF2B5EF4-FFF2-40B4-BE49-F238E27FC236}">
-                <a16:creationId xmlns:a16="http://schemas.microsoft.com/office/drawing/2014/main" xmlns="" id="{F2B9312A-925E-4FBD-97E3-142ACA6BCE17}"/>
+                <a16:creationId xmlns="" xmlns:a16="http://schemas.microsoft.com/office/drawing/2014/main" id="{F2B9312A-925E-4FBD-97E3-142ACA6BCE17}"/>
               </a:ext>
             </a:extLst>
           </p:cNvPr>
@@ -12469,7 +12671,7 @@
 </p:sld>
 </file>
 
-<file path=ppt/slides/slide13.xml><?xml version="1.0" encoding="utf-8"?>
+<file path=ppt/slides/slide14.xml><?xml version="1.0" encoding="utf-8"?>
 <p:sld xmlns:a="http://schemas.openxmlformats.org/drawingml/2006/main" xmlns:r="http://schemas.openxmlformats.org/officeDocument/2006/relationships" xmlns:p="http://schemas.openxmlformats.org/presentationml/2006/main">
   <p:cSld>
     <p:bg>
@@ -12512,10 +12714,10 @@
           <p:cNvPr id="8" name="Group 7">
             <a:extLst>
               <a:ext uri="{FF2B5EF4-FFF2-40B4-BE49-F238E27FC236}">
-                <a16:creationId xmlns:a16="http://schemas.microsoft.com/office/drawing/2014/main" xmlns="" id="{08F94D66-27EC-4CB8-8226-D7F41C161863}"/>
+                <a16:creationId xmlns="" xmlns:a16="http://schemas.microsoft.com/office/drawing/2014/main" id="{08F94D66-27EC-4CB8-8226-D7F41C161863}"/>
               </a:ext>
               <a:ext uri="{C183D7F6-B498-43B3-948B-1728B52AA6E4}">
-                <adec:decorative xmlns:adec="http://schemas.microsoft.com/office/drawing/2017/decorative" xmlns="" val="1"/>
+                <adec:decorative xmlns="" xmlns:adec="http://schemas.microsoft.com/office/drawing/2017/decorative" val="1"/>
               </a:ext>
             </a:extLst>
           </p:cNvPr>
@@ -12525,7 +12727,7 @@
           <p:nvPr>
             <p:extLst>
               <p:ext uri="{386F3935-93C4-4BCD-93E2-E3B085C9AB24}">
-                <p16:designElem xmlns:p16="http://schemas.microsoft.com/office/powerpoint/2015/main" xmlns="" val="1"/>
+                <p16:designElem xmlns="" xmlns:p16="http://schemas.microsoft.com/office/powerpoint/2015/main" val="1"/>
               </p:ext>
             </p:extLst>
           </p:nvPr>
@@ -12543,10 +12745,10 @@
             <p:cNvPr id="9" name="Freeform 6">
               <a:extLst>
                 <a:ext uri="{FF2B5EF4-FFF2-40B4-BE49-F238E27FC236}">
-                  <a16:creationId xmlns:a16="http://schemas.microsoft.com/office/drawing/2014/main" xmlns="" id="{1A53964C-7D93-4C48-A4A6-C4C2C393C59D}"/>
+                  <a16:creationId xmlns="" xmlns:a16="http://schemas.microsoft.com/office/drawing/2014/main" id="{1A53964C-7D93-4C48-A4A6-C4C2C393C59D}"/>
                 </a:ext>
                 <a:ext uri="{C183D7F6-B498-43B3-948B-1728B52AA6E4}">
-                  <adec:decorative xmlns:adec="http://schemas.microsoft.com/office/drawing/2017/decorative" xmlns="" val="1"/>
+                  <adec:decorative xmlns="" xmlns:adec="http://schemas.microsoft.com/office/drawing/2017/decorative" val="1"/>
                 </a:ext>
               </a:extLst>
             </p:cNvPr>
@@ -12554,7 +12756,7 @@
             <p:nvPr>
               <p:extLst>
                 <p:ext uri="{386F3935-93C4-4BCD-93E2-E3B085C9AB24}">
-                  <p16:designElem xmlns:p16="http://schemas.microsoft.com/office/powerpoint/2015/main" xmlns="" val="1"/>
+                  <p16:designElem xmlns="" xmlns:p16="http://schemas.microsoft.com/office/powerpoint/2015/main" val="1"/>
                 </p:ext>
               </p:extLst>
             </p:nvPr>
@@ -12604,10 +12806,10 @@
             <p:cNvPr id="10" name="Freeform 7">
               <a:extLst>
                 <a:ext uri="{FF2B5EF4-FFF2-40B4-BE49-F238E27FC236}">
-                  <a16:creationId xmlns:a16="http://schemas.microsoft.com/office/drawing/2014/main" xmlns="" id="{9C944EEC-539E-4389-8785-58E65D04E8DC}"/>
+                  <a16:creationId xmlns="" xmlns:a16="http://schemas.microsoft.com/office/drawing/2014/main" id="{9C944EEC-539E-4389-8785-58E65D04E8DC}"/>
                 </a:ext>
                 <a:ext uri="{C183D7F6-B498-43B3-948B-1728B52AA6E4}">
-                  <adec:decorative xmlns:adec="http://schemas.microsoft.com/office/drawing/2017/decorative" xmlns="" val="1"/>
+                  <adec:decorative xmlns="" xmlns:adec="http://schemas.microsoft.com/office/drawing/2017/decorative" val="1"/>
                 </a:ext>
               </a:extLst>
             </p:cNvPr>
@@ -12615,7 +12817,7 @@
             <p:nvPr>
               <p:extLst>
                 <p:ext uri="{386F3935-93C4-4BCD-93E2-E3B085C9AB24}">
-                  <p16:designElem xmlns:p16="http://schemas.microsoft.com/office/powerpoint/2015/main" xmlns="" val="1"/>
+                  <p16:designElem xmlns="" xmlns:p16="http://schemas.microsoft.com/office/powerpoint/2015/main" val="1"/>
                 </p:ext>
               </p:extLst>
             </p:nvPr>
@@ -12671,10 +12873,10 @@
             <p:cNvPr id="11" name="Freeform 9">
               <a:extLst>
                 <a:ext uri="{FF2B5EF4-FFF2-40B4-BE49-F238E27FC236}">
-                  <a16:creationId xmlns:a16="http://schemas.microsoft.com/office/drawing/2014/main" xmlns="" id="{7836EB7E-895C-4D68-B92E-312B371CBDBF}"/>
+                  <a16:creationId xmlns="" xmlns:a16="http://schemas.microsoft.com/office/drawing/2014/main" id="{7836EB7E-895C-4D68-B92E-312B371CBDBF}"/>
                 </a:ext>
                 <a:ext uri="{C183D7F6-B498-43B3-948B-1728B52AA6E4}">
-                  <adec:decorative xmlns:adec="http://schemas.microsoft.com/office/drawing/2017/decorative" xmlns="" val="1"/>
+                  <adec:decorative xmlns="" xmlns:adec="http://schemas.microsoft.com/office/drawing/2017/decorative" val="1"/>
                 </a:ext>
               </a:extLst>
             </p:cNvPr>
@@ -12682,7 +12884,7 @@
             <p:nvPr>
               <p:extLst>
                 <p:ext uri="{386F3935-93C4-4BCD-93E2-E3B085C9AB24}">
-                  <p16:designElem xmlns:p16="http://schemas.microsoft.com/office/powerpoint/2015/main" xmlns="" val="1"/>
+                  <p16:designElem xmlns="" xmlns:p16="http://schemas.microsoft.com/office/powerpoint/2015/main" val="1"/>
                 </p:ext>
               </p:extLst>
             </p:nvPr>
@@ -12732,10 +12934,10 @@
             <p:cNvPr id="12" name="Freeform 10">
               <a:extLst>
                 <a:ext uri="{FF2B5EF4-FFF2-40B4-BE49-F238E27FC236}">
-                  <a16:creationId xmlns:a16="http://schemas.microsoft.com/office/drawing/2014/main" xmlns="" id="{0F29242B-8CE7-4636-B326-4BEE42EB6D6F}"/>
+                  <a16:creationId xmlns="" xmlns:a16="http://schemas.microsoft.com/office/drawing/2014/main" id="{0F29242B-8CE7-4636-B326-4BEE42EB6D6F}"/>
                 </a:ext>
                 <a:ext uri="{C183D7F6-B498-43B3-948B-1728B52AA6E4}">
-                  <adec:decorative xmlns:adec="http://schemas.microsoft.com/office/drawing/2017/decorative" xmlns="" val="1"/>
+                  <adec:decorative xmlns="" xmlns:adec="http://schemas.microsoft.com/office/drawing/2017/decorative" val="1"/>
                 </a:ext>
               </a:extLst>
             </p:cNvPr>
@@ -12743,7 +12945,7 @@
             <p:nvPr>
               <p:extLst>
                 <p:ext uri="{386F3935-93C4-4BCD-93E2-E3B085C9AB24}">
-                  <p16:designElem xmlns:p16="http://schemas.microsoft.com/office/powerpoint/2015/main" xmlns="" val="1"/>
+                  <p16:designElem xmlns="" xmlns:p16="http://schemas.microsoft.com/office/powerpoint/2015/main" val="1"/>
                 </p:ext>
               </p:extLst>
             </p:nvPr>
@@ -12792,10 +12994,10 @@
             <p:cNvPr id="13" name="Freeform 11">
               <a:extLst>
                 <a:ext uri="{FF2B5EF4-FFF2-40B4-BE49-F238E27FC236}">
-                  <a16:creationId xmlns:a16="http://schemas.microsoft.com/office/drawing/2014/main" xmlns="" id="{4D0B8E9A-7727-4AD9-974E-8815F0B20EB4}"/>
+                  <a16:creationId xmlns="" xmlns:a16="http://schemas.microsoft.com/office/drawing/2014/main" id="{4D0B8E9A-7727-4AD9-974E-8815F0B20EB4}"/>
                 </a:ext>
                 <a:ext uri="{C183D7F6-B498-43B3-948B-1728B52AA6E4}">
-                  <adec:decorative xmlns:adec="http://schemas.microsoft.com/office/drawing/2017/decorative" xmlns="" val="1"/>
+                  <adec:decorative xmlns="" xmlns:adec="http://schemas.microsoft.com/office/drawing/2017/decorative" val="1"/>
                 </a:ext>
               </a:extLst>
             </p:cNvPr>
@@ -12803,7 +13005,7 @@
             <p:nvPr>
               <p:extLst>
                 <p:ext uri="{386F3935-93C4-4BCD-93E2-E3B085C9AB24}">
-                  <p16:designElem xmlns:p16="http://schemas.microsoft.com/office/powerpoint/2015/main" xmlns="" val="1"/>
+                  <p16:designElem xmlns="" xmlns:p16="http://schemas.microsoft.com/office/powerpoint/2015/main" val="1"/>
                 </p:ext>
               </p:extLst>
             </p:nvPr>
@@ -12858,10 +13060,10 @@
             <p:cNvPr id="14" name="Freeform 12">
               <a:extLst>
                 <a:ext uri="{FF2B5EF4-FFF2-40B4-BE49-F238E27FC236}">
-                  <a16:creationId xmlns:a16="http://schemas.microsoft.com/office/drawing/2014/main" xmlns="" id="{1CD6C65C-71BE-4549-926A-1C1135FD06DF}"/>
+                  <a16:creationId xmlns="" xmlns:a16="http://schemas.microsoft.com/office/drawing/2014/main" id="{1CD6C65C-71BE-4549-926A-1C1135FD06DF}"/>
                 </a:ext>
                 <a:ext uri="{C183D7F6-B498-43B3-948B-1728B52AA6E4}">
-                  <adec:decorative xmlns:adec="http://schemas.microsoft.com/office/drawing/2017/decorative" xmlns="" val="1"/>
+                  <adec:decorative xmlns="" xmlns:adec="http://schemas.microsoft.com/office/drawing/2017/decorative" val="1"/>
                 </a:ext>
               </a:extLst>
             </p:cNvPr>
@@ -12869,7 +13071,7 @@
             <p:nvPr>
               <p:extLst>
                 <p:ext uri="{386F3935-93C4-4BCD-93E2-E3B085C9AB24}">
-                  <p16:designElem xmlns:p16="http://schemas.microsoft.com/office/powerpoint/2015/main" xmlns="" val="1"/>
+                  <p16:designElem xmlns="" xmlns:p16="http://schemas.microsoft.com/office/powerpoint/2015/main" val="1"/>
                 </p:ext>
               </p:extLst>
             </p:nvPr>
@@ -12932,7 +13134,7 @@
           <p:cNvPr id="2" name="Title 1">
             <a:extLst>
               <a:ext uri="{FF2B5EF4-FFF2-40B4-BE49-F238E27FC236}">
-                <a16:creationId xmlns:a16="http://schemas.microsoft.com/office/drawing/2014/main" xmlns="" id="{112AA534-17A6-41B4-B0A0-C9099EC88370}"/>
+                <a16:creationId xmlns="" xmlns:a16="http://schemas.microsoft.com/office/drawing/2014/main" id="{112AA534-17A6-41B4-B0A0-C9099EC88370}"/>
               </a:ext>
             </a:extLst>
           </p:cNvPr>
@@ -12968,7 +13170,7 @@
           <p:cNvPr id="4" name="Picture 3">
             <a:extLst>
               <a:ext uri="{FF2B5EF4-FFF2-40B4-BE49-F238E27FC236}">
-                <a16:creationId xmlns:a16="http://schemas.microsoft.com/office/drawing/2014/main" xmlns="" id="{863720EB-B4AF-4CEA-A129-CFFDF05E2554}"/>
+                <a16:creationId xmlns="" xmlns:a16="http://schemas.microsoft.com/office/drawing/2014/main" id="{863720EB-B4AF-4CEA-A129-CFFDF05E2554}"/>
               </a:ext>
             </a:extLst>
           </p:cNvPr>
@@ -13146,10 +13348,10 @@
           <p:cNvPr id="9" name="Rectangle 8">
             <a:extLst>
               <a:ext uri="{FF2B5EF4-FFF2-40B4-BE49-F238E27FC236}">
-                <a16:creationId xmlns:a16="http://schemas.microsoft.com/office/drawing/2014/main" xmlns="" id="{6AD30037-67ED-4367-9BE0-45787510BF13}"/>
+                <a16:creationId xmlns="" xmlns:a16="http://schemas.microsoft.com/office/drawing/2014/main" id="{6AD30037-67ED-4367-9BE0-45787510BF13}"/>
               </a:ext>
               <a:ext uri="{C183D7F6-B498-43B3-948B-1728B52AA6E4}">
-                <adec:decorative xmlns:adec="http://schemas.microsoft.com/office/drawing/2017/decorative" xmlns="" val="1"/>
+                <adec:decorative xmlns="" xmlns:adec="http://schemas.microsoft.com/office/drawing/2017/decorative" val="1"/>
               </a:ext>
             </a:extLst>
           </p:cNvPr>
@@ -13159,7 +13361,7 @@
           <p:nvPr>
             <p:extLst>
               <p:ext uri="{386F3935-93C4-4BCD-93E2-E3B085C9AB24}">
-                <p16:designElem xmlns:p16="http://schemas.microsoft.com/office/powerpoint/2015/main" xmlns="" val="1"/>
+                <p16:designElem xmlns="" xmlns:p16="http://schemas.microsoft.com/office/powerpoint/2015/main" val="1"/>
               </p:ext>
             </p:extLst>
           </p:nvPr>
@@ -13206,7 +13408,7 @@
           <p:cNvPr id="5" name="Picture 4">
             <a:extLst>
               <a:ext uri="{FF2B5EF4-FFF2-40B4-BE49-F238E27FC236}">
-                <a16:creationId xmlns:a16="http://schemas.microsoft.com/office/drawing/2014/main" xmlns="" id="{85C550BF-A82F-4255-9193-8CF66826218A}"/>
+                <a16:creationId xmlns="" xmlns:a16="http://schemas.microsoft.com/office/drawing/2014/main" id="{85C550BF-A82F-4255-9193-8CF66826218A}"/>
               </a:ext>
             </a:extLst>
           </p:cNvPr>
@@ -13286,10 +13488,10 @@
           <p:cNvPr id="11" name="Group 10">
             <a:extLst>
               <a:ext uri="{FF2B5EF4-FFF2-40B4-BE49-F238E27FC236}">
-                <a16:creationId xmlns:a16="http://schemas.microsoft.com/office/drawing/2014/main" xmlns="" id="{50841A4E-5BC1-44B4-83CF-D524E8AEAD64}"/>
+                <a16:creationId xmlns="" xmlns:a16="http://schemas.microsoft.com/office/drawing/2014/main" id="{50841A4E-5BC1-44B4-83CF-D524E8AEAD64}"/>
               </a:ext>
               <a:ext uri="{C183D7F6-B498-43B3-948B-1728B52AA6E4}">
-                <adec:decorative xmlns:adec="http://schemas.microsoft.com/office/drawing/2017/decorative" xmlns="" val="1"/>
+                <adec:decorative xmlns="" xmlns:adec="http://schemas.microsoft.com/office/drawing/2017/decorative" val="1"/>
               </a:ext>
             </a:extLst>
           </p:cNvPr>
@@ -13299,7 +13501,7 @@
           <p:nvPr>
             <p:extLst>
               <p:ext uri="{386F3935-93C4-4BCD-93E2-E3B085C9AB24}">
-                <p16:designElem xmlns:p16="http://schemas.microsoft.com/office/powerpoint/2015/main" xmlns="" val="1"/>
+                <p16:designElem xmlns="" xmlns:p16="http://schemas.microsoft.com/office/powerpoint/2015/main" val="1"/>
               </p:ext>
             </p:extLst>
           </p:nvPr>
@@ -13317,10 +13519,10 @@
             <p:cNvPr id="12" name="Freeform 6">
               <a:extLst>
                 <a:ext uri="{FF2B5EF4-FFF2-40B4-BE49-F238E27FC236}">
-                  <a16:creationId xmlns:a16="http://schemas.microsoft.com/office/drawing/2014/main" xmlns="" id="{BF371BCC-8954-44E2-8C4F-29DC188727AC}"/>
+                  <a16:creationId xmlns="" xmlns:a16="http://schemas.microsoft.com/office/drawing/2014/main" id="{BF371BCC-8954-44E2-8C4F-29DC188727AC}"/>
                 </a:ext>
                 <a:ext uri="{C183D7F6-B498-43B3-948B-1728B52AA6E4}">
-                  <adec:decorative xmlns:adec="http://schemas.microsoft.com/office/drawing/2017/decorative" xmlns="" val="1"/>
+                  <adec:decorative xmlns="" xmlns:adec="http://schemas.microsoft.com/office/drawing/2017/decorative" val="1"/>
                 </a:ext>
               </a:extLst>
             </p:cNvPr>
@@ -13328,7 +13530,7 @@
             <p:nvPr>
               <p:extLst>
                 <p:ext uri="{386F3935-93C4-4BCD-93E2-E3B085C9AB24}">
-                  <p16:designElem xmlns:p16="http://schemas.microsoft.com/office/powerpoint/2015/main" xmlns="" val="1"/>
+                  <p16:designElem xmlns="" xmlns:p16="http://schemas.microsoft.com/office/powerpoint/2015/main" val="1"/>
                 </p:ext>
               </p:extLst>
             </p:nvPr>
@@ -13378,10 +13580,10 @@
             <p:cNvPr id="13" name="Freeform 7">
               <a:extLst>
                 <a:ext uri="{FF2B5EF4-FFF2-40B4-BE49-F238E27FC236}">
-                  <a16:creationId xmlns:a16="http://schemas.microsoft.com/office/drawing/2014/main" xmlns="" id="{CD3505BE-B420-41C5-BE34-3E7652D37A5F}"/>
+                  <a16:creationId xmlns="" xmlns:a16="http://schemas.microsoft.com/office/drawing/2014/main" id="{CD3505BE-B420-41C5-BE34-3E7652D37A5F}"/>
                 </a:ext>
                 <a:ext uri="{C183D7F6-B498-43B3-948B-1728B52AA6E4}">
-                  <adec:decorative xmlns:adec="http://schemas.microsoft.com/office/drawing/2017/decorative" xmlns="" val="1"/>
+                  <adec:decorative xmlns="" xmlns:adec="http://schemas.microsoft.com/office/drawing/2017/decorative" val="1"/>
                 </a:ext>
               </a:extLst>
             </p:cNvPr>
@@ -13389,7 +13591,7 @@
             <p:nvPr>
               <p:extLst>
                 <p:ext uri="{386F3935-93C4-4BCD-93E2-E3B085C9AB24}">
-                  <p16:designElem xmlns:p16="http://schemas.microsoft.com/office/powerpoint/2015/main" xmlns="" val="1"/>
+                  <p16:designElem xmlns="" xmlns:p16="http://schemas.microsoft.com/office/powerpoint/2015/main" val="1"/>
                 </p:ext>
               </p:extLst>
             </p:nvPr>
@@ -13442,10 +13644,10 @@
             <p:cNvPr id="14" name="Freeform 8">
               <a:extLst>
                 <a:ext uri="{FF2B5EF4-FFF2-40B4-BE49-F238E27FC236}">
-                  <a16:creationId xmlns:a16="http://schemas.microsoft.com/office/drawing/2014/main" xmlns="" id="{4B68A05B-A78B-4D59-8CF9-1900731A2188}"/>
+                  <a16:creationId xmlns="" xmlns:a16="http://schemas.microsoft.com/office/drawing/2014/main" id="{4B68A05B-A78B-4D59-8CF9-1900731A2188}"/>
                 </a:ext>
                 <a:ext uri="{C183D7F6-B498-43B3-948B-1728B52AA6E4}">
-                  <adec:decorative xmlns:adec="http://schemas.microsoft.com/office/drawing/2017/decorative" xmlns="" val="1"/>
+                  <adec:decorative xmlns="" xmlns:adec="http://schemas.microsoft.com/office/drawing/2017/decorative" val="1"/>
                 </a:ext>
               </a:extLst>
             </p:cNvPr>
@@ -13453,7 +13655,7 @@
             <p:nvPr>
               <p:extLst>
                 <p:ext uri="{386F3935-93C4-4BCD-93E2-E3B085C9AB24}">
-                  <p16:designElem xmlns:p16="http://schemas.microsoft.com/office/powerpoint/2015/main" xmlns="" val="1"/>
+                  <p16:designElem xmlns="" xmlns:p16="http://schemas.microsoft.com/office/powerpoint/2015/main" val="1"/>
                 </p:ext>
               </p:extLst>
             </p:nvPr>
@@ -13503,10 +13705,10 @@
             <p:cNvPr id="15" name="Freeform 9">
               <a:extLst>
                 <a:ext uri="{FF2B5EF4-FFF2-40B4-BE49-F238E27FC236}">
-                  <a16:creationId xmlns:a16="http://schemas.microsoft.com/office/drawing/2014/main" xmlns="" id="{84D57A01-C112-4FF2-B5ED-0B762AAD9CE2}"/>
+                  <a16:creationId xmlns="" xmlns:a16="http://schemas.microsoft.com/office/drawing/2014/main" id="{84D57A01-C112-4FF2-B5ED-0B762AAD9CE2}"/>
                 </a:ext>
                 <a:ext uri="{C183D7F6-B498-43B3-948B-1728B52AA6E4}">
-                  <adec:decorative xmlns:adec="http://schemas.microsoft.com/office/drawing/2017/decorative" xmlns="" val="1"/>
+                  <adec:decorative xmlns="" xmlns:adec="http://schemas.microsoft.com/office/drawing/2017/decorative" val="1"/>
                 </a:ext>
               </a:extLst>
             </p:cNvPr>
@@ -13514,7 +13716,7 @@
             <p:nvPr>
               <p:extLst>
                 <p:ext uri="{386F3935-93C4-4BCD-93E2-E3B085C9AB24}">
-                  <p16:designElem xmlns:p16="http://schemas.microsoft.com/office/powerpoint/2015/main" xmlns="" val="1"/>
+                  <p16:designElem xmlns="" xmlns:p16="http://schemas.microsoft.com/office/powerpoint/2015/main" val="1"/>
                 </p:ext>
               </p:extLst>
             </p:nvPr>
@@ -13563,10 +13765,10 @@
             <p:cNvPr id="16" name="Freeform 10">
               <a:extLst>
                 <a:ext uri="{FF2B5EF4-FFF2-40B4-BE49-F238E27FC236}">
-                  <a16:creationId xmlns:a16="http://schemas.microsoft.com/office/drawing/2014/main" xmlns="" id="{6CCCCDF1-5D4F-4CA1-8400-DFBB96BB011D}"/>
+                  <a16:creationId xmlns="" xmlns:a16="http://schemas.microsoft.com/office/drawing/2014/main" id="{6CCCCDF1-5D4F-4CA1-8400-DFBB96BB011D}"/>
                 </a:ext>
                 <a:ext uri="{C183D7F6-B498-43B3-948B-1728B52AA6E4}">
-                  <adec:decorative xmlns:adec="http://schemas.microsoft.com/office/drawing/2017/decorative" xmlns="" val="1"/>
+                  <adec:decorative xmlns="" xmlns:adec="http://schemas.microsoft.com/office/drawing/2017/decorative" val="1"/>
                 </a:ext>
               </a:extLst>
             </p:cNvPr>
@@ -13574,7 +13776,7 @@
             <p:nvPr>
               <p:extLst>
                 <p:ext uri="{386F3935-93C4-4BCD-93E2-E3B085C9AB24}">
-                  <p16:designElem xmlns:p16="http://schemas.microsoft.com/office/powerpoint/2015/main" xmlns="" val="1"/>
+                  <p16:designElem xmlns="" xmlns:p16="http://schemas.microsoft.com/office/powerpoint/2015/main" val="1"/>
                 </p:ext>
               </p:extLst>
             </p:nvPr>
@@ -13629,10 +13831,10 @@
             <p:cNvPr id="17" name="Freeform 11">
               <a:extLst>
                 <a:ext uri="{FF2B5EF4-FFF2-40B4-BE49-F238E27FC236}">
-                  <a16:creationId xmlns:a16="http://schemas.microsoft.com/office/drawing/2014/main" xmlns="" id="{20A090B2-5344-43CD-BC70-A6D44F15E800}"/>
+                  <a16:creationId xmlns="" xmlns:a16="http://schemas.microsoft.com/office/drawing/2014/main" id="{20A090B2-5344-43CD-BC70-A6D44F15E800}"/>
                 </a:ext>
                 <a:ext uri="{C183D7F6-B498-43B3-948B-1728B52AA6E4}">
-                  <adec:decorative xmlns:adec="http://schemas.microsoft.com/office/drawing/2017/decorative" xmlns="" val="1"/>
+                  <adec:decorative xmlns="" xmlns:adec="http://schemas.microsoft.com/office/drawing/2017/decorative" val="1"/>
                 </a:ext>
               </a:extLst>
             </p:cNvPr>
@@ -13640,7 +13842,7 @@
             <p:nvPr>
               <p:extLst>
                 <p:ext uri="{386F3935-93C4-4BCD-93E2-E3B085C9AB24}">
-                  <p16:designElem xmlns:p16="http://schemas.microsoft.com/office/powerpoint/2015/main" xmlns="" val="1"/>
+                  <p16:designElem xmlns="" xmlns:p16="http://schemas.microsoft.com/office/powerpoint/2015/main" val="1"/>
                 </p:ext>
               </p:extLst>
             </p:nvPr>
@@ -13709,7 +13911,7 @@
           <p:cNvPr id="2" name="Title 1">
             <a:extLst>
               <a:ext uri="{FF2B5EF4-FFF2-40B4-BE49-F238E27FC236}">
-                <a16:creationId xmlns:a16="http://schemas.microsoft.com/office/drawing/2014/main" xmlns="" id="{6B5A5D27-8FEF-43F9-A8C0-2F5CADD1572F}"/>
+                <a16:creationId xmlns="" xmlns:a16="http://schemas.microsoft.com/office/drawing/2014/main" id="{6B5A5D27-8FEF-43F9-A8C0-2F5CADD1572F}"/>
               </a:ext>
             </a:extLst>
           </p:cNvPr>
@@ -13746,7 +13948,7 @@
           <p:cNvPr id="3" name="Content Placeholder 2">
             <a:extLst>
               <a:ext uri="{FF2B5EF4-FFF2-40B4-BE49-F238E27FC236}">
-                <a16:creationId xmlns:a16="http://schemas.microsoft.com/office/drawing/2014/main" xmlns="" id="{0ECA4DA4-E75D-44D7-8564-3678529F95C4}"/>
+                <a16:creationId xmlns="" xmlns:a16="http://schemas.microsoft.com/office/drawing/2014/main" id="{0ECA4DA4-E75D-44D7-8564-3678529F95C4}"/>
               </a:ext>
             </a:extLst>
           </p:cNvPr>
@@ -13878,10 +14080,10 @@
           <p:cNvPr id="77" name="Rectangle 76">
             <a:extLst>
               <a:ext uri="{FF2B5EF4-FFF2-40B4-BE49-F238E27FC236}">
-                <a16:creationId xmlns:a16="http://schemas.microsoft.com/office/drawing/2014/main" xmlns="" id="{94C52C56-BEF2-4E22-8C8E-A7AC96B03A72}"/>
+                <a16:creationId xmlns="" xmlns:a16="http://schemas.microsoft.com/office/drawing/2014/main" id="{94C52C56-BEF2-4E22-8C8E-A7AC96B03A72}"/>
               </a:ext>
               <a:ext uri="{C183D7F6-B498-43B3-948B-1728B52AA6E4}">
-                <adec:decorative xmlns:adec="http://schemas.microsoft.com/office/drawing/2017/decorative" xmlns="" val="1"/>
+                <adec:decorative xmlns="" xmlns:adec="http://schemas.microsoft.com/office/drawing/2017/decorative" val="1"/>
               </a:ext>
             </a:extLst>
           </p:cNvPr>
@@ -13891,7 +14093,7 @@
           <p:nvPr>
             <p:extLst>
               <p:ext uri="{386F3935-93C4-4BCD-93E2-E3B085C9AB24}">
-                <p16:designElem xmlns:p16="http://schemas.microsoft.com/office/powerpoint/2015/main" xmlns="" val="1"/>
+                <p16:designElem xmlns="" xmlns:p16="http://schemas.microsoft.com/office/powerpoint/2015/main" val="1"/>
               </p:ext>
             </p:extLst>
           </p:nvPr>
@@ -13938,10 +14140,10 @@
           <p:cNvPr id="79" name="Freeform: Shape 78">
             <a:extLst>
               <a:ext uri="{FF2B5EF4-FFF2-40B4-BE49-F238E27FC236}">
-                <a16:creationId xmlns:a16="http://schemas.microsoft.com/office/drawing/2014/main" xmlns="" id="{42285737-90EE-47DC-AC80-8AE156B11969}"/>
+                <a16:creationId xmlns="" xmlns:a16="http://schemas.microsoft.com/office/drawing/2014/main" id="{42285737-90EE-47DC-AC80-8AE156B11969}"/>
               </a:ext>
               <a:ext uri="{C183D7F6-B498-43B3-948B-1728B52AA6E4}">
-                <adec:decorative xmlns:adec="http://schemas.microsoft.com/office/drawing/2017/decorative" xmlns="" val="1"/>
+                <adec:decorative xmlns="" xmlns:adec="http://schemas.microsoft.com/office/drawing/2017/decorative" val="1"/>
               </a:ext>
             </a:extLst>
           </p:cNvPr>
@@ -13951,7 +14153,7 @@
           <p:nvPr>
             <p:extLst>
               <p:ext uri="{386F3935-93C4-4BCD-93E2-E3B085C9AB24}">
-                <p16:designElem xmlns:p16="http://schemas.microsoft.com/office/powerpoint/2015/main" xmlns="" val="1"/>
+                <p16:designElem xmlns="" xmlns:p16="http://schemas.microsoft.com/office/powerpoint/2015/main" val="1"/>
               </p:ext>
             </p:extLst>
           </p:nvPr>
@@ -14093,7 +14295,7 @@
           <p:cNvPr id="2" name="Title 1">
             <a:extLst>
               <a:ext uri="{FF2B5EF4-FFF2-40B4-BE49-F238E27FC236}">
-                <a16:creationId xmlns:a16="http://schemas.microsoft.com/office/drawing/2014/main" xmlns="" id="{4854A11F-C354-4E5B-8266-65B396E11CB4}"/>
+                <a16:creationId xmlns="" xmlns:a16="http://schemas.microsoft.com/office/drawing/2014/main" id="{4854A11F-C354-4E5B-8266-65B396E11CB4}"/>
               </a:ext>
             </a:extLst>
           </p:cNvPr>
@@ -14132,7 +14334,7 @@
           <p:cNvPr id="72" name="Content Placeholder 2">
             <a:extLst>
               <a:ext uri="{FF2B5EF4-FFF2-40B4-BE49-F238E27FC236}">
-                <a16:creationId xmlns:a16="http://schemas.microsoft.com/office/drawing/2014/main" xmlns="" id="{77887FE9-3099-4AE6-B00A-B7D4C0125F78}"/>
+                <a16:creationId xmlns="" xmlns:a16="http://schemas.microsoft.com/office/drawing/2014/main" id="{77887FE9-3099-4AE6-B00A-B7D4C0125F78}"/>
               </a:ext>
             </a:extLst>
           </p:cNvPr>
@@ -14163,10 +14365,10 @@
           <p:cNvPr id="81" name="Group 80">
             <a:extLst>
               <a:ext uri="{FF2B5EF4-FFF2-40B4-BE49-F238E27FC236}">
-                <a16:creationId xmlns:a16="http://schemas.microsoft.com/office/drawing/2014/main" xmlns="" id="{B57BDC17-F1B3-455F-BBF1-680AA1F25C06}"/>
+                <a16:creationId xmlns="" xmlns:a16="http://schemas.microsoft.com/office/drawing/2014/main" id="{B57BDC17-F1B3-455F-BBF1-680AA1F25C06}"/>
               </a:ext>
               <a:ext uri="{C183D7F6-B498-43B3-948B-1728B52AA6E4}">
-                <adec:decorative xmlns:adec="http://schemas.microsoft.com/office/drawing/2017/decorative" xmlns="" val="1"/>
+                <adec:decorative xmlns="" xmlns:adec="http://schemas.microsoft.com/office/drawing/2017/decorative" val="1"/>
               </a:ext>
             </a:extLst>
           </p:cNvPr>
@@ -14176,7 +14378,7 @@
           <p:nvPr>
             <p:extLst>
               <p:ext uri="{386F3935-93C4-4BCD-93E2-E3B085C9AB24}">
-                <p16:designElem xmlns:p16="http://schemas.microsoft.com/office/powerpoint/2015/main" xmlns="" val="1"/>
+                <p16:designElem xmlns="" xmlns:p16="http://schemas.microsoft.com/office/powerpoint/2015/main" val="1"/>
               </p:ext>
             </p:extLst>
           </p:nvPr>
@@ -14194,10 +14396,10 @@
             <p:cNvPr id="82" name="Freeform 6">
               <a:extLst>
                 <a:ext uri="{FF2B5EF4-FFF2-40B4-BE49-F238E27FC236}">
-                  <a16:creationId xmlns:a16="http://schemas.microsoft.com/office/drawing/2014/main" xmlns="" id="{64E2FA9A-FEF7-4501-B0EB-5E45EDD2177A}"/>
+                  <a16:creationId xmlns="" xmlns:a16="http://schemas.microsoft.com/office/drawing/2014/main" id="{64E2FA9A-FEF7-4501-B0EB-5E45EDD2177A}"/>
                 </a:ext>
                 <a:ext uri="{C183D7F6-B498-43B3-948B-1728B52AA6E4}">
-                  <adec:decorative xmlns:adec="http://schemas.microsoft.com/office/drawing/2017/decorative" xmlns="" val="1"/>
+                  <adec:decorative xmlns="" xmlns:adec="http://schemas.microsoft.com/office/drawing/2017/decorative" val="1"/>
                 </a:ext>
               </a:extLst>
             </p:cNvPr>
@@ -14205,7 +14407,7 @@
             <p:nvPr>
               <p:extLst>
                 <p:ext uri="{386F3935-93C4-4BCD-93E2-E3B085C9AB24}">
-                  <p16:designElem xmlns:p16="http://schemas.microsoft.com/office/powerpoint/2015/main" xmlns="" val="1"/>
+                  <p16:designElem xmlns="" xmlns:p16="http://schemas.microsoft.com/office/powerpoint/2015/main" val="1"/>
                 </p:ext>
               </p:extLst>
             </p:nvPr>
@@ -14255,10 +14457,10 @@
             <p:cNvPr id="83" name="Freeform 7">
               <a:extLst>
                 <a:ext uri="{FF2B5EF4-FFF2-40B4-BE49-F238E27FC236}">
-                  <a16:creationId xmlns:a16="http://schemas.microsoft.com/office/drawing/2014/main" xmlns="" id="{BC38192B-B4CB-47D4-A3B1-10010247F158}"/>
+                  <a16:creationId xmlns="" xmlns:a16="http://schemas.microsoft.com/office/drawing/2014/main" id="{BC38192B-B4CB-47D4-A3B1-10010247F158}"/>
                 </a:ext>
                 <a:ext uri="{C183D7F6-B498-43B3-948B-1728B52AA6E4}">
-                  <adec:decorative xmlns:adec="http://schemas.microsoft.com/office/drawing/2017/decorative" xmlns="" val="1"/>
+                  <adec:decorative xmlns="" xmlns:adec="http://schemas.microsoft.com/office/drawing/2017/decorative" val="1"/>
                 </a:ext>
               </a:extLst>
             </p:cNvPr>
@@ -14266,7 +14468,7 @@
             <p:nvPr>
               <p:extLst>
                 <p:ext uri="{386F3935-93C4-4BCD-93E2-E3B085C9AB24}">
-                  <p16:designElem xmlns:p16="http://schemas.microsoft.com/office/powerpoint/2015/main" xmlns="" val="1"/>
+                  <p16:designElem xmlns="" xmlns:p16="http://schemas.microsoft.com/office/powerpoint/2015/main" val="1"/>
                 </p:ext>
               </p:extLst>
             </p:nvPr>
@@ -14319,10 +14521,10 @@
             <p:cNvPr id="84" name="Freeform 8">
               <a:extLst>
                 <a:ext uri="{FF2B5EF4-FFF2-40B4-BE49-F238E27FC236}">
-                  <a16:creationId xmlns:a16="http://schemas.microsoft.com/office/drawing/2014/main" xmlns="" id="{96330E33-E171-4B0F-82B5-AF7230399B5C}"/>
+                  <a16:creationId xmlns="" xmlns:a16="http://schemas.microsoft.com/office/drawing/2014/main" id="{96330E33-E171-4B0F-82B5-AF7230399B5C}"/>
                 </a:ext>
                 <a:ext uri="{C183D7F6-B498-43B3-948B-1728B52AA6E4}">
-                  <adec:decorative xmlns:adec="http://schemas.microsoft.com/office/drawing/2017/decorative" xmlns="" val="1"/>
+                  <adec:decorative xmlns="" xmlns:adec="http://schemas.microsoft.com/office/drawing/2017/decorative" val="1"/>
                 </a:ext>
               </a:extLst>
             </p:cNvPr>
@@ -14330,7 +14532,7 @@
             <p:nvPr>
               <p:extLst>
                 <p:ext uri="{386F3935-93C4-4BCD-93E2-E3B085C9AB24}">
-                  <p16:designElem xmlns:p16="http://schemas.microsoft.com/office/powerpoint/2015/main" xmlns="" val="1"/>
+                  <p16:designElem xmlns="" xmlns:p16="http://schemas.microsoft.com/office/powerpoint/2015/main" val="1"/>
                 </p:ext>
               </p:extLst>
             </p:nvPr>
@@ -14380,10 +14582,10 @@
             <p:cNvPr id="85" name="Freeform 9">
               <a:extLst>
                 <a:ext uri="{FF2B5EF4-FFF2-40B4-BE49-F238E27FC236}">
-                  <a16:creationId xmlns:a16="http://schemas.microsoft.com/office/drawing/2014/main" xmlns="" id="{332B1723-69BF-42D7-B757-0FA059E15256}"/>
+                  <a16:creationId xmlns="" xmlns:a16="http://schemas.microsoft.com/office/drawing/2014/main" id="{332B1723-69BF-42D7-B757-0FA059E15256}"/>
                 </a:ext>
                 <a:ext uri="{C183D7F6-B498-43B3-948B-1728B52AA6E4}">
-                  <adec:decorative xmlns:adec="http://schemas.microsoft.com/office/drawing/2017/decorative" xmlns="" val="1"/>
+                  <adec:decorative xmlns="" xmlns:adec="http://schemas.microsoft.com/office/drawing/2017/decorative" val="1"/>
                 </a:ext>
               </a:extLst>
             </p:cNvPr>
@@ -14391,7 +14593,7 @@
             <p:nvPr>
               <p:extLst>
                 <p:ext uri="{386F3935-93C4-4BCD-93E2-E3B085C9AB24}">
-                  <p16:designElem xmlns:p16="http://schemas.microsoft.com/office/powerpoint/2015/main" xmlns="" val="1"/>
+                  <p16:designElem xmlns="" xmlns:p16="http://schemas.microsoft.com/office/powerpoint/2015/main" val="1"/>
                 </p:ext>
               </p:extLst>
             </p:nvPr>
@@ -14440,10 +14642,10 @@
             <p:cNvPr id="86" name="Freeform 10">
               <a:extLst>
                 <a:ext uri="{FF2B5EF4-FFF2-40B4-BE49-F238E27FC236}">
-                  <a16:creationId xmlns:a16="http://schemas.microsoft.com/office/drawing/2014/main" xmlns="" id="{F115D62D-1E96-48D1-A78D-D370A0BFB9B5}"/>
+                  <a16:creationId xmlns="" xmlns:a16="http://schemas.microsoft.com/office/drawing/2014/main" id="{F115D62D-1E96-48D1-A78D-D370A0BFB9B5}"/>
                 </a:ext>
                 <a:ext uri="{C183D7F6-B498-43B3-948B-1728B52AA6E4}">
-                  <adec:decorative xmlns:adec="http://schemas.microsoft.com/office/drawing/2017/decorative" xmlns="" val="1"/>
+                  <adec:decorative xmlns="" xmlns:adec="http://schemas.microsoft.com/office/drawing/2017/decorative" val="1"/>
                 </a:ext>
               </a:extLst>
             </p:cNvPr>
@@ -14451,7 +14653,7 @@
             <p:nvPr>
               <p:extLst>
                 <p:ext uri="{386F3935-93C4-4BCD-93E2-E3B085C9AB24}">
-                  <p16:designElem xmlns:p16="http://schemas.microsoft.com/office/powerpoint/2015/main" xmlns="" val="1"/>
+                  <p16:designElem xmlns="" xmlns:p16="http://schemas.microsoft.com/office/powerpoint/2015/main" val="1"/>
                 </p:ext>
               </p:extLst>
             </p:nvPr>
@@ -14506,10 +14708,10 @@
             <p:cNvPr id="87" name="Freeform 11">
               <a:extLst>
                 <a:ext uri="{FF2B5EF4-FFF2-40B4-BE49-F238E27FC236}">
-                  <a16:creationId xmlns:a16="http://schemas.microsoft.com/office/drawing/2014/main" xmlns="" id="{91C2876A-169D-4822-A766-C00578C88B4B}"/>
+                  <a16:creationId xmlns="" xmlns:a16="http://schemas.microsoft.com/office/drawing/2014/main" id="{91C2876A-169D-4822-A766-C00578C88B4B}"/>
                 </a:ext>
                 <a:ext uri="{C183D7F6-B498-43B3-948B-1728B52AA6E4}">
-                  <adec:decorative xmlns:adec="http://schemas.microsoft.com/office/drawing/2017/decorative" xmlns="" val="1"/>
+                  <adec:decorative xmlns="" xmlns:adec="http://schemas.microsoft.com/office/drawing/2017/decorative" val="1"/>
                 </a:ext>
               </a:extLst>
             </p:cNvPr>
@@ -14517,7 +14719,7 @@
             <p:nvPr>
               <p:extLst>
                 <p:ext uri="{386F3935-93C4-4BCD-93E2-E3B085C9AB24}">
-                  <p16:designElem xmlns:p16="http://schemas.microsoft.com/office/powerpoint/2015/main" xmlns="" val="1"/>
+                  <p16:designElem xmlns="" xmlns:p16="http://schemas.microsoft.com/office/powerpoint/2015/main" val="1"/>
                 </p:ext>
               </p:extLst>
             </p:nvPr>
@@ -14637,7 +14839,7 @@
           <p:cNvPr id="2" name="Title 1">
             <a:extLst>
               <a:ext uri="{FF2B5EF4-FFF2-40B4-BE49-F238E27FC236}">
-                <a16:creationId xmlns:a16="http://schemas.microsoft.com/office/drawing/2014/main" xmlns="" id="{4854A11F-C354-4E5B-8266-65B396E11CB4}"/>
+                <a16:creationId xmlns="" xmlns:a16="http://schemas.microsoft.com/office/drawing/2014/main" id="{4854A11F-C354-4E5B-8266-65B396E11CB4}"/>
               </a:ext>
             </a:extLst>
           </p:cNvPr>
@@ -14672,7 +14874,7 @@
           <p:cNvPr id="3" name="Content Placeholder 2">
             <a:extLst>
               <a:ext uri="{FF2B5EF4-FFF2-40B4-BE49-F238E27FC236}">
-                <a16:creationId xmlns:a16="http://schemas.microsoft.com/office/drawing/2014/main" xmlns="" id="{EEE6717F-FE81-4F6A-9CB6-A8FDA0B75041}"/>
+                <a16:creationId xmlns="" xmlns:a16="http://schemas.microsoft.com/office/drawing/2014/main" id="{EEE6717F-FE81-4F6A-9CB6-A8FDA0B75041}"/>
               </a:ext>
             </a:extLst>
           </p:cNvPr>
@@ -14716,7 +14918,7 @@
           <p:cNvPr id="4" name="Picture 3">
             <a:extLst>
               <a:ext uri="{FF2B5EF4-FFF2-40B4-BE49-F238E27FC236}">
-                <a16:creationId xmlns:a16="http://schemas.microsoft.com/office/drawing/2014/main" xmlns="" id="{97344E0D-3F81-480B-B266-56564B22B341}"/>
+                <a16:creationId xmlns="" xmlns:a16="http://schemas.microsoft.com/office/drawing/2014/main" id="{97344E0D-3F81-480B-B266-56564B22B341}"/>
               </a:ext>
             </a:extLst>
           </p:cNvPr>
@@ -14801,7 +15003,7 @@
           <p:cNvPr id="2" name="Title 1">
             <a:extLst>
               <a:ext uri="{FF2B5EF4-FFF2-40B4-BE49-F238E27FC236}">
-                <a16:creationId xmlns:a16="http://schemas.microsoft.com/office/drawing/2014/main" xmlns="" id="{079DC6F5-6809-45FC-82F8-C99DD6F7AE99}"/>
+                <a16:creationId xmlns="" xmlns:a16="http://schemas.microsoft.com/office/drawing/2014/main" id="{079DC6F5-6809-45FC-82F8-C99DD6F7AE99}"/>
               </a:ext>
             </a:extLst>
           </p:cNvPr>
@@ -14834,7 +15036,7 @@
           <p:cNvPr id="2050" name="Picture 2">
             <a:extLst>
               <a:ext uri="{FF2B5EF4-FFF2-40B4-BE49-F238E27FC236}">
-                <a16:creationId xmlns:a16="http://schemas.microsoft.com/office/drawing/2014/main" xmlns="" id="{3A245400-8150-4A5C-A2A1-B70CD02649B4}"/>
+                <a16:creationId xmlns="" xmlns:a16="http://schemas.microsoft.com/office/drawing/2014/main" id="{3A245400-8150-4A5C-A2A1-B70CD02649B4}"/>
               </a:ext>
             </a:extLst>
           </p:cNvPr>
@@ -14881,7 +15083,7 @@
           <p:cNvPr id="2052" name="Picture 4">
             <a:extLst>
               <a:ext uri="{FF2B5EF4-FFF2-40B4-BE49-F238E27FC236}">
-                <a16:creationId xmlns:a16="http://schemas.microsoft.com/office/drawing/2014/main" xmlns="" id="{5FB95D2E-0CAA-41E8-9E4E-2FA739ADD99C}"/>
+                <a16:creationId xmlns="" xmlns:a16="http://schemas.microsoft.com/office/drawing/2014/main" id="{5FB95D2E-0CAA-41E8-9E4E-2FA739ADD99C}"/>
               </a:ext>
             </a:extLst>
           </p:cNvPr>
@@ -14928,7 +15130,7 @@
           <p:cNvPr id="2054" name="Picture 6">
             <a:extLst>
               <a:ext uri="{FF2B5EF4-FFF2-40B4-BE49-F238E27FC236}">
-                <a16:creationId xmlns:a16="http://schemas.microsoft.com/office/drawing/2014/main" xmlns="" id="{E713C7AD-3EE2-4EA4-A90D-479595833737}"/>
+                <a16:creationId xmlns="" xmlns:a16="http://schemas.microsoft.com/office/drawing/2014/main" id="{E713C7AD-3EE2-4EA4-A90D-479595833737}"/>
               </a:ext>
             </a:extLst>
           </p:cNvPr>
@@ -14975,7 +15177,7 @@
           <p:cNvPr id="2056" name="Picture 8">
             <a:extLst>
               <a:ext uri="{FF2B5EF4-FFF2-40B4-BE49-F238E27FC236}">
-                <a16:creationId xmlns:a16="http://schemas.microsoft.com/office/drawing/2014/main" xmlns="" id="{3101519B-5ED4-4B56-B76A-2C168CB61480}"/>
+                <a16:creationId xmlns="" xmlns:a16="http://schemas.microsoft.com/office/drawing/2014/main" id="{3101519B-5ED4-4B56-B76A-2C168CB61480}"/>
               </a:ext>
             </a:extLst>
           </p:cNvPr>
@@ -15060,10 +15262,10 @@
           <p:cNvPr id="75" name="Rectangle 74">
             <a:extLst>
               <a:ext uri="{FF2B5EF4-FFF2-40B4-BE49-F238E27FC236}">
-                <a16:creationId xmlns:a16="http://schemas.microsoft.com/office/drawing/2014/main" xmlns="" id="{E1750109-3B91-4506-B997-0CD8E35A1488}"/>
+                <a16:creationId xmlns="" xmlns:a16="http://schemas.microsoft.com/office/drawing/2014/main" id="{E1750109-3B91-4506-B997-0CD8E35A1488}"/>
               </a:ext>
               <a:ext uri="{C183D7F6-B498-43B3-948B-1728B52AA6E4}">
-                <adec:decorative xmlns:adec="http://schemas.microsoft.com/office/drawing/2017/decorative" xmlns="" val="1"/>
+                <adec:decorative xmlns="" xmlns:adec="http://schemas.microsoft.com/office/drawing/2017/decorative" val="1"/>
               </a:ext>
             </a:extLst>
           </p:cNvPr>
@@ -15073,7 +15275,7 @@
           <p:nvPr>
             <p:extLst>
               <p:ext uri="{386F3935-93C4-4BCD-93E2-E3B085C9AB24}">
-                <p16:designElem xmlns:p16="http://schemas.microsoft.com/office/powerpoint/2015/main" xmlns="" val="1"/>
+                <p16:designElem xmlns="" xmlns:p16="http://schemas.microsoft.com/office/powerpoint/2015/main" val="1"/>
               </p:ext>
             </p:extLst>
           </p:nvPr>
@@ -15123,10 +15325,10 @@
           <p:cNvPr id="77" name="Rectangle 76">
             <a:extLst>
               <a:ext uri="{FF2B5EF4-FFF2-40B4-BE49-F238E27FC236}">
-                <a16:creationId xmlns:a16="http://schemas.microsoft.com/office/drawing/2014/main" xmlns="" id="{E72D8D1B-59F6-4FF3-8547-9BBB6129F2FA}"/>
+                <a16:creationId xmlns="" xmlns:a16="http://schemas.microsoft.com/office/drawing/2014/main" id="{E72D8D1B-59F6-4FF3-8547-9BBB6129F2FA}"/>
               </a:ext>
               <a:ext uri="{C183D7F6-B498-43B3-948B-1728B52AA6E4}">
-                <adec:decorative xmlns:adec="http://schemas.microsoft.com/office/drawing/2017/decorative" xmlns="" val="1"/>
+                <adec:decorative xmlns="" xmlns:adec="http://schemas.microsoft.com/office/drawing/2017/decorative" val="1"/>
               </a:ext>
             </a:extLst>
           </p:cNvPr>
@@ -15136,7 +15338,7 @@
           <p:nvPr>
             <p:extLst>
               <p:ext uri="{386F3935-93C4-4BCD-93E2-E3B085C9AB24}">
-                <p16:designElem xmlns:p16="http://schemas.microsoft.com/office/powerpoint/2015/main" xmlns="" val="1"/>
+                <p16:designElem xmlns="" xmlns:p16="http://schemas.microsoft.com/office/powerpoint/2015/main" val="1"/>
               </p:ext>
             </p:extLst>
           </p:nvPr>
@@ -15186,7 +15388,7 @@
           <p:cNvPr id="3076" name="Picture 4">
             <a:extLst>
               <a:ext uri="{FF2B5EF4-FFF2-40B4-BE49-F238E27FC236}">
-                <a16:creationId xmlns:a16="http://schemas.microsoft.com/office/drawing/2014/main" xmlns="" id="{4A687E11-8CC6-478D-B4D9-80029CA47600}"/>
+                <a16:creationId xmlns="" xmlns:a16="http://schemas.microsoft.com/office/drawing/2014/main" id="{4A687E11-8CC6-478D-B4D9-80029CA47600}"/>
               </a:ext>
             </a:extLst>
           </p:cNvPr>
@@ -15232,10 +15434,10 @@
           <p:cNvPr id="79" name="Rectangle 78">
             <a:extLst>
               <a:ext uri="{FF2B5EF4-FFF2-40B4-BE49-F238E27FC236}">
-                <a16:creationId xmlns:a16="http://schemas.microsoft.com/office/drawing/2014/main" xmlns="" id="{2C444748-5A8D-4B53-89FE-42B455DFA2D1}"/>
+                <a16:creationId xmlns="" xmlns:a16="http://schemas.microsoft.com/office/drawing/2014/main" id="{2C444748-5A8D-4B53-89FE-42B455DFA2D1}"/>
               </a:ext>
               <a:ext uri="{C183D7F6-B498-43B3-948B-1728B52AA6E4}">
-                <adec:decorative xmlns:adec="http://schemas.microsoft.com/office/drawing/2017/decorative" xmlns="" val="1"/>
+                <adec:decorative xmlns="" xmlns:adec="http://schemas.microsoft.com/office/drawing/2017/decorative" val="1"/>
               </a:ext>
             </a:extLst>
           </p:cNvPr>
@@ -15245,7 +15447,7 @@
           <p:nvPr>
             <p:extLst>
               <p:ext uri="{386F3935-93C4-4BCD-93E2-E3B085C9AB24}">
-                <p16:designElem xmlns:p16="http://schemas.microsoft.com/office/powerpoint/2015/main" xmlns="" val="1"/>
+                <p16:designElem xmlns="" xmlns:p16="http://schemas.microsoft.com/office/powerpoint/2015/main" val="1"/>
               </p:ext>
             </p:extLst>
           </p:nvPr>
@@ -15295,7 +15497,7 @@
           <p:cNvPr id="8" name="Picture 2">
             <a:extLst>
               <a:ext uri="{FF2B5EF4-FFF2-40B4-BE49-F238E27FC236}">
-                <a16:creationId xmlns:a16="http://schemas.microsoft.com/office/drawing/2014/main" xmlns="" id="{DB829E20-EDAE-48D5-9036-5A309EDC5396}"/>
+                <a16:creationId xmlns="" xmlns:a16="http://schemas.microsoft.com/office/drawing/2014/main" id="{DB829E20-EDAE-48D5-9036-5A309EDC5396}"/>
               </a:ext>
             </a:extLst>
           </p:cNvPr>
@@ -15341,10 +15543,10 @@
           <p:cNvPr id="81" name="Rectangle 80">
             <a:extLst>
               <a:ext uri="{FF2B5EF4-FFF2-40B4-BE49-F238E27FC236}">
-                <a16:creationId xmlns:a16="http://schemas.microsoft.com/office/drawing/2014/main" xmlns="" id="{14044C96-7CFD-44DB-A579-D77B0D37C681}"/>
+                <a16:creationId xmlns="" xmlns:a16="http://schemas.microsoft.com/office/drawing/2014/main" id="{14044C96-7CFD-44DB-A579-D77B0D37C681}"/>
               </a:ext>
               <a:ext uri="{C183D7F6-B498-43B3-948B-1728B52AA6E4}">
-                <adec:decorative xmlns:adec="http://schemas.microsoft.com/office/drawing/2017/decorative" xmlns="" val="1"/>
+                <adec:decorative xmlns="" xmlns:adec="http://schemas.microsoft.com/office/drawing/2017/decorative" val="1"/>
               </a:ext>
             </a:extLst>
           </p:cNvPr>
@@ -15354,7 +15556,7 @@
           <p:nvPr>
             <p:extLst>
               <p:ext uri="{386F3935-93C4-4BCD-93E2-E3B085C9AB24}">
-                <p16:designElem xmlns:p16="http://schemas.microsoft.com/office/powerpoint/2015/main" xmlns="" val="1"/>
+                <p16:designElem xmlns="" xmlns:p16="http://schemas.microsoft.com/office/powerpoint/2015/main" val="1"/>
               </p:ext>
             </p:extLst>
           </p:nvPr>
@@ -15404,7 +15606,7 @@
           <p:cNvPr id="3074" name="Picture 2">
             <a:extLst>
               <a:ext uri="{FF2B5EF4-FFF2-40B4-BE49-F238E27FC236}">
-                <a16:creationId xmlns:a16="http://schemas.microsoft.com/office/drawing/2014/main" xmlns="" id="{AD2F1A32-906B-46F1-B65A-A3987B74D21B}"/>
+                <a16:creationId xmlns="" xmlns:a16="http://schemas.microsoft.com/office/drawing/2014/main" id="{AD2F1A32-906B-46F1-B65A-A3987B74D21B}"/>
               </a:ext>
             </a:extLst>
           </p:cNvPr>
@@ -15450,10 +15652,10 @@
           <p:cNvPr id="83" name="Rectangle 82">
             <a:extLst>
               <a:ext uri="{FF2B5EF4-FFF2-40B4-BE49-F238E27FC236}">
-                <a16:creationId xmlns:a16="http://schemas.microsoft.com/office/drawing/2014/main" xmlns="" id="{8FC8C21F-9484-4A71-ABFA-6C10682FAC3E}"/>
+                <a16:creationId xmlns="" xmlns:a16="http://schemas.microsoft.com/office/drawing/2014/main" id="{8FC8C21F-9484-4A71-ABFA-6C10682FAC3E}"/>
               </a:ext>
               <a:ext uri="{C183D7F6-B498-43B3-948B-1728B52AA6E4}">
-                <adec:decorative xmlns:adec="http://schemas.microsoft.com/office/drawing/2017/decorative" xmlns="" val="1"/>
+                <adec:decorative xmlns="" xmlns:adec="http://schemas.microsoft.com/office/drawing/2017/decorative" val="1"/>
               </a:ext>
             </a:extLst>
           </p:cNvPr>
@@ -15463,7 +15665,7 @@
           <p:nvPr>
             <p:extLst>
               <p:ext uri="{386F3935-93C4-4BCD-93E2-E3B085C9AB24}">
-                <p16:designElem xmlns:p16="http://schemas.microsoft.com/office/powerpoint/2015/main" xmlns="" val="1"/>
+                <p16:designElem xmlns="" xmlns:p16="http://schemas.microsoft.com/office/powerpoint/2015/main" val="1"/>
               </p:ext>
             </p:extLst>
           </p:nvPr>
@@ -15513,7 +15715,7 @@
           <p:cNvPr id="3078" name="Picture 6">
             <a:extLst>
               <a:ext uri="{FF2B5EF4-FFF2-40B4-BE49-F238E27FC236}">
-                <a16:creationId xmlns:a16="http://schemas.microsoft.com/office/drawing/2014/main" xmlns="" id="{5B396415-C4C2-4531-A5B4-CEEA809CA4C6}"/>
+                <a16:creationId xmlns="" xmlns:a16="http://schemas.microsoft.com/office/drawing/2014/main" id="{5B396415-C4C2-4531-A5B4-CEEA809CA4C6}"/>
               </a:ext>
             </a:extLst>
           </p:cNvPr>
@@ -15559,10 +15761,10 @@
           <p:cNvPr id="85" name="Rectangle 84">
             <a:extLst>
               <a:ext uri="{FF2B5EF4-FFF2-40B4-BE49-F238E27FC236}">
-                <a16:creationId xmlns:a16="http://schemas.microsoft.com/office/drawing/2014/main" xmlns="" id="{F4FFA271-A10A-4AC3-8F06-E3313A197A80}"/>
+                <a16:creationId xmlns="" xmlns:a16="http://schemas.microsoft.com/office/drawing/2014/main" id="{F4FFA271-A10A-4AC3-8F06-E3313A197A80}"/>
               </a:ext>
               <a:ext uri="{C183D7F6-B498-43B3-948B-1728B52AA6E4}">
-                <adec:decorative xmlns:adec="http://schemas.microsoft.com/office/drawing/2017/decorative" xmlns="" val="1"/>
+                <adec:decorative xmlns="" xmlns:adec="http://schemas.microsoft.com/office/drawing/2017/decorative" val="1"/>
               </a:ext>
             </a:extLst>
           </p:cNvPr>
@@ -15572,7 +15774,7 @@
           <p:nvPr>
             <p:extLst>
               <p:ext uri="{386F3935-93C4-4BCD-93E2-E3B085C9AB24}">
-                <p16:designElem xmlns:p16="http://schemas.microsoft.com/office/powerpoint/2015/main" xmlns="" val="1"/>
+                <p16:designElem xmlns="" xmlns:p16="http://schemas.microsoft.com/office/powerpoint/2015/main" val="1"/>
               </p:ext>
             </p:extLst>
           </p:nvPr>
@@ -15622,10 +15824,10 @@
           <p:cNvPr id="87" name="Rectangle 86">
             <a:extLst>
               <a:ext uri="{FF2B5EF4-FFF2-40B4-BE49-F238E27FC236}">
-                <a16:creationId xmlns:a16="http://schemas.microsoft.com/office/drawing/2014/main" xmlns="" id="{7F9FE375-3674-4B26-B67B-30AFAF78CC57}"/>
+                <a16:creationId xmlns="" xmlns:a16="http://schemas.microsoft.com/office/drawing/2014/main" id="{7F9FE375-3674-4B26-B67B-30AFAF78CC57}"/>
               </a:ext>
               <a:ext uri="{C183D7F6-B498-43B3-948B-1728B52AA6E4}">
-                <adec:decorative xmlns:adec="http://schemas.microsoft.com/office/drawing/2017/decorative" xmlns="" val="1"/>
+                <adec:decorative xmlns="" xmlns:adec="http://schemas.microsoft.com/office/drawing/2017/decorative" val="1"/>
               </a:ext>
             </a:extLst>
           </p:cNvPr>
@@ -15635,7 +15837,7 @@
           <p:nvPr>
             <p:extLst>
               <p:ext uri="{386F3935-93C4-4BCD-93E2-E3B085C9AB24}">
-                <p16:designElem xmlns:p16="http://schemas.microsoft.com/office/powerpoint/2015/main" xmlns="" val="1"/>
+                <p16:designElem xmlns="" xmlns:p16="http://schemas.microsoft.com/office/powerpoint/2015/main" val="1"/>
               </p:ext>
             </p:extLst>
           </p:nvPr>
@@ -15685,7 +15887,7 @@
           <p:cNvPr id="4" name="Picture 10">
             <a:extLst>
               <a:ext uri="{FF2B5EF4-FFF2-40B4-BE49-F238E27FC236}">
-                <a16:creationId xmlns:a16="http://schemas.microsoft.com/office/drawing/2014/main" xmlns="" id="{29989A6F-BBCD-478A-9BDC-471EF9F6B9BA}"/>
+                <a16:creationId xmlns="" xmlns:a16="http://schemas.microsoft.com/office/drawing/2014/main" id="{29989A6F-BBCD-478A-9BDC-471EF9F6B9BA}"/>
               </a:ext>
             </a:extLst>
           </p:cNvPr>
@@ -15731,7 +15933,7 @@
           <p:cNvPr id="9" name="Picture 4">
             <a:extLst>
               <a:ext uri="{FF2B5EF4-FFF2-40B4-BE49-F238E27FC236}">
-                <a16:creationId xmlns:a16="http://schemas.microsoft.com/office/drawing/2014/main" xmlns="" id="{9D5DD5BE-3112-4390-8892-90876C06212A}"/>
+                <a16:creationId xmlns="" xmlns:a16="http://schemas.microsoft.com/office/drawing/2014/main" id="{9D5DD5BE-3112-4390-8892-90876C06212A}"/>
               </a:ext>
             </a:extLst>
           </p:cNvPr>
@@ -15829,7 +16031,7 @@
           <p:cNvPr id="2" name="Title 1">
             <a:extLst>
               <a:ext uri="{FF2B5EF4-FFF2-40B4-BE49-F238E27FC236}">
-                <a16:creationId xmlns:a16="http://schemas.microsoft.com/office/drawing/2014/main" xmlns="" id="{3226C723-7C92-4552-9CC5-667655216733}"/>
+                <a16:creationId xmlns="" xmlns:a16="http://schemas.microsoft.com/office/drawing/2014/main" id="{3226C723-7C92-4552-9CC5-667655216733}"/>
               </a:ext>
             </a:extLst>
           </p:cNvPr>
@@ -15864,7 +16066,7 @@
           <p:cNvPr id="5" name="Content Placeholder 2">
             <a:extLst>
               <a:ext uri="{FF2B5EF4-FFF2-40B4-BE49-F238E27FC236}">
-                <a16:creationId xmlns:a16="http://schemas.microsoft.com/office/drawing/2014/main" xmlns="" id="{D8D5FE48-FB36-4C32-B2BB-4FA32EE89B4B}"/>
+                <a16:creationId xmlns="" xmlns:a16="http://schemas.microsoft.com/office/drawing/2014/main" id="{D8D5FE48-FB36-4C32-B2BB-4FA32EE89B4B}"/>
               </a:ext>
             </a:extLst>
           </p:cNvPr>
@@ -15925,10 +16127,10 @@
           <p:cNvPr id="8" name="Rectangle 7">
             <a:extLst>
               <a:ext uri="{FF2B5EF4-FFF2-40B4-BE49-F238E27FC236}">
-                <a16:creationId xmlns:a16="http://schemas.microsoft.com/office/drawing/2014/main" xmlns="" id="{C8643778-7F6C-4E8D-84D1-D5CDB9928191}"/>
+                <a16:creationId xmlns="" xmlns:a16="http://schemas.microsoft.com/office/drawing/2014/main" id="{C8643778-7F6C-4E8D-84D1-D5CDB9928191}"/>
               </a:ext>
               <a:ext uri="{C183D7F6-B498-43B3-948B-1728B52AA6E4}">
-                <adec:decorative xmlns:adec="http://schemas.microsoft.com/office/drawing/2017/decorative" xmlns="" val="1"/>
+                <adec:decorative xmlns="" xmlns:adec="http://schemas.microsoft.com/office/drawing/2017/decorative" val="1"/>
               </a:ext>
             </a:extLst>
           </p:cNvPr>
@@ -15938,7 +16140,7 @@
           <p:nvPr>
             <p:extLst>
               <p:ext uri="{386F3935-93C4-4BCD-93E2-E3B085C9AB24}">
-                <p16:designElem xmlns:p16="http://schemas.microsoft.com/office/powerpoint/2015/main" xmlns="" val="1"/>
+                <p16:designElem xmlns="" xmlns:p16="http://schemas.microsoft.com/office/powerpoint/2015/main" val="1"/>
               </p:ext>
             </p:extLst>
           </p:nvPr>
@@ -15985,10 +16187,10 @@
           <p:cNvPr id="10" name="Freeform: Shape 9">
             <a:extLst>
               <a:ext uri="{FF2B5EF4-FFF2-40B4-BE49-F238E27FC236}">
-                <a16:creationId xmlns:a16="http://schemas.microsoft.com/office/drawing/2014/main" xmlns="" id="{1D22F88D-6907-48AF-B024-346E855E0D96}"/>
+                <a16:creationId xmlns="" xmlns:a16="http://schemas.microsoft.com/office/drawing/2014/main" id="{1D22F88D-6907-48AF-B024-346E855E0D96}"/>
               </a:ext>
               <a:ext uri="{C183D7F6-B498-43B3-948B-1728B52AA6E4}">
-                <adec:decorative xmlns:adec="http://schemas.microsoft.com/office/drawing/2017/decorative" xmlns="" val="1"/>
+                <adec:decorative xmlns="" xmlns:adec="http://schemas.microsoft.com/office/drawing/2017/decorative" val="1"/>
               </a:ext>
             </a:extLst>
           </p:cNvPr>
@@ -15998,7 +16200,7 @@
           <p:nvPr>
             <p:extLst>
               <p:ext uri="{386F3935-93C4-4BCD-93E2-E3B085C9AB24}">
-                <p16:designElem xmlns:p16="http://schemas.microsoft.com/office/powerpoint/2015/main" xmlns="" val="1"/>
+                <p16:designElem xmlns="" xmlns:p16="http://schemas.microsoft.com/office/powerpoint/2015/main" val="1"/>
               </p:ext>
             </p:extLst>
           </p:nvPr>
@@ -16168,7 +16370,7 @@
           <p:cNvPr id="2" name="Title 1">
             <a:extLst>
               <a:ext uri="{FF2B5EF4-FFF2-40B4-BE49-F238E27FC236}">
-                <a16:creationId xmlns:a16="http://schemas.microsoft.com/office/drawing/2014/main" xmlns="" id="{64D11C18-433D-47C7-A5D4-BE9F831A41AD}"/>
+                <a16:creationId xmlns="" xmlns:a16="http://schemas.microsoft.com/office/drawing/2014/main" id="{64D11C18-433D-47C7-A5D4-BE9F831A41AD}"/>
               </a:ext>
             </a:extLst>
           </p:cNvPr>
@@ -16213,7 +16415,7 @@
           <p:cNvPr id="3" name="Content Placeholder 2">
             <a:extLst>
               <a:ext uri="{FF2B5EF4-FFF2-40B4-BE49-F238E27FC236}">
-                <a16:creationId xmlns:a16="http://schemas.microsoft.com/office/drawing/2014/main" xmlns="" id="{50137A64-BFED-4522-8DF9-D1DB99F6F6DE}"/>
+                <a16:creationId xmlns="" xmlns:a16="http://schemas.microsoft.com/office/drawing/2014/main" id="{50137A64-BFED-4522-8DF9-D1DB99F6F6DE}"/>
               </a:ext>
             </a:extLst>
           </p:cNvPr>
@@ -16258,7 +16460,6 @@
               <a:rPr lang="en-US" sz="2000" dirty="0"/>
               <a:t>Drawback: More complexity </a:t>
             </a:r>
-            <a:endParaRPr lang="en-US" sz="2000" dirty="0"/>
           </a:p>
         </p:txBody>
       </p:sp>
@@ -16267,10 +16468,10 @@
           <p:cNvPr id="12" name="Group 11">
             <a:extLst>
               <a:ext uri="{FF2B5EF4-FFF2-40B4-BE49-F238E27FC236}">
-                <a16:creationId xmlns:a16="http://schemas.microsoft.com/office/drawing/2014/main" xmlns="" id="{F3842748-48B5-4DD0-A06A-A31C74024A99}"/>
+                <a16:creationId xmlns="" xmlns:a16="http://schemas.microsoft.com/office/drawing/2014/main" id="{F3842748-48B5-4DD0-A06A-A31C74024A99}"/>
               </a:ext>
               <a:ext uri="{C183D7F6-B498-43B3-948B-1728B52AA6E4}">
-                <adec:decorative xmlns:adec="http://schemas.microsoft.com/office/drawing/2017/decorative" xmlns="" val="1"/>
+                <adec:decorative xmlns="" xmlns:adec="http://schemas.microsoft.com/office/drawing/2017/decorative" val="1"/>
               </a:ext>
             </a:extLst>
           </p:cNvPr>
@@ -16280,7 +16481,7 @@
           <p:nvPr>
             <p:extLst>
               <p:ext uri="{386F3935-93C4-4BCD-93E2-E3B085C9AB24}">
-                <p16:designElem xmlns:p16="http://schemas.microsoft.com/office/powerpoint/2015/main" xmlns="" val="1"/>
+                <p16:designElem xmlns="" xmlns:p16="http://schemas.microsoft.com/office/powerpoint/2015/main" val="1"/>
               </p:ext>
             </p:extLst>
           </p:nvPr>
@@ -16298,10 +16499,10 @@
             <p:cNvPr id="13" name="Freeform 6">
               <a:extLst>
                 <a:ext uri="{FF2B5EF4-FFF2-40B4-BE49-F238E27FC236}">
-                  <a16:creationId xmlns:a16="http://schemas.microsoft.com/office/drawing/2014/main" xmlns="" id="{548E99BE-1071-4690-9B9C-07926CEE5557}"/>
+                  <a16:creationId xmlns="" xmlns:a16="http://schemas.microsoft.com/office/drawing/2014/main" id="{548E99BE-1071-4690-9B9C-07926CEE5557}"/>
                 </a:ext>
                 <a:ext uri="{C183D7F6-B498-43B3-948B-1728B52AA6E4}">
-                  <adec:decorative xmlns:adec="http://schemas.microsoft.com/office/drawing/2017/decorative" xmlns="" val="1"/>
+                  <adec:decorative xmlns="" xmlns:adec="http://schemas.microsoft.com/office/drawing/2017/decorative" val="1"/>
                 </a:ext>
               </a:extLst>
             </p:cNvPr>
@@ -16309,7 +16510,7 @@
             <p:nvPr>
               <p:extLst>
                 <p:ext uri="{386F3935-93C4-4BCD-93E2-E3B085C9AB24}">
-                  <p16:designElem xmlns:p16="http://schemas.microsoft.com/office/powerpoint/2015/main" xmlns="" val="1"/>
+                  <p16:designElem xmlns="" xmlns:p16="http://schemas.microsoft.com/office/powerpoint/2015/main" val="1"/>
                 </p:ext>
               </p:extLst>
             </p:nvPr>
@@ -16359,10 +16560,10 @@
             <p:cNvPr id="14" name="Freeform 7">
               <a:extLst>
                 <a:ext uri="{FF2B5EF4-FFF2-40B4-BE49-F238E27FC236}">
-                  <a16:creationId xmlns:a16="http://schemas.microsoft.com/office/drawing/2014/main" xmlns="" id="{9301F039-B467-413A-B25C-770E51069D42}"/>
+                  <a16:creationId xmlns="" xmlns:a16="http://schemas.microsoft.com/office/drawing/2014/main" id="{9301F039-B467-413A-B25C-770E51069D42}"/>
                 </a:ext>
                 <a:ext uri="{C183D7F6-B498-43B3-948B-1728B52AA6E4}">
-                  <adec:decorative xmlns:adec="http://schemas.microsoft.com/office/drawing/2017/decorative" xmlns="" val="1"/>
+                  <adec:decorative xmlns="" xmlns:adec="http://schemas.microsoft.com/office/drawing/2017/decorative" val="1"/>
                 </a:ext>
               </a:extLst>
             </p:cNvPr>
@@ -16370,7 +16571,7 @@
             <p:nvPr>
               <p:extLst>
                 <p:ext uri="{386F3935-93C4-4BCD-93E2-E3B085C9AB24}">
-                  <p16:designElem xmlns:p16="http://schemas.microsoft.com/office/powerpoint/2015/main" xmlns="" val="1"/>
+                  <p16:designElem xmlns="" xmlns:p16="http://schemas.microsoft.com/office/powerpoint/2015/main" val="1"/>
                 </p:ext>
               </p:extLst>
             </p:nvPr>
@@ -16423,10 +16624,10 @@
             <p:cNvPr id="15" name="Freeform 8">
               <a:extLst>
                 <a:ext uri="{FF2B5EF4-FFF2-40B4-BE49-F238E27FC236}">
-                  <a16:creationId xmlns:a16="http://schemas.microsoft.com/office/drawing/2014/main" xmlns="" id="{9F06AEC1-5558-49E8-8CAC-FEBD00DF0031}"/>
+                  <a16:creationId xmlns="" xmlns:a16="http://schemas.microsoft.com/office/drawing/2014/main" id="{9F06AEC1-5558-49E8-8CAC-FEBD00DF0031}"/>
                 </a:ext>
                 <a:ext uri="{C183D7F6-B498-43B3-948B-1728B52AA6E4}">
-                  <adec:decorative xmlns:adec="http://schemas.microsoft.com/office/drawing/2017/decorative" xmlns="" val="1"/>
+                  <adec:decorative xmlns="" xmlns:adec="http://schemas.microsoft.com/office/drawing/2017/decorative" val="1"/>
                 </a:ext>
               </a:extLst>
             </p:cNvPr>
@@ -16434,7 +16635,7 @@
             <p:nvPr>
               <p:extLst>
                 <p:ext uri="{386F3935-93C4-4BCD-93E2-E3B085C9AB24}">
-                  <p16:designElem xmlns:p16="http://schemas.microsoft.com/office/powerpoint/2015/main" xmlns="" val="1"/>
+                  <p16:designElem xmlns="" xmlns:p16="http://schemas.microsoft.com/office/powerpoint/2015/main" val="1"/>
                 </p:ext>
               </p:extLst>
             </p:nvPr>
@@ -16484,10 +16685,10 @@
             <p:cNvPr id="16" name="Freeform 9">
               <a:extLst>
                 <a:ext uri="{FF2B5EF4-FFF2-40B4-BE49-F238E27FC236}">
-                  <a16:creationId xmlns:a16="http://schemas.microsoft.com/office/drawing/2014/main" xmlns="" id="{D10B76B9-BA68-471E-B58C-ED91198A9FAB}"/>
+                  <a16:creationId xmlns="" xmlns:a16="http://schemas.microsoft.com/office/drawing/2014/main" id="{D10B76B9-BA68-471E-B58C-ED91198A9FAB}"/>
                 </a:ext>
                 <a:ext uri="{C183D7F6-B498-43B3-948B-1728B52AA6E4}">
-                  <adec:decorative xmlns:adec="http://schemas.microsoft.com/office/drawing/2017/decorative" xmlns="" val="1"/>
+                  <adec:decorative xmlns="" xmlns:adec="http://schemas.microsoft.com/office/drawing/2017/decorative" val="1"/>
                 </a:ext>
               </a:extLst>
             </p:cNvPr>
@@ -16495,7 +16696,7 @@
             <p:nvPr>
               <p:extLst>
                 <p:ext uri="{386F3935-93C4-4BCD-93E2-E3B085C9AB24}">
-                  <p16:designElem xmlns:p16="http://schemas.microsoft.com/office/powerpoint/2015/main" xmlns="" val="1"/>
+                  <p16:designElem xmlns="" xmlns:p16="http://schemas.microsoft.com/office/powerpoint/2015/main" val="1"/>
                 </p:ext>
               </p:extLst>
             </p:nvPr>
@@ -16544,10 +16745,10 @@
             <p:cNvPr id="17" name="Freeform 10">
               <a:extLst>
                 <a:ext uri="{FF2B5EF4-FFF2-40B4-BE49-F238E27FC236}">
-                  <a16:creationId xmlns:a16="http://schemas.microsoft.com/office/drawing/2014/main" xmlns="" id="{FEB3913B-54A3-490E-BA4B-5D0330990FCB}"/>
+                  <a16:creationId xmlns="" xmlns:a16="http://schemas.microsoft.com/office/drawing/2014/main" id="{FEB3913B-54A3-490E-BA4B-5D0330990FCB}"/>
                 </a:ext>
                 <a:ext uri="{C183D7F6-B498-43B3-948B-1728B52AA6E4}">
-                  <adec:decorative xmlns:adec="http://schemas.microsoft.com/office/drawing/2017/decorative" xmlns="" val="1"/>
+                  <adec:decorative xmlns="" xmlns:adec="http://schemas.microsoft.com/office/drawing/2017/decorative" val="1"/>
                 </a:ext>
               </a:extLst>
             </p:cNvPr>
@@ -16555,7 +16756,7 @@
             <p:nvPr>
               <p:extLst>
                 <p:ext uri="{386F3935-93C4-4BCD-93E2-E3B085C9AB24}">
-                  <p16:designElem xmlns:p16="http://schemas.microsoft.com/office/powerpoint/2015/main" xmlns="" val="1"/>
+                  <p16:designElem xmlns="" xmlns:p16="http://schemas.microsoft.com/office/powerpoint/2015/main" val="1"/>
                 </p:ext>
               </p:extLst>
             </p:nvPr>
@@ -16610,10 +16811,10 @@
             <p:cNvPr id="18" name="Freeform 11">
               <a:extLst>
                 <a:ext uri="{FF2B5EF4-FFF2-40B4-BE49-F238E27FC236}">
-                  <a16:creationId xmlns:a16="http://schemas.microsoft.com/office/drawing/2014/main" xmlns="" id="{F75DC961-08A4-46F8-8A80-2E1FB977E1F4}"/>
+                  <a16:creationId xmlns="" xmlns:a16="http://schemas.microsoft.com/office/drawing/2014/main" id="{F75DC961-08A4-46F8-8A80-2E1FB977E1F4}"/>
                 </a:ext>
                 <a:ext uri="{C183D7F6-B498-43B3-948B-1728B52AA6E4}">
-                  <adec:decorative xmlns:adec="http://schemas.microsoft.com/office/drawing/2017/decorative" xmlns="" val="1"/>
+                  <adec:decorative xmlns="" xmlns:adec="http://schemas.microsoft.com/office/drawing/2017/decorative" val="1"/>
                 </a:ext>
               </a:extLst>
             </p:cNvPr>
@@ -16621,7 +16822,7 @@
             <p:nvPr>
               <p:extLst>
                 <p:ext uri="{386F3935-93C4-4BCD-93E2-E3B085C9AB24}">
-                  <p16:designElem xmlns:p16="http://schemas.microsoft.com/office/powerpoint/2015/main" xmlns="" val="1"/>
+                  <p16:designElem xmlns="" xmlns:p16="http://schemas.microsoft.com/office/powerpoint/2015/main" val="1"/>
                 </p:ext>
               </p:extLst>
             </p:nvPr>
@@ -16948,7 +17149,7 @@
   <a:extraClrSchemeLst/>
   <a:extLst>
     <a:ext uri="{05A4C25C-085E-4340-85A3-A5531E510DB2}">
-      <thm15:themeFamily xmlns:thm15="http://schemas.microsoft.com/office/thememl/2012/main" xmlns="" name="Parallax" id="{3388167B-A2EB-4685-9635-1831D9AEF8C4}" vid="{4F7A876A-7598-49CA-AFC8-8EDA2551E4A7}"/>
+      <thm15:themeFamily xmlns="" xmlns:thm15="http://schemas.microsoft.com/office/thememl/2012/main" name="Parallax" id="{3388167B-A2EB-4685-9635-1831D9AEF8C4}" vid="{4F7A876A-7598-49CA-AFC8-8EDA2551E4A7}"/>
     </a:ext>
   </a:extLst>
 </a:theme>
